--- a/Exposición.pptx
+++ b/Exposición.pptx
@@ -1,39 +1,39 @@
 
 <file path=ppt/presentation.xml><?xml version="1.0" encoding="utf-8"?>
-<p:presentation xmlns:a="http://schemas.openxmlformats.org/drawingml/2006/main" xmlns:r="http://schemas.openxmlformats.org/officeDocument/2006/relationships" xmlns:mc="http://schemas.openxmlformats.org/markup-compatibility/2006" xmlns:mv="urn:schemas-microsoft-com:mac:vml" xmlns:p="http://schemas.openxmlformats.org/presentationml/2006/main" xmlns:c="http://schemas.openxmlformats.org/drawingml/2006/chart" xmlns:dgm="http://schemas.openxmlformats.org/drawingml/2006/diagram" xmlns:o="urn:schemas-microsoft-com:office:office" xmlns:v="urn:schemas-microsoft-com:vml" xmlns:pvml="urn:schemas-microsoft-com:office:powerpoint" xmlns:com="http://schemas.openxmlformats.org/drawingml/2006/compatibility" xmlns:p14="http://schemas.microsoft.com/office/powerpoint/2010/main" xmlns:p15="http://schemas.microsoft.com/office/powerpoint/2012/main" xmlns:ahyp="http://schemas.microsoft.com/office/drawing/2018/hyperlinkcolor" autoCompressPictures="0" embedTrueTypeFonts="1" strictFirstAndLastChars="0" saveSubsetFonts="1">
+<p:presentation xmlns:a="http://schemas.openxmlformats.org/drawingml/2006/main" xmlns:r="http://schemas.openxmlformats.org/officeDocument/2006/relationships" xmlns:p="http://schemas.openxmlformats.org/presentationml/2006/main" strictFirstAndLastChars="0" embedTrueTypeFonts="1" saveSubsetFonts="1" autoCompressPictures="0">
   <p:sldMasterIdLst>
-    <p:sldMasterId id="2147483659" r:id="rId4"/>
+    <p:sldMasterId id="2147483659" r:id="rId1"/>
   </p:sldMasterIdLst>
   <p:notesMasterIdLst>
-    <p:notesMasterId r:id="rId5"/>
+    <p:notesMasterId r:id="rId9"/>
   </p:notesMasterIdLst>
   <p:sldIdLst>
-    <p:sldId id="256" r:id="rId6"/>
-    <p:sldId id="257" r:id="rId7"/>
-    <p:sldId id="258" r:id="rId8"/>
-    <p:sldId id="259" r:id="rId9"/>
-    <p:sldId id="260" r:id="rId10"/>
-    <p:sldId id="261" r:id="rId11"/>
-    <p:sldId id="262" r:id="rId12"/>
+    <p:sldId id="256" r:id="rId2"/>
+    <p:sldId id="257" r:id="rId3"/>
+    <p:sldId id="258" r:id="rId4"/>
+    <p:sldId id="259" r:id="rId5"/>
+    <p:sldId id="260" r:id="rId6"/>
+    <p:sldId id="261" r:id="rId7"/>
+    <p:sldId id="262" r:id="rId8"/>
   </p:sldIdLst>
-  <p:sldSz cy="5143500" cx="9144000"/>
+  <p:sldSz cx="9144000" cy="5143500" type="screen16x9"/>
   <p:notesSz cx="6858000" cy="9144000"/>
   <p:embeddedFontLst>
     <p:embeddedFont>
-      <p:font typeface="Roboto Slab"/>
-      <p:regular r:id="rId13"/>
-      <p:bold r:id="rId14"/>
+      <p:font typeface="Roboto" panose="02000000000000000000" pitchFamily="2" charset="0"/>
+      <p:regular r:id="rId10"/>
+      <p:bold r:id="rId11"/>
+      <p:italic r:id="rId12"/>
+      <p:boldItalic r:id="rId13"/>
     </p:embeddedFont>
     <p:embeddedFont>
-      <p:font typeface="Roboto"/>
-      <p:regular r:id="rId15"/>
-      <p:bold r:id="rId16"/>
-      <p:italic r:id="rId17"/>
-      <p:boldItalic r:id="rId18"/>
+      <p:font typeface="Roboto Slab" pitchFamily="2" charset="0"/>
+      <p:regular r:id="rId14"/>
+      <p:bold r:id="rId15"/>
     </p:embeddedFont>
   </p:embeddedFontLst>
   <p:defaultTextStyle>
-    <a:defPPr lvl="0" marR="0" rtl="0" algn="l">
+    <a:defPPr marR="0" lvl="0" algn="l" rtl="0">
       <a:lnSpc>
         <a:spcPct val="100000"/>
       </a:lnSpc>
@@ -44,7 +44,7 @@
         <a:spcPts val="0"/>
       </a:spcAft>
     </a:defPPr>
-    <a:lvl1pPr lvl="0" marR="0" rtl="0" algn="l">
+    <a:lvl1pPr marR="0" lvl="0" algn="l" rtl="0">
       <a:lnSpc>
         <a:spcPct val="100000"/>
       </a:lnSpc>
@@ -58,7 +58,7 @@
         <a:srgbClr val="000000"/>
       </a:buClr>
       <a:buFont typeface="Arial"/>
-      <a:defRPr b="0" i="0" sz="1400" u="none" cap="none" strike="noStrike">
+      <a:defRPr sz="1400" b="0" i="0" u="none" strike="noStrike" cap="none">
         <a:solidFill>
           <a:srgbClr val="000000"/>
         </a:solidFill>
@@ -68,7 +68,7 @@
         <a:sym typeface="Arial"/>
       </a:defRPr>
     </a:lvl1pPr>
-    <a:lvl2pPr lvl="1" marR="0" rtl="0" algn="l">
+    <a:lvl2pPr marR="0" lvl="1" algn="l" rtl="0">
       <a:lnSpc>
         <a:spcPct val="100000"/>
       </a:lnSpc>
@@ -82,7 +82,7 @@
         <a:srgbClr val="000000"/>
       </a:buClr>
       <a:buFont typeface="Arial"/>
-      <a:defRPr b="0" i="0" sz="1400" u="none" cap="none" strike="noStrike">
+      <a:defRPr sz="1400" b="0" i="0" u="none" strike="noStrike" cap="none">
         <a:solidFill>
           <a:srgbClr val="000000"/>
         </a:solidFill>
@@ -92,7 +92,7 @@
         <a:sym typeface="Arial"/>
       </a:defRPr>
     </a:lvl2pPr>
-    <a:lvl3pPr lvl="2" marR="0" rtl="0" algn="l">
+    <a:lvl3pPr marR="0" lvl="2" algn="l" rtl="0">
       <a:lnSpc>
         <a:spcPct val="100000"/>
       </a:lnSpc>
@@ -106,7 +106,7 @@
         <a:srgbClr val="000000"/>
       </a:buClr>
       <a:buFont typeface="Arial"/>
-      <a:defRPr b="0" i="0" sz="1400" u="none" cap="none" strike="noStrike">
+      <a:defRPr sz="1400" b="0" i="0" u="none" strike="noStrike" cap="none">
         <a:solidFill>
           <a:srgbClr val="000000"/>
         </a:solidFill>
@@ -116,7 +116,7 @@
         <a:sym typeface="Arial"/>
       </a:defRPr>
     </a:lvl3pPr>
-    <a:lvl4pPr lvl="3" marR="0" rtl="0" algn="l">
+    <a:lvl4pPr marR="0" lvl="3" algn="l" rtl="0">
       <a:lnSpc>
         <a:spcPct val="100000"/>
       </a:lnSpc>
@@ -130,7 +130,7 @@
         <a:srgbClr val="000000"/>
       </a:buClr>
       <a:buFont typeface="Arial"/>
-      <a:defRPr b="0" i="0" sz="1400" u="none" cap="none" strike="noStrike">
+      <a:defRPr sz="1400" b="0" i="0" u="none" strike="noStrike" cap="none">
         <a:solidFill>
           <a:srgbClr val="000000"/>
         </a:solidFill>
@@ -140,7 +140,7 @@
         <a:sym typeface="Arial"/>
       </a:defRPr>
     </a:lvl4pPr>
-    <a:lvl5pPr lvl="4" marR="0" rtl="0" algn="l">
+    <a:lvl5pPr marR="0" lvl="4" algn="l" rtl="0">
       <a:lnSpc>
         <a:spcPct val="100000"/>
       </a:lnSpc>
@@ -154,7 +154,7 @@
         <a:srgbClr val="000000"/>
       </a:buClr>
       <a:buFont typeface="Arial"/>
-      <a:defRPr b="0" i="0" sz="1400" u="none" cap="none" strike="noStrike">
+      <a:defRPr sz="1400" b="0" i="0" u="none" strike="noStrike" cap="none">
         <a:solidFill>
           <a:srgbClr val="000000"/>
         </a:solidFill>
@@ -164,7 +164,7 @@
         <a:sym typeface="Arial"/>
       </a:defRPr>
     </a:lvl5pPr>
-    <a:lvl6pPr lvl="5" marR="0" rtl="0" algn="l">
+    <a:lvl6pPr marR="0" lvl="5" algn="l" rtl="0">
       <a:lnSpc>
         <a:spcPct val="100000"/>
       </a:lnSpc>
@@ -178,7 +178,7 @@
         <a:srgbClr val="000000"/>
       </a:buClr>
       <a:buFont typeface="Arial"/>
-      <a:defRPr b="0" i="0" sz="1400" u="none" cap="none" strike="noStrike">
+      <a:defRPr sz="1400" b="0" i="0" u="none" strike="noStrike" cap="none">
         <a:solidFill>
           <a:srgbClr val="000000"/>
         </a:solidFill>
@@ -188,7 +188,7 @@
         <a:sym typeface="Arial"/>
       </a:defRPr>
     </a:lvl6pPr>
-    <a:lvl7pPr lvl="6" marR="0" rtl="0" algn="l">
+    <a:lvl7pPr marR="0" lvl="6" algn="l" rtl="0">
       <a:lnSpc>
         <a:spcPct val="100000"/>
       </a:lnSpc>
@@ -202,7 +202,7 @@
         <a:srgbClr val="000000"/>
       </a:buClr>
       <a:buFont typeface="Arial"/>
-      <a:defRPr b="0" i="0" sz="1400" u="none" cap="none" strike="noStrike">
+      <a:defRPr sz="1400" b="0" i="0" u="none" strike="noStrike" cap="none">
         <a:solidFill>
           <a:srgbClr val="000000"/>
         </a:solidFill>
@@ -212,7 +212,7 @@
         <a:sym typeface="Arial"/>
       </a:defRPr>
     </a:lvl7pPr>
-    <a:lvl8pPr lvl="7" marR="0" rtl="0" algn="l">
+    <a:lvl8pPr marR="0" lvl="7" algn="l" rtl="0">
       <a:lnSpc>
         <a:spcPct val="100000"/>
       </a:lnSpc>
@@ -226,7 +226,7 @@
         <a:srgbClr val="000000"/>
       </a:buClr>
       <a:buFont typeface="Arial"/>
-      <a:defRPr b="0" i="0" sz="1400" u="none" cap="none" strike="noStrike">
+      <a:defRPr sz="1400" b="0" i="0" u="none" strike="noStrike" cap="none">
         <a:solidFill>
           <a:srgbClr val="000000"/>
         </a:solidFill>
@@ -236,7 +236,7 @@
         <a:sym typeface="Arial"/>
       </a:defRPr>
     </a:lvl8pPr>
-    <a:lvl9pPr lvl="8" marR="0" rtl="0" algn="l">
+    <a:lvl9pPr marR="0" lvl="8" algn="l" rtl="0">
       <a:lnSpc>
         <a:spcPct val="100000"/>
       </a:lnSpc>
@@ -250,7 +250,7 @@
         <a:srgbClr val="000000"/>
       </a:buClr>
       <a:buFont typeface="Arial"/>
-      <a:defRPr b="0" i="0" sz="1400" u="none" cap="none" strike="noStrike">
+      <a:defRPr sz="1400" b="0" i="0" u="none" strike="noStrike" cap="none">
         <a:solidFill>
           <a:srgbClr val="000000"/>
         </a:solidFill>
@@ -263,7 +263,7 @@
   </p:defaultTextStyle>
   <p:extLst>
     <p:ext uri="{EFAFB233-063F-42B5-8137-9DF3F51BA10A}">
-      <p15:sldGuideLst>
+      <p15:sldGuideLst xmlns:p15="http://schemas.microsoft.com/office/powerpoint/2012/main">
         <p15:guide id="1" orient="horz" pos="1620">
           <p15:clr>
             <a:srgbClr val="747775"/>
@@ -280,12 +280,46 @@
 </p:presentation>
 </file>
 
+<file path=ppt/changesInfos/changesInfo1.xml><?xml version="1.0" encoding="utf-8"?>
+<pc:chgInfo xmlns:a="http://schemas.openxmlformats.org/drawingml/2006/main" xmlns:r="http://schemas.openxmlformats.org/officeDocument/2006/relationships" xmlns:ac="http://schemas.microsoft.com/office/drawing/2013/main/command" xmlns:pc="http://schemas.microsoft.com/office/powerpoint/2013/main/command">
+  <pc:docChgLst>
+    <pc:chgData name="GOMEZ SANCHEZ BENDEZU, Adrian Marcelo" userId="97ede371-0763-40c8-815a-096f0c74a544" providerId="ADAL" clId="{E7957EF9-F9A2-4656-948D-6AB0C9BE7D78}"/>
+    <pc:docChg chg="modSld">
+      <pc:chgData name="GOMEZ SANCHEZ BENDEZU, Adrian Marcelo" userId="97ede371-0763-40c8-815a-096f0c74a544" providerId="ADAL" clId="{E7957EF9-F9A2-4656-948D-6AB0C9BE7D78}" dt="2024-05-21T01:19:08.264" v="7" actId="20577"/>
+      <pc:docMkLst>
+        <pc:docMk/>
+      </pc:docMkLst>
+      <pc:sldChg chg="modSp mod">
+        <pc:chgData name="GOMEZ SANCHEZ BENDEZU, Adrian Marcelo" userId="97ede371-0763-40c8-815a-096f0c74a544" providerId="ADAL" clId="{E7957EF9-F9A2-4656-948D-6AB0C9BE7D78}" dt="2024-05-21T01:19:08.264" v="7" actId="20577"/>
+        <pc:sldMkLst>
+          <pc:docMk/>
+          <pc:sldMk cId="0" sldId="256"/>
+        </pc:sldMkLst>
+        <pc:spChg chg="mod">
+          <ac:chgData name="GOMEZ SANCHEZ BENDEZU, Adrian Marcelo" userId="97ede371-0763-40c8-815a-096f0c74a544" providerId="ADAL" clId="{E7957EF9-F9A2-4656-948D-6AB0C9BE7D78}" dt="2024-05-21T01:19:08.264" v="7" actId="20577"/>
+          <ac:spMkLst>
+            <pc:docMk/>
+            <pc:sldMk cId="0" sldId="256"/>
+            <ac:spMk id="63" creationId="{00000000-0000-0000-0000-000000000000}"/>
+          </ac:spMkLst>
+        </pc:spChg>
+      </pc:sldChg>
+    </pc:docChg>
+  </pc:docChgLst>
+</pc:chgInfo>
+</file>
+
 <file path=ppt/notesMasters/notesMaster1.xml><?xml version="1.0" encoding="utf-8"?>
-<p:notesMaster xmlns:a="http://schemas.openxmlformats.org/drawingml/2006/main" xmlns:r="http://schemas.openxmlformats.org/officeDocument/2006/relationships" xmlns:mc="http://schemas.openxmlformats.org/markup-compatibility/2006" xmlns:mv="urn:schemas-microsoft-com:mac:vml" xmlns:p="http://schemas.openxmlformats.org/presentationml/2006/main" xmlns:c="http://schemas.openxmlformats.org/drawingml/2006/chart" xmlns:dgm="http://schemas.openxmlformats.org/drawingml/2006/diagram" xmlns:o="urn:schemas-microsoft-com:office:office" xmlns:v="urn:schemas-microsoft-com:vml" xmlns:pvml="urn:schemas-microsoft-com:office:powerpoint" xmlns:com="http://schemas.openxmlformats.org/drawingml/2006/compatibility" xmlns:p14="http://schemas.microsoft.com/office/powerpoint/2010/main" xmlns:p15="http://schemas.microsoft.com/office/powerpoint/2012/main" xmlns:ahyp="http://schemas.microsoft.com/office/drawing/2018/hyperlinkcolor">
+<p:notesMaster xmlns:a="http://schemas.openxmlformats.org/drawingml/2006/main" xmlns:r="http://schemas.openxmlformats.org/officeDocument/2006/relationships" xmlns:p="http://schemas.openxmlformats.org/presentationml/2006/main">
   <p:cSld>
+    <p:bg>
+      <p:bgRef idx="1001">
+        <a:schemeClr val="bg1"/>
+      </p:bgRef>
+    </p:bg>
     <p:spTree>
       <p:nvGrpSpPr>
-        <p:cNvPr id="2" name="Shape 2"/>
+        <p:cNvPr id="1" name="Shape 2"/>
         <p:cNvGrpSpPr/>
         <p:nvPr/>
       </p:nvGrpSpPr>
@@ -300,9 +334,11 @@
       <p:sp>
         <p:nvSpPr>
           <p:cNvPr id="3" name="Google Shape;3;n"/>
-          <p:cNvSpPr/>
+          <p:cNvSpPr>
+            <a:spLocks noGrp="1" noRot="1" noChangeAspect="1"/>
+          </p:cNvSpPr>
           <p:nvPr>
-            <p:ph idx="2" type="sldImg"/>
+            <p:ph type="sldImg" idx="2"/>
           </p:nvPr>
         </p:nvSpPr>
         <p:spPr>
@@ -311,9 +347,13 @@
             <a:ext cx="6096075" cy="3429000"/>
           </a:xfrm>
           <a:custGeom>
-            <a:rect b="b" l="l" r="r" t="t"/>
+            <a:avLst/>
+            <a:gdLst/>
+            <a:ahLst/>
+            <a:cxnLst/>
+            <a:rect l="l" t="t" r="r" b="b"/>
             <a:pathLst>
-              <a:path extrusionOk="0" h="120000" w="120000">
+              <a:path w="120000" h="120000" extrusionOk="0">
                 <a:moveTo>
                   <a:pt x="0" y="0"/>
                 </a:moveTo>
@@ -331,23 +371,25 @@
             </a:pathLst>
           </a:custGeom>
           <a:noFill/>
-          <a:ln cap="flat" cmpd="sng" w="9525">
+          <a:ln w="9525" cap="flat" cmpd="sng">
             <a:solidFill>
               <a:srgbClr val="000000"/>
             </a:solidFill>
             <a:prstDash val="solid"/>
             <a:round/>
-            <a:headEnd len="sm" w="sm" type="none"/>
-            <a:tailEnd len="sm" w="sm" type="none"/>
+            <a:headEnd type="none" w="sm" len="sm"/>
+            <a:tailEnd type="none" w="sm" len="sm"/>
           </a:ln>
         </p:spPr>
       </p:sp>
       <p:sp>
         <p:nvSpPr>
           <p:cNvPr id="4" name="Google Shape;4;n"/>
-          <p:cNvSpPr txBox="1"/>
+          <p:cNvSpPr txBox="1">
+            <a:spLocks noGrp="1"/>
+          </p:cNvSpPr>
           <p:nvPr>
-            <p:ph idx="1" type="body"/>
+            <p:ph type="body" idx="1"/>
           </p:nvPr>
         </p:nvSpPr>
         <p:spPr>
@@ -364,11 +406,11 @@
           </a:ln>
         </p:spPr>
         <p:txBody>
-          <a:bodyPr anchorCtr="0" anchor="t" bIns="91425" lIns="91425" spcFirstLastPara="1" rIns="91425" wrap="square" tIns="91425">
+          <a:bodyPr spcFirstLastPara="1" wrap="square" lIns="91425" tIns="91425" rIns="91425" bIns="91425" anchor="t" anchorCtr="0">
             <a:noAutofit/>
           </a:bodyPr>
           <a:lstStyle>
-            <a:lvl1pPr indent="-298450" lvl="0" marL="457200">
+            <a:lvl1pPr marL="457200" lvl="0" indent="-298450">
               <a:spcBef>
                 <a:spcPts val="0"/>
               </a:spcBef>
@@ -379,7 +421,7 @@
               <a:buChar char="●"/>
               <a:defRPr sz="1100"/>
             </a:lvl1pPr>
-            <a:lvl2pPr indent="-298450" lvl="1" marL="914400">
+            <a:lvl2pPr marL="914400" lvl="1" indent="-298450">
               <a:spcBef>
                 <a:spcPts val="0"/>
               </a:spcBef>
@@ -390,7 +432,7 @@
               <a:buChar char="○"/>
               <a:defRPr sz="1100"/>
             </a:lvl2pPr>
-            <a:lvl3pPr indent="-298450" lvl="2" marL="1371600">
+            <a:lvl3pPr marL="1371600" lvl="2" indent="-298450">
               <a:spcBef>
                 <a:spcPts val="0"/>
               </a:spcBef>
@@ -401,7 +443,7 @@
               <a:buChar char="■"/>
               <a:defRPr sz="1100"/>
             </a:lvl3pPr>
-            <a:lvl4pPr indent="-298450" lvl="3" marL="1828800">
+            <a:lvl4pPr marL="1828800" lvl="3" indent="-298450">
               <a:spcBef>
                 <a:spcPts val="0"/>
               </a:spcBef>
@@ -412,7 +454,7 @@
               <a:buChar char="●"/>
               <a:defRPr sz="1100"/>
             </a:lvl4pPr>
-            <a:lvl5pPr indent="-298450" lvl="4" marL="2286000">
+            <a:lvl5pPr marL="2286000" lvl="4" indent="-298450">
               <a:spcBef>
                 <a:spcPts val="0"/>
               </a:spcBef>
@@ -423,7 +465,7 @@
               <a:buChar char="○"/>
               <a:defRPr sz="1100"/>
             </a:lvl5pPr>
-            <a:lvl6pPr indent="-298450" lvl="5" marL="2743200">
+            <a:lvl6pPr marL="2743200" lvl="5" indent="-298450">
               <a:spcBef>
                 <a:spcPts val="0"/>
               </a:spcBef>
@@ -434,7 +476,7 @@
               <a:buChar char="■"/>
               <a:defRPr sz="1100"/>
             </a:lvl6pPr>
-            <a:lvl7pPr indent="-298450" lvl="6" marL="3200400">
+            <a:lvl7pPr marL="3200400" lvl="6" indent="-298450">
               <a:spcBef>
                 <a:spcPts val="0"/>
               </a:spcBef>
@@ -445,7 +487,7 @@
               <a:buChar char="●"/>
               <a:defRPr sz="1100"/>
             </a:lvl7pPr>
-            <a:lvl8pPr indent="-298450" lvl="7" marL="3657600">
+            <a:lvl8pPr marL="3657600" lvl="7" indent="-298450">
               <a:spcBef>
                 <a:spcPts val="0"/>
               </a:spcBef>
@@ -456,7 +498,7 @@
               <a:buChar char="○"/>
               <a:defRPr sz="1100"/>
             </a:lvl8pPr>
-            <a:lvl9pPr indent="-298450" lvl="8" marL="4114800">
+            <a:lvl9pPr marL="4114800" lvl="8" indent="-298450">
               <a:spcBef>
                 <a:spcPts val="0"/>
               </a:spcBef>
@@ -468,14 +510,16 @@
               <a:defRPr sz="1100"/>
             </a:lvl9pPr>
           </a:lstStyle>
-          <a:p/>
+          <a:p>
+            <a:endParaRPr/>
+          </a:p>
         </p:txBody>
       </p:sp>
     </p:spTree>
   </p:cSld>
-  <p:clrMap accent1="accent1" accent2="accent2" accent3="accent3" accent4="accent4" accent5="accent5" accent6="accent6" bg1="lt1" bg2="dk2" tx1="dk1" tx2="lt2" folHlink="folHlink" hlink="hlink"/>
+  <p:clrMap bg1="lt1" tx1="dk1" bg2="dk2" tx2="lt2" accent1="accent1" accent2="accent2" accent3="accent3" accent4="accent4" accent5="accent5" accent6="accent6" hlink="hlink" folHlink="folHlink"/>
   <p:notesStyle>
-    <a:defPPr lvl="0" marR="0" rtl="0" algn="l">
+    <a:defPPr marR="0" lvl="0" algn="l" rtl="0">
       <a:lnSpc>
         <a:spcPct val="100000"/>
       </a:lnSpc>
@@ -486,7 +530,7 @@
         <a:spcPts val="0"/>
       </a:spcAft>
     </a:defPPr>
-    <a:lvl1pPr lvl="0" marR="0" rtl="0" algn="l">
+    <a:lvl1pPr marR="0" lvl="0" algn="l" rtl="0">
       <a:lnSpc>
         <a:spcPct val="100000"/>
       </a:lnSpc>
@@ -500,7 +544,7 @@
         <a:srgbClr val="000000"/>
       </a:buClr>
       <a:buFont typeface="Arial"/>
-      <a:defRPr b="0" i="0" sz="1400" u="none" cap="none" strike="noStrike">
+      <a:defRPr sz="1400" b="0" i="0" u="none" strike="noStrike" cap="none">
         <a:solidFill>
           <a:srgbClr val="000000"/>
         </a:solidFill>
@@ -510,7 +554,7 @@
         <a:sym typeface="Arial"/>
       </a:defRPr>
     </a:lvl1pPr>
-    <a:lvl2pPr lvl="1" marR="0" rtl="0" algn="l">
+    <a:lvl2pPr marR="0" lvl="1" algn="l" rtl="0">
       <a:lnSpc>
         <a:spcPct val="100000"/>
       </a:lnSpc>
@@ -524,7 +568,7 @@
         <a:srgbClr val="000000"/>
       </a:buClr>
       <a:buFont typeface="Arial"/>
-      <a:defRPr b="0" i="0" sz="1400" u="none" cap="none" strike="noStrike">
+      <a:defRPr sz="1400" b="0" i="0" u="none" strike="noStrike" cap="none">
         <a:solidFill>
           <a:srgbClr val="000000"/>
         </a:solidFill>
@@ -534,7 +578,7 @@
         <a:sym typeface="Arial"/>
       </a:defRPr>
     </a:lvl2pPr>
-    <a:lvl3pPr lvl="2" marR="0" rtl="0" algn="l">
+    <a:lvl3pPr marR="0" lvl="2" algn="l" rtl="0">
       <a:lnSpc>
         <a:spcPct val="100000"/>
       </a:lnSpc>
@@ -548,7 +592,7 @@
         <a:srgbClr val="000000"/>
       </a:buClr>
       <a:buFont typeface="Arial"/>
-      <a:defRPr b="0" i="0" sz="1400" u="none" cap="none" strike="noStrike">
+      <a:defRPr sz="1400" b="0" i="0" u="none" strike="noStrike" cap="none">
         <a:solidFill>
           <a:srgbClr val="000000"/>
         </a:solidFill>
@@ -558,7 +602,7 @@
         <a:sym typeface="Arial"/>
       </a:defRPr>
     </a:lvl3pPr>
-    <a:lvl4pPr lvl="3" marR="0" rtl="0" algn="l">
+    <a:lvl4pPr marR="0" lvl="3" algn="l" rtl="0">
       <a:lnSpc>
         <a:spcPct val="100000"/>
       </a:lnSpc>
@@ -572,7 +616,7 @@
         <a:srgbClr val="000000"/>
       </a:buClr>
       <a:buFont typeface="Arial"/>
-      <a:defRPr b="0" i="0" sz="1400" u="none" cap="none" strike="noStrike">
+      <a:defRPr sz="1400" b="0" i="0" u="none" strike="noStrike" cap="none">
         <a:solidFill>
           <a:srgbClr val="000000"/>
         </a:solidFill>
@@ -582,7 +626,7 @@
         <a:sym typeface="Arial"/>
       </a:defRPr>
     </a:lvl4pPr>
-    <a:lvl5pPr lvl="4" marR="0" rtl="0" algn="l">
+    <a:lvl5pPr marR="0" lvl="4" algn="l" rtl="0">
       <a:lnSpc>
         <a:spcPct val="100000"/>
       </a:lnSpc>
@@ -596,7 +640,7 @@
         <a:srgbClr val="000000"/>
       </a:buClr>
       <a:buFont typeface="Arial"/>
-      <a:defRPr b="0" i="0" sz="1400" u="none" cap="none" strike="noStrike">
+      <a:defRPr sz="1400" b="0" i="0" u="none" strike="noStrike" cap="none">
         <a:solidFill>
           <a:srgbClr val="000000"/>
         </a:solidFill>
@@ -606,7 +650,7 @@
         <a:sym typeface="Arial"/>
       </a:defRPr>
     </a:lvl5pPr>
-    <a:lvl6pPr lvl="5" marR="0" rtl="0" algn="l">
+    <a:lvl6pPr marR="0" lvl="5" algn="l" rtl="0">
       <a:lnSpc>
         <a:spcPct val="100000"/>
       </a:lnSpc>
@@ -620,7 +664,7 @@
         <a:srgbClr val="000000"/>
       </a:buClr>
       <a:buFont typeface="Arial"/>
-      <a:defRPr b="0" i="0" sz="1400" u="none" cap="none" strike="noStrike">
+      <a:defRPr sz="1400" b="0" i="0" u="none" strike="noStrike" cap="none">
         <a:solidFill>
           <a:srgbClr val="000000"/>
         </a:solidFill>
@@ -630,7 +674,7 @@
         <a:sym typeface="Arial"/>
       </a:defRPr>
     </a:lvl6pPr>
-    <a:lvl7pPr lvl="6" marR="0" rtl="0" algn="l">
+    <a:lvl7pPr marR="0" lvl="6" algn="l" rtl="0">
       <a:lnSpc>
         <a:spcPct val="100000"/>
       </a:lnSpc>
@@ -644,7 +688,7 @@
         <a:srgbClr val="000000"/>
       </a:buClr>
       <a:buFont typeface="Arial"/>
-      <a:defRPr b="0" i="0" sz="1400" u="none" cap="none" strike="noStrike">
+      <a:defRPr sz="1400" b="0" i="0" u="none" strike="noStrike" cap="none">
         <a:solidFill>
           <a:srgbClr val="000000"/>
         </a:solidFill>
@@ -654,7 +698,7 @@
         <a:sym typeface="Arial"/>
       </a:defRPr>
     </a:lvl7pPr>
-    <a:lvl8pPr lvl="7" marR="0" rtl="0" algn="l">
+    <a:lvl8pPr marR="0" lvl="7" algn="l" rtl="0">
       <a:lnSpc>
         <a:spcPct val="100000"/>
       </a:lnSpc>
@@ -668,7 +712,7 @@
         <a:srgbClr val="000000"/>
       </a:buClr>
       <a:buFont typeface="Arial"/>
-      <a:defRPr b="0" i="0" sz="1400" u="none" cap="none" strike="noStrike">
+      <a:defRPr sz="1400" b="0" i="0" u="none" strike="noStrike" cap="none">
         <a:solidFill>
           <a:srgbClr val="000000"/>
         </a:solidFill>
@@ -678,7 +722,7 @@
         <a:sym typeface="Arial"/>
       </a:defRPr>
     </a:lvl8pPr>
-    <a:lvl9pPr lvl="8" marR="0" rtl="0" algn="l">
+    <a:lvl9pPr marR="0" lvl="8" algn="l" rtl="0">
       <a:lnSpc>
         <a:spcPct val="100000"/>
       </a:lnSpc>
@@ -692,7 +736,7 @@
         <a:srgbClr val="000000"/>
       </a:buClr>
       <a:buFont typeface="Arial"/>
-      <a:defRPr b="0" i="0" sz="1400" u="none" cap="none" strike="noStrike">
+      <a:defRPr sz="1400" b="0" i="0" u="none" strike="noStrike" cap="none">
         <a:solidFill>
           <a:srgbClr val="000000"/>
         </a:solidFill>
@@ -707,11 +751,11 @@
 </file>
 
 <file path=ppt/notesSlides/notesSlide1.xml><?xml version="1.0" encoding="utf-8"?>
-<p:notes xmlns:a="http://schemas.openxmlformats.org/drawingml/2006/main" xmlns:r="http://schemas.openxmlformats.org/officeDocument/2006/relationships" xmlns:mc="http://schemas.openxmlformats.org/markup-compatibility/2006" xmlns:mv="urn:schemas-microsoft-com:mac:vml" xmlns:p="http://schemas.openxmlformats.org/presentationml/2006/main" xmlns:c="http://schemas.openxmlformats.org/drawingml/2006/chart" xmlns:dgm="http://schemas.openxmlformats.org/drawingml/2006/diagram" xmlns:o="urn:schemas-microsoft-com:office:office" xmlns:v="urn:schemas-microsoft-com:vml" xmlns:pvml="urn:schemas-microsoft-com:office:powerpoint" xmlns:com="http://schemas.openxmlformats.org/drawingml/2006/compatibility" xmlns:p14="http://schemas.microsoft.com/office/powerpoint/2010/main" xmlns:p15="http://schemas.microsoft.com/office/powerpoint/2012/main" xmlns:ahyp="http://schemas.microsoft.com/office/drawing/2018/hyperlinkcolor" showMasterPhAnim="0" showMasterSp="0">
+<p:notes xmlns:a="http://schemas.openxmlformats.org/drawingml/2006/main" xmlns:r="http://schemas.openxmlformats.org/officeDocument/2006/relationships" xmlns:p="http://schemas.openxmlformats.org/presentationml/2006/main" showMasterSp="0" showMasterPhAnim="0">
   <p:cSld>
     <p:spTree>
       <p:nvGrpSpPr>
-        <p:cNvPr id="59" name="Shape 59"/>
+        <p:cNvPr id="1" name="Shape 59"/>
         <p:cNvGrpSpPr/>
         <p:nvPr/>
       </p:nvGrpSpPr>
@@ -726,20 +770,26 @@
       <p:sp>
         <p:nvSpPr>
           <p:cNvPr id="60" name="Google Shape;60;p:notes"/>
-          <p:cNvSpPr/>
+          <p:cNvSpPr>
+            <a:spLocks noGrp="1" noRot="1" noChangeAspect="1"/>
+          </p:cNvSpPr>
           <p:nvPr>
-            <p:ph idx="2" type="sldImg"/>
+            <p:ph type="sldImg" idx="2"/>
           </p:nvPr>
         </p:nvSpPr>
         <p:spPr>
           <a:xfrm>
-            <a:off x="381300" y="685800"/>
-            <a:ext cx="6096075" cy="3429000"/>
+            <a:off x="381000" y="685800"/>
+            <a:ext cx="6096000" cy="3429000"/>
           </a:xfrm>
           <a:custGeom>
-            <a:rect b="b" l="l" r="r" t="t"/>
+            <a:avLst/>
+            <a:gdLst/>
+            <a:ahLst/>
+            <a:cxnLst/>
+            <a:rect l="l" t="t" r="r" b="b"/>
             <a:pathLst>
-              <a:path extrusionOk="0" h="120000" w="120000">
+              <a:path w="120000" h="120000" extrusionOk="0">
                 <a:moveTo>
                   <a:pt x="0" y="0"/>
                 </a:moveTo>
@@ -761,9 +811,11 @@
       <p:sp>
         <p:nvSpPr>
           <p:cNvPr id="61" name="Google Shape;61;p:notes"/>
-          <p:cNvSpPr txBox="1"/>
+          <p:cNvSpPr txBox="1">
+            <a:spLocks noGrp="1"/>
+          </p:cNvSpPr>
           <p:nvPr>
-            <p:ph idx="1" type="body"/>
+            <p:ph type="body" idx="1"/>
           </p:nvPr>
         </p:nvSpPr>
         <p:spPr>
@@ -776,12 +828,12 @@
           </a:prstGeom>
         </p:spPr>
         <p:txBody>
-          <a:bodyPr anchorCtr="0" anchor="t" bIns="91425" lIns="91425" spcFirstLastPara="1" rIns="91425" wrap="square" tIns="91425">
+          <a:bodyPr spcFirstLastPara="1" wrap="square" lIns="91425" tIns="91425" rIns="91425" bIns="91425" anchor="t" anchorCtr="0">
             <a:noAutofit/>
           </a:bodyPr>
           <a:lstStyle/>
           <a:p>
-            <a:pPr indent="0" lvl="0" marL="0" rtl="0" algn="l">
+            <a:pPr marL="0" lvl="0" indent="0" algn="l" rtl="0">
               <a:spcBef>
                 <a:spcPts val="0"/>
               </a:spcBef>
@@ -790,9 +842,6 @@
               </a:spcAft>
               <a:buNone/>
             </a:pPr>
-            <a:r>
-              <a:t/>
-            </a:r>
             <a:endParaRPr/>
           </a:p>
         </p:txBody>
@@ -806,11 +855,11 @@
 </file>
 
 <file path=ppt/notesSlides/notesSlide2.xml><?xml version="1.0" encoding="utf-8"?>
-<p:notes xmlns:a="http://schemas.openxmlformats.org/drawingml/2006/main" xmlns:r="http://schemas.openxmlformats.org/officeDocument/2006/relationships" xmlns:mc="http://schemas.openxmlformats.org/markup-compatibility/2006" xmlns:mv="urn:schemas-microsoft-com:mac:vml" xmlns:p="http://schemas.openxmlformats.org/presentationml/2006/main" xmlns:c="http://schemas.openxmlformats.org/drawingml/2006/chart" xmlns:dgm="http://schemas.openxmlformats.org/drawingml/2006/diagram" xmlns:o="urn:schemas-microsoft-com:office:office" xmlns:v="urn:schemas-microsoft-com:vml" xmlns:pvml="urn:schemas-microsoft-com:office:powerpoint" xmlns:com="http://schemas.openxmlformats.org/drawingml/2006/compatibility" xmlns:p14="http://schemas.microsoft.com/office/powerpoint/2010/main" xmlns:p15="http://schemas.microsoft.com/office/powerpoint/2012/main" xmlns:ahyp="http://schemas.microsoft.com/office/drawing/2018/hyperlinkcolor" showMasterPhAnim="0" showMasterSp="0">
+<p:notes xmlns:a="http://schemas.openxmlformats.org/drawingml/2006/main" xmlns:r="http://schemas.openxmlformats.org/officeDocument/2006/relationships" xmlns:p="http://schemas.openxmlformats.org/presentationml/2006/main" showMasterSp="0" showMasterPhAnim="0">
   <p:cSld>
     <p:spTree>
       <p:nvGrpSpPr>
-        <p:cNvPr id="65" name="Shape 65"/>
+        <p:cNvPr id="1" name="Shape 65"/>
         <p:cNvGrpSpPr/>
         <p:nvPr/>
       </p:nvGrpSpPr>
@@ -825,9 +874,11 @@
       <p:sp>
         <p:nvSpPr>
           <p:cNvPr id="66" name="Google Shape;66;g1f81a6f6325_0_401:notes"/>
-          <p:cNvSpPr/>
+          <p:cNvSpPr>
+            <a:spLocks noGrp="1" noRot="1" noChangeAspect="1"/>
+          </p:cNvSpPr>
           <p:nvPr>
-            <p:ph idx="2" type="sldImg"/>
+            <p:ph type="sldImg" idx="2"/>
           </p:nvPr>
         </p:nvSpPr>
         <p:spPr>
@@ -836,9 +887,13 @@
             <a:ext cx="6096000" cy="3429000"/>
           </a:xfrm>
           <a:custGeom>
-            <a:rect b="b" l="l" r="r" t="t"/>
+            <a:avLst/>
+            <a:gdLst/>
+            <a:ahLst/>
+            <a:cxnLst/>
+            <a:rect l="l" t="t" r="r" b="b"/>
             <a:pathLst>
-              <a:path extrusionOk="0" h="120000" w="120000">
+              <a:path w="120000" h="120000" extrusionOk="0">
                 <a:moveTo>
                   <a:pt x="0" y="0"/>
                 </a:moveTo>
@@ -860,9 +915,11 @@
       <p:sp>
         <p:nvSpPr>
           <p:cNvPr id="67" name="Google Shape;67;g1f81a6f6325_0_401:notes"/>
-          <p:cNvSpPr txBox="1"/>
+          <p:cNvSpPr txBox="1">
+            <a:spLocks noGrp="1"/>
+          </p:cNvSpPr>
           <p:nvPr>
-            <p:ph idx="1" type="body"/>
+            <p:ph type="body" idx="1"/>
           </p:nvPr>
         </p:nvSpPr>
         <p:spPr>
@@ -875,12 +932,12 @@
           </a:prstGeom>
         </p:spPr>
         <p:txBody>
-          <a:bodyPr anchorCtr="0" anchor="t" bIns="91425" lIns="91425" spcFirstLastPara="1" rIns="91425" wrap="square" tIns="91425">
+          <a:bodyPr spcFirstLastPara="1" wrap="square" lIns="91425" tIns="91425" rIns="91425" bIns="91425" anchor="t" anchorCtr="0">
             <a:noAutofit/>
           </a:bodyPr>
           <a:lstStyle/>
           <a:p>
-            <a:pPr indent="0" lvl="0" marL="0" rtl="0" algn="l">
+            <a:pPr marL="0" lvl="0" indent="0" algn="l" rtl="0">
               <a:spcBef>
                 <a:spcPts val="0"/>
               </a:spcBef>
@@ -889,9 +946,6 @@
               </a:spcAft>
               <a:buNone/>
             </a:pPr>
-            <a:r>
-              <a:t/>
-            </a:r>
             <a:endParaRPr/>
           </a:p>
         </p:txBody>
@@ -905,11 +959,11 @@
 </file>
 
 <file path=ppt/notesSlides/notesSlide3.xml><?xml version="1.0" encoding="utf-8"?>
-<p:notes xmlns:a="http://schemas.openxmlformats.org/drawingml/2006/main" xmlns:r="http://schemas.openxmlformats.org/officeDocument/2006/relationships" xmlns:mc="http://schemas.openxmlformats.org/markup-compatibility/2006" xmlns:mv="urn:schemas-microsoft-com:mac:vml" xmlns:p="http://schemas.openxmlformats.org/presentationml/2006/main" xmlns:c="http://schemas.openxmlformats.org/drawingml/2006/chart" xmlns:dgm="http://schemas.openxmlformats.org/drawingml/2006/diagram" xmlns:o="urn:schemas-microsoft-com:office:office" xmlns:v="urn:schemas-microsoft-com:vml" xmlns:pvml="urn:schemas-microsoft-com:office:powerpoint" xmlns:com="http://schemas.openxmlformats.org/drawingml/2006/compatibility" xmlns:p14="http://schemas.microsoft.com/office/powerpoint/2010/main" xmlns:p15="http://schemas.microsoft.com/office/powerpoint/2012/main" xmlns:ahyp="http://schemas.microsoft.com/office/drawing/2018/hyperlinkcolor" showMasterPhAnim="0" showMasterSp="0">
+<p:notes xmlns:a="http://schemas.openxmlformats.org/drawingml/2006/main" xmlns:r="http://schemas.openxmlformats.org/officeDocument/2006/relationships" xmlns:p="http://schemas.openxmlformats.org/presentationml/2006/main" showMasterSp="0" showMasterPhAnim="0">
   <p:cSld>
     <p:spTree>
       <p:nvGrpSpPr>
-        <p:cNvPr id="72" name="Shape 72"/>
+        <p:cNvPr id="1" name="Shape 72"/>
         <p:cNvGrpSpPr/>
         <p:nvPr/>
       </p:nvGrpSpPr>
@@ -924,9 +978,11 @@
       <p:sp>
         <p:nvSpPr>
           <p:cNvPr id="73" name="Google Shape;73;g1f81a6f6325_0_406:notes"/>
-          <p:cNvSpPr/>
+          <p:cNvSpPr>
+            <a:spLocks noGrp="1" noRot="1" noChangeAspect="1"/>
+          </p:cNvSpPr>
           <p:nvPr>
-            <p:ph idx="2" type="sldImg"/>
+            <p:ph type="sldImg" idx="2"/>
           </p:nvPr>
         </p:nvSpPr>
         <p:spPr>
@@ -935,9 +991,13 @@
             <a:ext cx="6096000" cy="3429000"/>
           </a:xfrm>
           <a:custGeom>
-            <a:rect b="b" l="l" r="r" t="t"/>
+            <a:avLst/>
+            <a:gdLst/>
+            <a:ahLst/>
+            <a:cxnLst/>
+            <a:rect l="l" t="t" r="r" b="b"/>
             <a:pathLst>
-              <a:path extrusionOk="0" h="120000" w="120000">
+              <a:path w="120000" h="120000" extrusionOk="0">
                 <a:moveTo>
                   <a:pt x="0" y="0"/>
                 </a:moveTo>
@@ -959,9 +1019,11 @@
       <p:sp>
         <p:nvSpPr>
           <p:cNvPr id="74" name="Google Shape;74;g1f81a6f6325_0_406:notes"/>
-          <p:cNvSpPr txBox="1"/>
+          <p:cNvSpPr txBox="1">
+            <a:spLocks noGrp="1"/>
+          </p:cNvSpPr>
           <p:nvPr>
-            <p:ph idx="1" type="body"/>
+            <p:ph type="body" idx="1"/>
           </p:nvPr>
         </p:nvSpPr>
         <p:spPr>
@@ -974,12 +1036,12 @@
           </a:prstGeom>
         </p:spPr>
         <p:txBody>
-          <a:bodyPr anchorCtr="0" anchor="t" bIns="91425" lIns="91425" spcFirstLastPara="1" rIns="91425" wrap="square" tIns="91425">
+          <a:bodyPr spcFirstLastPara="1" wrap="square" lIns="91425" tIns="91425" rIns="91425" bIns="91425" anchor="t" anchorCtr="0">
             <a:noAutofit/>
           </a:bodyPr>
           <a:lstStyle/>
           <a:p>
-            <a:pPr indent="0" lvl="0" marL="0" rtl="0" algn="l">
+            <a:pPr marL="0" lvl="0" indent="0" algn="l" rtl="0">
               <a:spcBef>
                 <a:spcPts val="0"/>
               </a:spcBef>
@@ -988,9 +1050,6 @@
               </a:spcAft>
               <a:buNone/>
             </a:pPr>
-            <a:r>
-              <a:t/>
-            </a:r>
             <a:endParaRPr/>
           </a:p>
         </p:txBody>
@@ -1004,11 +1063,11 @@
 </file>
 
 <file path=ppt/notesSlides/notesSlide4.xml><?xml version="1.0" encoding="utf-8"?>
-<p:notes xmlns:a="http://schemas.openxmlformats.org/drawingml/2006/main" xmlns:r="http://schemas.openxmlformats.org/officeDocument/2006/relationships" xmlns:mc="http://schemas.openxmlformats.org/markup-compatibility/2006" xmlns:mv="urn:schemas-microsoft-com:mac:vml" xmlns:p="http://schemas.openxmlformats.org/presentationml/2006/main" xmlns:c="http://schemas.openxmlformats.org/drawingml/2006/chart" xmlns:dgm="http://schemas.openxmlformats.org/drawingml/2006/diagram" xmlns:o="urn:schemas-microsoft-com:office:office" xmlns:v="urn:schemas-microsoft-com:vml" xmlns:pvml="urn:schemas-microsoft-com:office:powerpoint" xmlns:com="http://schemas.openxmlformats.org/drawingml/2006/compatibility" xmlns:p14="http://schemas.microsoft.com/office/powerpoint/2010/main" xmlns:p15="http://schemas.microsoft.com/office/powerpoint/2012/main" xmlns:ahyp="http://schemas.microsoft.com/office/drawing/2018/hyperlinkcolor" showMasterPhAnim="0" showMasterSp="0">
+<p:notes xmlns:a="http://schemas.openxmlformats.org/drawingml/2006/main" xmlns:r="http://schemas.openxmlformats.org/officeDocument/2006/relationships" xmlns:p="http://schemas.openxmlformats.org/presentationml/2006/main" showMasterSp="0" showMasterPhAnim="0">
   <p:cSld>
     <p:spTree>
       <p:nvGrpSpPr>
-        <p:cNvPr id="79" name="Shape 79"/>
+        <p:cNvPr id="1" name="Shape 79"/>
         <p:cNvGrpSpPr/>
         <p:nvPr/>
       </p:nvGrpSpPr>
@@ -1023,9 +1082,11 @@
       <p:sp>
         <p:nvSpPr>
           <p:cNvPr id="80" name="Google Shape;80;g1f81a6f6325_0_411:notes"/>
-          <p:cNvSpPr/>
+          <p:cNvSpPr>
+            <a:spLocks noGrp="1" noRot="1" noChangeAspect="1"/>
+          </p:cNvSpPr>
           <p:nvPr>
-            <p:ph idx="2" type="sldImg"/>
+            <p:ph type="sldImg" idx="2"/>
           </p:nvPr>
         </p:nvSpPr>
         <p:spPr>
@@ -1034,9 +1095,13 @@
             <a:ext cx="6096000" cy="3429000"/>
           </a:xfrm>
           <a:custGeom>
-            <a:rect b="b" l="l" r="r" t="t"/>
+            <a:avLst/>
+            <a:gdLst/>
+            <a:ahLst/>
+            <a:cxnLst/>
+            <a:rect l="l" t="t" r="r" b="b"/>
             <a:pathLst>
-              <a:path extrusionOk="0" h="120000" w="120000">
+              <a:path w="120000" h="120000" extrusionOk="0">
                 <a:moveTo>
                   <a:pt x="0" y="0"/>
                 </a:moveTo>
@@ -1058,9 +1123,11 @@
       <p:sp>
         <p:nvSpPr>
           <p:cNvPr id="81" name="Google Shape;81;g1f81a6f6325_0_411:notes"/>
-          <p:cNvSpPr txBox="1"/>
+          <p:cNvSpPr txBox="1">
+            <a:spLocks noGrp="1"/>
+          </p:cNvSpPr>
           <p:nvPr>
-            <p:ph idx="1" type="body"/>
+            <p:ph type="body" idx="1"/>
           </p:nvPr>
         </p:nvSpPr>
         <p:spPr>
@@ -1073,12 +1140,12 @@
           </a:prstGeom>
         </p:spPr>
         <p:txBody>
-          <a:bodyPr anchorCtr="0" anchor="t" bIns="91425" lIns="91425" spcFirstLastPara="1" rIns="91425" wrap="square" tIns="91425">
+          <a:bodyPr spcFirstLastPara="1" wrap="square" lIns="91425" tIns="91425" rIns="91425" bIns="91425" anchor="t" anchorCtr="0">
             <a:noAutofit/>
           </a:bodyPr>
           <a:lstStyle/>
           <a:p>
-            <a:pPr indent="0" lvl="0" marL="0" rtl="0" algn="l">
+            <a:pPr marL="0" lvl="0" indent="0" algn="l" rtl="0">
               <a:spcBef>
                 <a:spcPts val="0"/>
               </a:spcBef>
@@ -1087,9 +1154,6 @@
               </a:spcAft>
               <a:buNone/>
             </a:pPr>
-            <a:r>
-              <a:t/>
-            </a:r>
             <a:endParaRPr/>
           </a:p>
         </p:txBody>
@@ -1103,11 +1167,11 @@
 </file>
 
 <file path=ppt/notesSlides/notesSlide5.xml><?xml version="1.0" encoding="utf-8"?>
-<p:notes xmlns:a="http://schemas.openxmlformats.org/drawingml/2006/main" xmlns:r="http://schemas.openxmlformats.org/officeDocument/2006/relationships" xmlns:mc="http://schemas.openxmlformats.org/markup-compatibility/2006" xmlns:mv="urn:schemas-microsoft-com:mac:vml" xmlns:p="http://schemas.openxmlformats.org/presentationml/2006/main" xmlns:c="http://schemas.openxmlformats.org/drawingml/2006/chart" xmlns:dgm="http://schemas.openxmlformats.org/drawingml/2006/diagram" xmlns:o="urn:schemas-microsoft-com:office:office" xmlns:v="urn:schemas-microsoft-com:vml" xmlns:pvml="urn:schemas-microsoft-com:office:powerpoint" xmlns:com="http://schemas.openxmlformats.org/drawingml/2006/compatibility" xmlns:p14="http://schemas.microsoft.com/office/powerpoint/2010/main" xmlns:p15="http://schemas.microsoft.com/office/powerpoint/2012/main" xmlns:ahyp="http://schemas.microsoft.com/office/drawing/2018/hyperlinkcolor" showMasterPhAnim="0" showMasterSp="0">
+<p:notes xmlns:a="http://schemas.openxmlformats.org/drawingml/2006/main" xmlns:r="http://schemas.openxmlformats.org/officeDocument/2006/relationships" xmlns:p="http://schemas.openxmlformats.org/presentationml/2006/main" showMasterSp="0" showMasterPhAnim="0">
   <p:cSld>
     <p:spTree>
       <p:nvGrpSpPr>
-        <p:cNvPr id="86" name="Shape 86"/>
+        <p:cNvPr id="1" name="Shape 86"/>
         <p:cNvGrpSpPr/>
         <p:nvPr/>
       </p:nvGrpSpPr>
@@ -1122,9 +1186,11 @@
       <p:sp>
         <p:nvSpPr>
           <p:cNvPr id="87" name="Google Shape;87;g1f81a6f6325_0_416:notes"/>
-          <p:cNvSpPr/>
+          <p:cNvSpPr>
+            <a:spLocks noGrp="1" noRot="1" noChangeAspect="1"/>
+          </p:cNvSpPr>
           <p:nvPr>
-            <p:ph idx="2" type="sldImg"/>
+            <p:ph type="sldImg" idx="2"/>
           </p:nvPr>
         </p:nvSpPr>
         <p:spPr>
@@ -1133,9 +1199,13 @@
             <a:ext cx="6096000" cy="3429000"/>
           </a:xfrm>
           <a:custGeom>
-            <a:rect b="b" l="l" r="r" t="t"/>
+            <a:avLst/>
+            <a:gdLst/>
+            <a:ahLst/>
+            <a:cxnLst/>
+            <a:rect l="l" t="t" r="r" b="b"/>
             <a:pathLst>
-              <a:path extrusionOk="0" h="120000" w="120000">
+              <a:path w="120000" h="120000" extrusionOk="0">
                 <a:moveTo>
                   <a:pt x="0" y="0"/>
                 </a:moveTo>
@@ -1157,9 +1227,11 @@
       <p:sp>
         <p:nvSpPr>
           <p:cNvPr id="88" name="Google Shape;88;g1f81a6f6325_0_416:notes"/>
-          <p:cNvSpPr txBox="1"/>
+          <p:cNvSpPr txBox="1">
+            <a:spLocks noGrp="1"/>
+          </p:cNvSpPr>
           <p:nvPr>
-            <p:ph idx="1" type="body"/>
+            <p:ph type="body" idx="1"/>
           </p:nvPr>
         </p:nvSpPr>
         <p:spPr>
@@ -1172,12 +1244,12 @@
           </a:prstGeom>
         </p:spPr>
         <p:txBody>
-          <a:bodyPr anchorCtr="0" anchor="t" bIns="91425" lIns="91425" spcFirstLastPara="1" rIns="91425" wrap="square" tIns="91425">
+          <a:bodyPr spcFirstLastPara="1" wrap="square" lIns="91425" tIns="91425" rIns="91425" bIns="91425" anchor="t" anchorCtr="0">
             <a:noAutofit/>
           </a:bodyPr>
           <a:lstStyle/>
           <a:p>
-            <a:pPr indent="0" lvl="0" marL="0" rtl="0" algn="l">
+            <a:pPr marL="0" lvl="0" indent="0" algn="l" rtl="0">
               <a:spcBef>
                 <a:spcPts val="0"/>
               </a:spcBef>
@@ -1186,9 +1258,6 @@
               </a:spcAft>
               <a:buNone/>
             </a:pPr>
-            <a:r>
-              <a:t/>
-            </a:r>
             <a:endParaRPr/>
           </a:p>
         </p:txBody>
@@ -1202,11 +1271,11 @@
 </file>
 
 <file path=ppt/notesSlides/notesSlide6.xml><?xml version="1.0" encoding="utf-8"?>
-<p:notes xmlns:a="http://schemas.openxmlformats.org/drawingml/2006/main" xmlns:r="http://schemas.openxmlformats.org/officeDocument/2006/relationships" xmlns:mc="http://schemas.openxmlformats.org/markup-compatibility/2006" xmlns:mv="urn:schemas-microsoft-com:mac:vml" xmlns:p="http://schemas.openxmlformats.org/presentationml/2006/main" xmlns:c="http://schemas.openxmlformats.org/drawingml/2006/chart" xmlns:dgm="http://schemas.openxmlformats.org/drawingml/2006/diagram" xmlns:o="urn:schemas-microsoft-com:office:office" xmlns:v="urn:schemas-microsoft-com:vml" xmlns:pvml="urn:schemas-microsoft-com:office:powerpoint" xmlns:com="http://schemas.openxmlformats.org/drawingml/2006/compatibility" xmlns:p14="http://schemas.microsoft.com/office/powerpoint/2010/main" xmlns:p15="http://schemas.microsoft.com/office/powerpoint/2012/main" xmlns:ahyp="http://schemas.microsoft.com/office/drawing/2018/hyperlinkcolor" showMasterPhAnim="0" showMasterSp="0">
+<p:notes xmlns:a="http://schemas.openxmlformats.org/drawingml/2006/main" xmlns:r="http://schemas.openxmlformats.org/officeDocument/2006/relationships" xmlns:p="http://schemas.openxmlformats.org/presentationml/2006/main" showMasterSp="0" showMasterPhAnim="0">
   <p:cSld>
     <p:spTree>
       <p:nvGrpSpPr>
-        <p:cNvPr id="93" name="Shape 93"/>
+        <p:cNvPr id="1" name="Shape 93"/>
         <p:cNvGrpSpPr/>
         <p:nvPr/>
       </p:nvGrpSpPr>
@@ -1221,9 +1290,11 @@
       <p:sp>
         <p:nvSpPr>
           <p:cNvPr id="94" name="Google Shape;94;g1f81a6f6325_0_421:notes"/>
-          <p:cNvSpPr/>
+          <p:cNvSpPr>
+            <a:spLocks noGrp="1" noRot="1" noChangeAspect="1"/>
+          </p:cNvSpPr>
           <p:nvPr>
-            <p:ph idx="2" type="sldImg"/>
+            <p:ph type="sldImg" idx="2"/>
           </p:nvPr>
         </p:nvSpPr>
         <p:spPr>
@@ -1232,9 +1303,13 @@
             <a:ext cx="6096000" cy="3429000"/>
           </a:xfrm>
           <a:custGeom>
-            <a:rect b="b" l="l" r="r" t="t"/>
+            <a:avLst/>
+            <a:gdLst/>
+            <a:ahLst/>
+            <a:cxnLst/>
+            <a:rect l="l" t="t" r="r" b="b"/>
             <a:pathLst>
-              <a:path extrusionOk="0" h="120000" w="120000">
+              <a:path w="120000" h="120000" extrusionOk="0">
                 <a:moveTo>
                   <a:pt x="0" y="0"/>
                 </a:moveTo>
@@ -1256,9 +1331,11 @@
       <p:sp>
         <p:nvSpPr>
           <p:cNvPr id="95" name="Google Shape;95;g1f81a6f6325_0_421:notes"/>
-          <p:cNvSpPr txBox="1"/>
+          <p:cNvSpPr txBox="1">
+            <a:spLocks noGrp="1"/>
+          </p:cNvSpPr>
           <p:nvPr>
-            <p:ph idx="1" type="body"/>
+            <p:ph type="body" idx="1"/>
           </p:nvPr>
         </p:nvSpPr>
         <p:spPr>
@@ -1271,12 +1348,12 @@
           </a:prstGeom>
         </p:spPr>
         <p:txBody>
-          <a:bodyPr anchorCtr="0" anchor="t" bIns="91425" lIns="91425" spcFirstLastPara="1" rIns="91425" wrap="square" tIns="91425">
+          <a:bodyPr spcFirstLastPara="1" wrap="square" lIns="91425" tIns="91425" rIns="91425" bIns="91425" anchor="t" anchorCtr="0">
             <a:noAutofit/>
           </a:bodyPr>
           <a:lstStyle/>
           <a:p>
-            <a:pPr indent="0" lvl="0" marL="0" rtl="0" algn="l">
+            <a:pPr marL="0" lvl="0" indent="0" algn="l" rtl="0">
               <a:spcBef>
                 <a:spcPts val="0"/>
               </a:spcBef>
@@ -1285,9 +1362,6 @@
               </a:spcAft>
               <a:buNone/>
             </a:pPr>
-            <a:r>
-              <a:t/>
-            </a:r>
             <a:endParaRPr/>
           </a:p>
         </p:txBody>
@@ -1301,11 +1375,11 @@
 </file>
 
 <file path=ppt/notesSlides/notesSlide7.xml><?xml version="1.0" encoding="utf-8"?>
-<p:notes xmlns:a="http://schemas.openxmlformats.org/drawingml/2006/main" xmlns:r="http://schemas.openxmlformats.org/officeDocument/2006/relationships" xmlns:mc="http://schemas.openxmlformats.org/markup-compatibility/2006" xmlns:mv="urn:schemas-microsoft-com:mac:vml" xmlns:p="http://schemas.openxmlformats.org/presentationml/2006/main" xmlns:c="http://schemas.openxmlformats.org/drawingml/2006/chart" xmlns:dgm="http://schemas.openxmlformats.org/drawingml/2006/diagram" xmlns:o="urn:schemas-microsoft-com:office:office" xmlns:v="urn:schemas-microsoft-com:vml" xmlns:pvml="urn:schemas-microsoft-com:office:powerpoint" xmlns:com="http://schemas.openxmlformats.org/drawingml/2006/compatibility" xmlns:p14="http://schemas.microsoft.com/office/powerpoint/2010/main" xmlns:p15="http://schemas.microsoft.com/office/powerpoint/2012/main" xmlns:ahyp="http://schemas.microsoft.com/office/drawing/2018/hyperlinkcolor" showMasterPhAnim="0" showMasterSp="0">
+<p:notes xmlns:a="http://schemas.openxmlformats.org/drawingml/2006/main" xmlns:r="http://schemas.openxmlformats.org/officeDocument/2006/relationships" xmlns:p="http://schemas.openxmlformats.org/presentationml/2006/main" showMasterSp="0" showMasterPhAnim="0">
   <p:cSld>
     <p:spTree>
       <p:nvGrpSpPr>
-        <p:cNvPr id="99" name="Shape 99"/>
+        <p:cNvPr id="1" name="Shape 99"/>
         <p:cNvGrpSpPr/>
         <p:nvPr/>
       </p:nvGrpSpPr>
@@ -1320,9 +1394,11 @@
       <p:sp>
         <p:nvSpPr>
           <p:cNvPr id="100" name="Google Shape;100;g1f81a6f6325_0_426:notes"/>
-          <p:cNvSpPr/>
+          <p:cNvSpPr>
+            <a:spLocks noGrp="1" noRot="1" noChangeAspect="1"/>
+          </p:cNvSpPr>
           <p:nvPr>
-            <p:ph idx="2" type="sldImg"/>
+            <p:ph type="sldImg" idx="2"/>
           </p:nvPr>
         </p:nvSpPr>
         <p:spPr>
@@ -1331,9 +1407,13 @@
             <a:ext cx="6096000" cy="3429000"/>
           </a:xfrm>
           <a:custGeom>
-            <a:rect b="b" l="l" r="r" t="t"/>
+            <a:avLst/>
+            <a:gdLst/>
+            <a:ahLst/>
+            <a:cxnLst/>
+            <a:rect l="l" t="t" r="r" b="b"/>
             <a:pathLst>
-              <a:path extrusionOk="0" h="120000" w="120000">
+              <a:path w="120000" h="120000" extrusionOk="0">
                 <a:moveTo>
                   <a:pt x="0" y="0"/>
                 </a:moveTo>
@@ -1355,9 +1435,11 @@
       <p:sp>
         <p:nvSpPr>
           <p:cNvPr id="101" name="Google Shape;101;g1f81a6f6325_0_426:notes"/>
-          <p:cNvSpPr txBox="1"/>
+          <p:cNvSpPr txBox="1">
+            <a:spLocks noGrp="1"/>
+          </p:cNvSpPr>
           <p:nvPr>
-            <p:ph idx="1" type="body"/>
+            <p:ph type="body" idx="1"/>
           </p:nvPr>
         </p:nvSpPr>
         <p:spPr>
@@ -1370,12 +1452,12 @@
           </a:prstGeom>
         </p:spPr>
         <p:txBody>
-          <a:bodyPr anchorCtr="0" anchor="t" bIns="91425" lIns="91425" spcFirstLastPara="1" rIns="91425" wrap="square" tIns="91425">
+          <a:bodyPr spcFirstLastPara="1" wrap="square" lIns="91425" tIns="91425" rIns="91425" bIns="91425" anchor="t" anchorCtr="0">
             <a:noAutofit/>
           </a:bodyPr>
           <a:lstStyle/>
           <a:p>
-            <a:pPr indent="0" lvl="0" marL="0" rtl="0" algn="l">
+            <a:pPr marL="0" lvl="0" indent="0" algn="l" rtl="0">
               <a:spcBef>
                 <a:spcPts val="0"/>
               </a:spcBef>
@@ -1384,9 +1466,6 @@
               </a:spcAft>
               <a:buNone/>
             </a:pPr>
-            <a:r>
-              <a:t/>
-            </a:r>
             <a:endParaRPr/>
           </a:p>
         </p:txBody>
@@ -1400,11 +1479,11 @@
 </file>
 
 <file path=ppt/slideLayouts/slideLayout1.xml><?xml version="1.0" encoding="utf-8"?>
-<p:sldLayout xmlns:a="http://schemas.openxmlformats.org/drawingml/2006/main" xmlns:r="http://schemas.openxmlformats.org/officeDocument/2006/relationships" xmlns:mc="http://schemas.openxmlformats.org/markup-compatibility/2006" xmlns:mv="urn:schemas-microsoft-com:mac:vml" xmlns:p="http://schemas.openxmlformats.org/presentationml/2006/main" xmlns:c="http://schemas.openxmlformats.org/drawingml/2006/chart" xmlns:dgm="http://schemas.openxmlformats.org/drawingml/2006/diagram" xmlns:o="urn:schemas-microsoft-com:office:office" xmlns:v="urn:schemas-microsoft-com:vml" xmlns:pvml="urn:schemas-microsoft-com:office:powerpoint" xmlns:com="http://schemas.openxmlformats.org/drawingml/2006/compatibility" xmlns:p14="http://schemas.microsoft.com/office/powerpoint/2010/main" xmlns:p15="http://schemas.microsoft.com/office/powerpoint/2012/main" xmlns:ahyp="http://schemas.microsoft.com/office/drawing/2018/hyperlinkcolor" matchingName="Title slide" type="title">
+<p:sldLayout xmlns:a="http://schemas.openxmlformats.org/drawingml/2006/main" xmlns:r="http://schemas.openxmlformats.org/officeDocument/2006/relationships" xmlns:p="http://schemas.openxmlformats.org/presentationml/2006/main" matchingName="Title slide" type="title">
   <p:cSld name="TITLE">
     <p:spTree>
       <p:nvGrpSpPr>
-        <p:cNvPr id="9" name="Shape 9"/>
+        <p:cNvPr id="1" name="Shape 9"/>
         <p:cNvGrpSpPr/>
         <p:nvPr/>
       </p:nvGrpSpPr>
@@ -1428,9 +1507,13 @@
             <a:ext cx="1081625" cy="1124950"/>
           </a:xfrm>
           <a:custGeom>
-            <a:rect b="b" l="l" r="r" t="t"/>
+            <a:avLst/>
+            <a:gdLst/>
+            <a:ahLst/>
+            <a:cxnLst/>
+            <a:rect l="l" t="t" r="r" b="b"/>
             <a:pathLst>
-              <a:path extrusionOk="0" h="44998" w="43265">
+              <a:path w="43265" h="44998" extrusionOk="0">
                 <a:moveTo>
                   <a:pt x="0" y="44998"/>
                 </a:moveTo>
@@ -1444,14 +1527,14 @@
             </a:pathLst>
           </a:custGeom>
           <a:noFill/>
-          <a:ln cap="flat" cmpd="sng" w="28575">
+          <a:ln w="28575" cap="flat" cmpd="sng">
             <a:solidFill>
               <a:schemeClr val="accent5"/>
             </a:solidFill>
             <a:prstDash val="solid"/>
             <a:miter lim="8000"/>
-            <a:headEnd len="sm" w="sm" type="none"/>
-            <a:tailEnd len="sm" w="sm" type="none"/>
+            <a:headEnd type="none" w="sm" len="sm"/>
+            <a:tailEnd type="none" w="sm" len="sm"/>
           </a:ln>
         </p:spPr>
       </p:sp>
@@ -1467,9 +1550,13 @@
             <a:ext cx="1081625" cy="1124950"/>
           </a:xfrm>
           <a:custGeom>
-            <a:rect b="b" l="l" r="r" t="t"/>
+            <a:avLst/>
+            <a:gdLst/>
+            <a:ahLst/>
+            <a:cxnLst/>
+            <a:rect l="l" t="t" r="r" b="b"/>
             <a:pathLst>
-              <a:path extrusionOk="0" h="44998" w="43265">
+              <a:path w="43265" h="44998" extrusionOk="0">
                 <a:moveTo>
                   <a:pt x="0" y="44998"/>
                 </a:moveTo>
@@ -1483,14 +1570,14 @@
             </a:pathLst>
           </a:custGeom>
           <a:noFill/>
-          <a:ln cap="flat" cmpd="sng" w="28575">
+          <a:ln w="28575" cap="flat" cmpd="sng">
             <a:solidFill>
               <a:schemeClr val="accent5"/>
             </a:solidFill>
             <a:prstDash val="solid"/>
             <a:miter lim="8000"/>
-            <a:headEnd len="sm" w="sm" type="none"/>
-            <a:tailEnd len="sm" w="sm" type="none"/>
+            <a:headEnd type="none" w="sm" len="sm"/>
+            <a:tailEnd type="none" w="sm" len="sm"/>
           </a:ln>
         </p:spPr>
       </p:sp>
@@ -1509,21 +1596,23 @@
             <a:avLst/>
           </a:prstGeom>
           <a:noFill/>
-          <a:ln cap="flat" cmpd="sng" w="38100">
+          <a:ln w="38100" cap="flat" cmpd="sng">
             <a:solidFill>
               <a:schemeClr val="accent4"/>
             </a:solidFill>
             <a:prstDash val="solid"/>
             <a:round/>
-            <a:headEnd len="sm" w="sm" type="none"/>
-            <a:tailEnd len="sm" w="sm" type="none"/>
+            <a:headEnd type="none" w="sm" len="sm"/>
+            <a:tailEnd type="none" w="sm" len="sm"/>
           </a:ln>
         </p:spPr>
       </p:cxnSp>
       <p:sp>
         <p:nvSpPr>
           <p:cNvPr id="13" name="Google Shape;13;p2"/>
-          <p:cNvSpPr txBox="1"/>
+          <p:cNvSpPr txBox="1">
+            <a:spLocks noGrp="1"/>
+          </p:cNvSpPr>
           <p:nvPr>
             <p:ph type="ctrTitle"/>
           </p:nvPr>
@@ -1538,7 +1627,7 @@
           </a:prstGeom>
         </p:spPr>
         <p:txBody>
-          <a:bodyPr anchorCtr="0" anchor="b" bIns="91425" lIns="91425" spcFirstLastPara="1" rIns="91425" wrap="square" tIns="91425">
+          <a:bodyPr spcFirstLastPara="1" wrap="square" lIns="91425" tIns="91425" rIns="91425" bIns="91425" anchor="b" anchorCtr="0">
             <a:normAutofit/>
           </a:bodyPr>
           <a:lstStyle>
@@ -1642,15 +1731,19 @@
               <a:defRPr sz="4000"/>
             </a:lvl9pPr>
           </a:lstStyle>
-          <a:p/>
+          <a:p>
+            <a:endParaRPr/>
+          </a:p>
         </p:txBody>
       </p:sp>
       <p:sp>
         <p:nvSpPr>
           <p:cNvPr id="14" name="Google Shape;14;p2"/>
-          <p:cNvSpPr txBox="1"/>
+          <p:cNvSpPr txBox="1">
+            <a:spLocks noGrp="1"/>
+          </p:cNvSpPr>
           <p:nvPr>
-            <p:ph idx="1" type="subTitle"/>
+            <p:ph type="subTitle" idx="1"/>
           </p:nvPr>
         </p:nvSpPr>
         <p:spPr>
@@ -1663,7 +1756,7 @@
           </a:prstGeom>
         </p:spPr>
         <p:txBody>
-          <a:bodyPr anchorCtr="0" anchor="t" bIns="91425" lIns="91425" spcFirstLastPara="1" rIns="91425" wrap="square" tIns="91425">
+          <a:bodyPr spcFirstLastPara="1" wrap="square" lIns="91425" tIns="91425" rIns="91425" bIns="91425" anchor="t" anchorCtr="0">
             <a:normAutofit/>
           </a:bodyPr>
           <a:lstStyle>
@@ -1902,15 +1995,19 @@
               </a:defRPr>
             </a:lvl9pPr>
           </a:lstStyle>
-          <a:p/>
+          <a:p>
+            <a:endParaRPr/>
+          </a:p>
         </p:txBody>
       </p:sp>
       <p:sp>
         <p:nvSpPr>
           <p:cNvPr id="15" name="Google Shape;15;p2"/>
-          <p:cNvSpPr txBox="1"/>
+          <p:cNvSpPr txBox="1">
+            <a:spLocks noGrp="1"/>
+          </p:cNvSpPr>
           <p:nvPr>
-            <p:ph idx="12" type="sldNum"/>
+            <p:ph type="sldNum" idx="12"/>
           </p:nvPr>
         </p:nvSpPr>
         <p:spPr>
@@ -1923,7 +2020,7 @@
           </a:prstGeom>
         </p:spPr>
         <p:txBody>
-          <a:bodyPr anchorCtr="0" anchor="ctr" bIns="91425" lIns="91425" spcFirstLastPara="1" rIns="91425" wrap="square" tIns="91425">
+          <a:bodyPr spcFirstLastPara="1" wrap="square" lIns="91425" tIns="91425" rIns="91425" bIns="91425" anchor="ctr" anchorCtr="0">
             <a:normAutofit/>
           </a:bodyPr>
           <a:lstStyle>
@@ -1965,7 +2062,7 @@
             </a:lvl9pPr>
           </a:lstStyle>
           <a:p>
-            <a:pPr indent="0" lvl="0" marL="0" rtl="0" algn="r">
+            <a:pPr marL="0" lvl="0" indent="0" algn="r" rtl="0">
               <a:spcBef>
                 <a:spcPts val="0"/>
               </a:spcBef>
@@ -1976,7 +2073,7 @@
             </a:pPr>
             <a:fld id="{00000000-1234-1234-1234-123412341234}" type="slidenum">
               <a:rPr lang="es"/>
-              <a:t>‹#›</a:t>
+              <a:t>‹Nº›</a:t>
             </a:fld>
             <a:endParaRPr/>
           </a:p>
@@ -1991,11 +2088,11 @@
 </file>
 
 <file path=ppt/slideLayouts/slideLayout10.xml><?xml version="1.0" encoding="utf-8"?>
-<p:sldLayout xmlns:a="http://schemas.openxmlformats.org/drawingml/2006/main" xmlns:r="http://schemas.openxmlformats.org/officeDocument/2006/relationships" xmlns:mc="http://schemas.openxmlformats.org/markup-compatibility/2006" xmlns:mv="urn:schemas-microsoft-com:mac:vml" xmlns:p="http://schemas.openxmlformats.org/presentationml/2006/main" xmlns:c="http://schemas.openxmlformats.org/drawingml/2006/chart" xmlns:dgm="http://schemas.openxmlformats.org/drawingml/2006/diagram" xmlns:o="urn:schemas-microsoft-com:office:office" xmlns:v="urn:schemas-microsoft-com:vml" xmlns:pvml="urn:schemas-microsoft-com:office:powerpoint" xmlns:com="http://schemas.openxmlformats.org/drawingml/2006/compatibility" xmlns:p14="http://schemas.microsoft.com/office/powerpoint/2010/main" xmlns:p15="http://schemas.microsoft.com/office/powerpoint/2012/main" xmlns:ahyp="http://schemas.microsoft.com/office/drawing/2018/hyperlinkcolor" matchingName="Big number">
+<p:sldLayout xmlns:a="http://schemas.openxmlformats.org/drawingml/2006/main" xmlns:r="http://schemas.openxmlformats.org/officeDocument/2006/relationships" xmlns:p="http://schemas.openxmlformats.org/presentationml/2006/main" matchingName="Big number">
   <p:cSld name="BIG_NUMBER">
     <p:spTree>
       <p:nvGrpSpPr>
-        <p:cNvPr id="52" name="Shape 52"/>
+        <p:cNvPr id="1" name="Shape 52"/>
         <p:cNvGrpSpPr/>
         <p:nvPr/>
       </p:nvGrpSpPr>
@@ -2029,12 +2126,12 @@
           </a:ln>
         </p:spPr>
         <p:txBody>
-          <a:bodyPr anchorCtr="0" anchor="ctr" bIns="91425" lIns="91425" spcFirstLastPara="1" rIns="91425" wrap="square" tIns="91425">
+          <a:bodyPr spcFirstLastPara="1" wrap="square" lIns="91425" tIns="91425" rIns="91425" bIns="91425" anchor="ctr" anchorCtr="0">
             <a:noAutofit/>
           </a:bodyPr>
           <a:lstStyle/>
           <a:p>
-            <a:pPr indent="0" lvl="0" marL="0" rtl="0" algn="l">
+            <a:pPr marL="0" lvl="0" indent="0" algn="l" rtl="0">
               <a:spcBef>
                 <a:spcPts val="0"/>
               </a:spcBef>
@@ -2043,9 +2140,6 @@
               </a:spcAft>
               <a:buNone/>
             </a:pPr>
-            <a:r>
-              <a:t/>
-            </a:r>
             <a:endParaRPr/>
           </a:p>
         </p:txBody>
@@ -2053,9 +2147,11 @@
       <p:sp>
         <p:nvSpPr>
           <p:cNvPr id="54" name="Google Shape;54;p11"/>
-          <p:cNvSpPr txBox="1"/>
+          <p:cNvSpPr txBox="1">
+            <a:spLocks noGrp="1"/>
+          </p:cNvSpPr>
           <p:nvPr>
-            <p:ph hasCustomPrompt="1" type="title"/>
+            <p:ph type="title" hasCustomPrompt="1"/>
           </p:nvPr>
         </p:nvSpPr>
         <p:spPr>
@@ -2068,7 +2164,7 @@
           </a:prstGeom>
         </p:spPr>
         <p:txBody>
-          <a:bodyPr anchorCtr="0" anchor="ctr" bIns="91425" lIns="91425" spcFirstLastPara="1" rIns="91425" wrap="square" tIns="91425">
+          <a:bodyPr spcFirstLastPara="1" wrap="square" lIns="91425" tIns="91425" rIns="91425" bIns="91425" anchor="ctr" anchorCtr="0">
             <a:normAutofit/>
           </a:bodyPr>
           <a:lstStyle>
@@ -2245,9 +2341,11 @@
       <p:sp>
         <p:nvSpPr>
           <p:cNvPr id="55" name="Google Shape;55;p11"/>
-          <p:cNvSpPr txBox="1"/>
+          <p:cNvSpPr txBox="1">
+            <a:spLocks noGrp="1"/>
+          </p:cNvSpPr>
           <p:nvPr>
-            <p:ph idx="1" type="body"/>
+            <p:ph type="body" idx="1"/>
           </p:nvPr>
         </p:nvSpPr>
         <p:spPr>
@@ -2260,11 +2358,11 @@
           </a:prstGeom>
         </p:spPr>
         <p:txBody>
-          <a:bodyPr anchorCtr="0" anchor="t" bIns="91425" lIns="91425" spcFirstLastPara="1" rIns="91425" wrap="square" tIns="91425">
+          <a:bodyPr spcFirstLastPara="1" wrap="square" lIns="91425" tIns="91425" rIns="91425" bIns="91425" anchor="t" anchorCtr="0">
             <a:normAutofit/>
           </a:bodyPr>
           <a:lstStyle>
-            <a:lvl1pPr indent="-342900" lvl="0" marL="457200" algn="ctr">
+            <a:lvl1pPr marL="457200" lvl="0" indent="-342900" algn="ctr">
               <a:spcBef>
                 <a:spcPts val="0"/>
               </a:spcBef>
@@ -2275,7 +2373,7 @@
               <a:buChar char="●"/>
               <a:defRPr/>
             </a:lvl1pPr>
-            <a:lvl2pPr indent="-317500" lvl="1" marL="914400" algn="ctr">
+            <a:lvl2pPr marL="914400" lvl="1" indent="-317500" algn="ctr">
               <a:spcBef>
                 <a:spcPts val="0"/>
               </a:spcBef>
@@ -2286,7 +2384,7 @@
               <a:buChar char="○"/>
               <a:defRPr/>
             </a:lvl2pPr>
-            <a:lvl3pPr indent="-317500" lvl="2" marL="1371600" algn="ctr">
+            <a:lvl3pPr marL="1371600" lvl="2" indent="-317500" algn="ctr">
               <a:spcBef>
                 <a:spcPts val="0"/>
               </a:spcBef>
@@ -2297,7 +2395,7 @@
               <a:buChar char="■"/>
               <a:defRPr/>
             </a:lvl3pPr>
-            <a:lvl4pPr indent="-317500" lvl="3" marL="1828800" algn="ctr">
+            <a:lvl4pPr marL="1828800" lvl="3" indent="-317500" algn="ctr">
               <a:spcBef>
                 <a:spcPts val="0"/>
               </a:spcBef>
@@ -2308,7 +2406,7 @@
               <a:buChar char="●"/>
               <a:defRPr/>
             </a:lvl4pPr>
-            <a:lvl5pPr indent="-317500" lvl="4" marL="2286000" algn="ctr">
+            <a:lvl5pPr marL="2286000" lvl="4" indent="-317500" algn="ctr">
               <a:spcBef>
                 <a:spcPts val="0"/>
               </a:spcBef>
@@ -2319,7 +2417,7 @@
               <a:buChar char="○"/>
               <a:defRPr/>
             </a:lvl5pPr>
-            <a:lvl6pPr indent="-317500" lvl="5" marL="2743200" algn="ctr">
+            <a:lvl6pPr marL="2743200" lvl="5" indent="-317500" algn="ctr">
               <a:spcBef>
                 <a:spcPts val="0"/>
               </a:spcBef>
@@ -2330,7 +2428,7 @@
               <a:buChar char="■"/>
               <a:defRPr/>
             </a:lvl6pPr>
-            <a:lvl7pPr indent="-317500" lvl="6" marL="3200400" algn="ctr">
+            <a:lvl7pPr marL="3200400" lvl="6" indent="-317500" algn="ctr">
               <a:spcBef>
                 <a:spcPts val="0"/>
               </a:spcBef>
@@ -2341,7 +2439,7 @@
               <a:buChar char="●"/>
               <a:defRPr/>
             </a:lvl7pPr>
-            <a:lvl8pPr indent="-317500" lvl="7" marL="3657600" algn="ctr">
+            <a:lvl8pPr marL="3657600" lvl="7" indent="-317500" algn="ctr">
               <a:spcBef>
                 <a:spcPts val="0"/>
               </a:spcBef>
@@ -2352,7 +2450,7 @@
               <a:buChar char="○"/>
               <a:defRPr/>
             </a:lvl8pPr>
-            <a:lvl9pPr indent="-317500" lvl="8" marL="4114800" algn="ctr">
+            <a:lvl9pPr marL="4114800" lvl="8" indent="-317500" algn="ctr">
               <a:spcBef>
                 <a:spcPts val="0"/>
               </a:spcBef>
@@ -2364,15 +2462,19 @@
               <a:defRPr/>
             </a:lvl9pPr>
           </a:lstStyle>
-          <a:p/>
+          <a:p>
+            <a:endParaRPr/>
+          </a:p>
         </p:txBody>
       </p:sp>
       <p:sp>
         <p:nvSpPr>
           <p:cNvPr id="56" name="Google Shape;56;p11"/>
-          <p:cNvSpPr txBox="1"/>
+          <p:cNvSpPr txBox="1">
+            <a:spLocks noGrp="1"/>
+          </p:cNvSpPr>
           <p:nvPr>
-            <p:ph idx="12" type="sldNum"/>
+            <p:ph type="sldNum" idx="12"/>
           </p:nvPr>
         </p:nvSpPr>
         <p:spPr>
@@ -2385,7 +2487,7 @@
           </a:prstGeom>
         </p:spPr>
         <p:txBody>
-          <a:bodyPr anchorCtr="0" anchor="ctr" bIns="91425" lIns="91425" spcFirstLastPara="1" rIns="91425" wrap="square" tIns="91425">
+          <a:bodyPr spcFirstLastPara="1" wrap="square" lIns="91425" tIns="91425" rIns="91425" bIns="91425" anchor="ctr" anchorCtr="0">
             <a:normAutofit/>
           </a:bodyPr>
           <a:lstStyle>
@@ -2427,7 +2529,7 @@
             </a:lvl9pPr>
           </a:lstStyle>
           <a:p>
-            <a:pPr indent="0" lvl="0" marL="0" rtl="0" algn="r">
+            <a:pPr marL="0" lvl="0" indent="0" algn="r" rtl="0">
               <a:spcBef>
                 <a:spcPts val="0"/>
               </a:spcBef>
@@ -2438,7 +2540,7 @@
             </a:pPr>
             <a:fld id="{00000000-1234-1234-1234-123412341234}" type="slidenum">
               <a:rPr lang="es"/>
-              <a:t>‹#›</a:t>
+              <a:t>‹Nº›</a:t>
             </a:fld>
             <a:endParaRPr/>
           </a:p>
@@ -2453,11 +2555,11 @@
 </file>
 
 <file path=ppt/slideLayouts/slideLayout11.xml><?xml version="1.0" encoding="utf-8"?>
-<p:sldLayout xmlns:a="http://schemas.openxmlformats.org/drawingml/2006/main" xmlns:r="http://schemas.openxmlformats.org/officeDocument/2006/relationships" xmlns:mc="http://schemas.openxmlformats.org/markup-compatibility/2006" xmlns:mv="urn:schemas-microsoft-com:mac:vml" xmlns:p="http://schemas.openxmlformats.org/presentationml/2006/main" xmlns:c="http://schemas.openxmlformats.org/drawingml/2006/chart" xmlns:dgm="http://schemas.openxmlformats.org/drawingml/2006/diagram" xmlns:o="urn:schemas-microsoft-com:office:office" xmlns:v="urn:schemas-microsoft-com:vml" xmlns:pvml="urn:schemas-microsoft-com:office:powerpoint" xmlns:com="http://schemas.openxmlformats.org/drawingml/2006/compatibility" xmlns:p14="http://schemas.microsoft.com/office/powerpoint/2010/main" xmlns:p15="http://schemas.microsoft.com/office/powerpoint/2012/main" xmlns:ahyp="http://schemas.microsoft.com/office/drawing/2018/hyperlinkcolor" matchingName="Blank" type="blank">
+<p:sldLayout xmlns:a="http://schemas.openxmlformats.org/drawingml/2006/main" xmlns:r="http://schemas.openxmlformats.org/officeDocument/2006/relationships" xmlns:p="http://schemas.openxmlformats.org/presentationml/2006/main" matchingName="Blank" type="blank">
   <p:cSld name="BLANK">
     <p:spTree>
       <p:nvGrpSpPr>
-        <p:cNvPr id="57" name="Shape 57"/>
+        <p:cNvPr id="1" name="Shape 57"/>
         <p:cNvGrpSpPr/>
         <p:nvPr/>
       </p:nvGrpSpPr>
@@ -2472,9 +2574,11 @@
       <p:sp>
         <p:nvSpPr>
           <p:cNvPr id="58" name="Google Shape;58;p12"/>
-          <p:cNvSpPr txBox="1"/>
+          <p:cNvSpPr txBox="1">
+            <a:spLocks noGrp="1"/>
+          </p:cNvSpPr>
           <p:nvPr>
-            <p:ph idx="12" type="sldNum"/>
+            <p:ph type="sldNum" idx="12"/>
           </p:nvPr>
         </p:nvSpPr>
         <p:spPr>
@@ -2487,7 +2591,7 @@
           </a:prstGeom>
         </p:spPr>
         <p:txBody>
-          <a:bodyPr anchorCtr="0" anchor="ctr" bIns="91425" lIns="91425" spcFirstLastPara="1" rIns="91425" wrap="square" tIns="91425">
+          <a:bodyPr spcFirstLastPara="1" wrap="square" lIns="91425" tIns="91425" rIns="91425" bIns="91425" anchor="ctr" anchorCtr="0">
             <a:normAutofit/>
           </a:bodyPr>
           <a:lstStyle>
@@ -2529,7 +2633,7 @@
             </a:lvl9pPr>
           </a:lstStyle>
           <a:p>
-            <a:pPr indent="0" lvl="0" marL="0" rtl="0" algn="r">
+            <a:pPr marL="0" lvl="0" indent="0" algn="r" rtl="0">
               <a:spcBef>
                 <a:spcPts val="0"/>
               </a:spcBef>
@@ -2540,7 +2644,7 @@
             </a:pPr>
             <a:fld id="{00000000-1234-1234-1234-123412341234}" type="slidenum">
               <a:rPr lang="es"/>
-              <a:t>‹#›</a:t>
+              <a:t>‹Nº›</a:t>
             </a:fld>
             <a:endParaRPr/>
           </a:p>
@@ -2555,11 +2659,11 @@
 </file>
 
 <file path=ppt/slideLayouts/slideLayout2.xml><?xml version="1.0" encoding="utf-8"?>
-<p:sldLayout xmlns:a="http://schemas.openxmlformats.org/drawingml/2006/main" xmlns:r="http://schemas.openxmlformats.org/officeDocument/2006/relationships" xmlns:mc="http://schemas.openxmlformats.org/markup-compatibility/2006" xmlns:mv="urn:schemas-microsoft-com:mac:vml" xmlns:p="http://schemas.openxmlformats.org/presentationml/2006/main" xmlns:c="http://schemas.openxmlformats.org/drawingml/2006/chart" xmlns:dgm="http://schemas.openxmlformats.org/drawingml/2006/diagram" xmlns:o="urn:schemas-microsoft-com:office:office" xmlns:v="urn:schemas-microsoft-com:vml" xmlns:pvml="urn:schemas-microsoft-com:office:powerpoint" xmlns:com="http://schemas.openxmlformats.org/drawingml/2006/compatibility" xmlns:p14="http://schemas.microsoft.com/office/powerpoint/2010/main" xmlns:p15="http://schemas.microsoft.com/office/powerpoint/2012/main" xmlns:ahyp="http://schemas.microsoft.com/office/drawing/2018/hyperlinkcolor" matchingName="Section header" type="secHead">
+<p:sldLayout xmlns:a="http://schemas.openxmlformats.org/drawingml/2006/main" xmlns:r="http://schemas.openxmlformats.org/officeDocument/2006/relationships" xmlns:p="http://schemas.openxmlformats.org/presentationml/2006/main" matchingName="Section header" type="secHead">
   <p:cSld name="SECTION_HEADER">
     <p:spTree>
       <p:nvGrpSpPr>
-        <p:cNvPr id="16" name="Shape 16"/>
+        <p:cNvPr id="1" name="Shape 16"/>
         <p:cNvGrpSpPr/>
         <p:nvPr/>
       </p:nvGrpSpPr>
@@ -2586,21 +2690,23 @@
             <a:avLst/>
           </a:prstGeom>
           <a:noFill/>
-          <a:ln cap="flat" cmpd="sng" w="38100">
+          <a:ln w="38100" cap="flat" cmpd="sng">
             <a:solidFill>
               <a:schemeClr val="accent4"/>
             </a:solidFill>
             <a:prstDash val="solid"/>
             <a:round/>
-            <a:headEnd len="sm" w="sm" type="none"/>
-            <a:tailEnd len="sm" w="sm" type="none"/>
+            <a:headEnd type="none" w="sm" len="sm"/>
+            <a:tailEnd type="none" w="sm" len="sm"/>
           </a:ln>
         </p:spPr>
       </p:cxnSp>
       <p:sp>
         <p:nvSpPr>
           <p:cNvPr id="18" name="Google Shape;18;p3"/>
-          <p:cNvSpPr txBox="1"/>
+          <p:cNvSpPr txBox="1">
+            <a:spLocks noGrp="1"/>
+          </p:cNvSpPr>
           <p:nvPr>
             <p:ph type="title"/>
           </p:nvPr>
@@ -2615,7 +2721,7 @@
           </a:prstGeom>
         </p:spPr>
         <p:txBody>
-          <a:bodyPr anchorCtr="0" anchor="b" bIns="91425" lIns="91425" spcFirstLastPara="1" rIns="91425" wrap="square" tIns="91425">
+          <a:bodyPr spcFirstLastPara="1" wrap="square" lIns="91425" tIns="91425" rIns="91425" bIns="91425" anchor="b" anchorCtr="0">
             <a:normAutofit/>
           </a:bodyPr>
           <a:lstStyle>
@@ -2719,15 +2825,19 @@
               <a:defRPr sz="4800"/>
             </a:lvl9pPr>
           </a:lstStyle>
-          <a:p/>
+          <a:p>
+            <a:endParaRPr/>
+          </a:p>
         </p:txBody>
       </p:sp>
       <p:sp>
         <p:nvSpPr>
           <p:cNvPr id="19" name="Google Shape;19;p3"/>
-          <p:cNvSpPr txBox="1"/>
+          <p:cNvSpPr txBox="1">
+            <a:spLocks noGrp="1"/>
+          </p:cNvSpPr>
           <p:nvPr>
-            <p:ph idx="12" type="sldNum"/>
+            <p:ph type="sldNum" idx="12"/>
           </p:nvPr>
         </p:nvSpPr>
         <p:spPr>
@@ -2740,7 +2850,7 @@
           </a:prstGeom>
         </p:spPr>
         <p:txBody>
-          <a:bodyPr anchorCtr="0" anchor="ctr" bIns="91425" lIns="91425" spcFirstLastPara="1" rIns="91425" wrap="square" tIns="91425">
+          <a:bodyPr spcFirstLastPara="1" wrap="square" lIns="91425" tIns="91425" rIns="91425" bIns="91425" anchor="ctr" anchorCtr="0">
             <a:normAutofit/>
           </a:bodyPr>
           <a:lstStyle>
@@ -2782,7 +2892,7 @@
             </a:lvl9pPr>
           </a:lstStyle>
           <a:p>
-            <a:pPr indent="0" lvl="0" marL="0" rtl="0" algn="r">
+            <a:pPr marL="0" lvl="0" indent="0" algn="r" rtl="0">
               <a:spcBef>
                 <a:spcPts val="0"/>
               </a:spcBef>
@@ -2793,7 +2903,7 @@
             </a:pPr>
             <a:fld id="{00000000-1234-1234-1234-123412341234}" type="slidenum">
               <a:rPr lang="es"/>
-              <a:t>‹#›</a:t>
+              <a:t>‹Nº›</a:t>
             </a:fld>
             <a:endParaRPr/>
           </a:p>
@@ -2808,11 +2918,11 @@
 </file>
 
 <file path=ppt/slideLayouts/slideLayout3.xml><?xml version="1.0" encoding="utf-8"?>
-<p:sldLayout xmlns:a="http://schemas.openxmlformats.org/drawingml/2006/main" xmlns:r="http://schemas.openxmlformats.org/officeDocument/2006/relationships" xmlns:mc="http://schemas.openxmlformats.org/markup-compatibility/2006" xmlns:mv="urn:schemas-microsoft-com:mac:vml" xmlns:p="http://schemas.openxmlformats.org/presentationml/2006/main" xmlns:c="http://schemas.openxmlformats.org/drawingml/2006/chart" xmlns:dgm="http://schemas.openxmlformats.org/drawingml/2006/diagram" xmlns:o="urn:schemas-microsoft-com:office:office" xmlns:v="urn:schemas-microsoft-com:vml" xmlns:pvml="urn:schemas-microsoft-com:office:powerpoint" xmlns:com="http://schemas.openxmlformats.org/drawingml/2006/compatibility" xmlns:p14="http://schemas.microsoft.com/office/powerpoint/2010/main" xmlns:p15="http://schemas.microsoft.com/office/powerpoint/2012/main" xmlns:ahyp="http://schemas.microsoft.com/office/drawing/2018/hyperlinkcolor" matchingName="Title and body" type="tx">
+<p:sldLayout xmlns:a="http://schemas.openxmlformats.org/drawingml/2006/main" xmlns:r="http://schemas.openxmlformats.org/officeDocument/2006/relationships" xmlns:p="http://schemas.openxmlformats.org/presentationml/2006/main" matchingName="Title and body" type="tx">
   <p:cSld name="TITLE_AND_BODY">
     <p:spTree>
       <p:nvGrpSpPr>
-        <p:cNvPr id="20" name="Shape 20"/>
+        <p:cNvPr id="1" name="Shape 20"/>
         <p:cNvGrpSpPr/>
         <p:nvPr/>
       </p:nvGrpSpPr>
@@ -2839,21 +2949,23 @@
             <a:avLst/>
           </a:prstGeom>
           <a:noFill/>
-          <a:ln cap="flat" cmpd="sng" w="38100">
+          <a:ln w="38100" cap="flat" cmpd="sng">
             <a:solidFill>
               <a:schemeClr val="accent4"/>
             </a:solidFill>
             <a:prstDash val="solid"/>
             <a:round/>
-            <a:headEnd len="sm" w="sm" type="none"/>
-            <a:tailEnd len="sm" w="sm" type="none"/>
+            <a:headEnd type="none" w="sm" len="sm"/>
+            <a:tailEnd type="none" w="sm" len="sm"/>
           </a:ln>
         </p:spPr>
       </p:cxnSp>
       <p:sp>
         <p:nvSpPr>
           <p:cNvPr id="22" name="Google Shape;22;p4"/>
-          <p:cNvSpPr txBox="1"/>
+          <p:cNvSpPr txBox="1">
+            <a:spLocks noGrp="1"/>
+          </p:cNvSpPr>
           <p:nvPr>
             <p:ph type="title"/>
           </p:nvPr>
@@ -2868,7 +2980,7 @@
           </a:prstGeom>
         </p:spPr>
         <p:txBody>
-          <a:bodyPr anchorCtr="0" anchor="b" bIns="91425" lIns="91425" spcFirstLastPara="1" rIns="91425" wrap="square" tIns="91425">
+          <a:bodyPr spcFirstLastPara="1" wrap="square" lIns="91425" tIns="91425" rIns="91425" bIns="91425" anchor="b" anchorCtr="0">
             <a:normAutofit/>
           </a:bodyPr>
           <a:lstStyle>
@@ -2972,15 +3084,19 @@
               <a:defRPr/>
             </a:lvl9pPr>
           </a:lstStyle>
-          <a:p/>
+          <a:p>
+            <a:endParaRPr/>
+          </a:p>
         </p:txBody>
       </p:sp>
       <p:sp>
         <p:nvSpPr>
           <p:cNvPr id="23" name="Google Shape;23;p4"/>
-          <p:cNvSpPr txBox="1"/>
+          <p:cNvSpPr txBox="1">
+            <a:spLocks noGrp="1"/>
+          </p:cNvSpPr>
           <p:nvPr>
-            <p:ph idx="1" type="body"/>
+            <p:ph type="body" idx="1"/>
           </p:nvPr>
         </p:nvSpPr>
         <p:spPr>
@@ -2993,11 +3109,11 @@
           </a:prstGeom>
         </p:spPr>
         <p:txBody>
-          <a:bodyPr anchorCtr="0" anchor="t" bIns="91425" lIns="91425" spcFirstLastPara="1" rIns="91425" wrap="square" tIns="91425">
+          <a:bodyPr spcFirstLastPara="1" wrap="square" lIns="91425" tIns="91425" rIns="91425" bIns="91425" anchor="t" anchorCtr="0">
             <a:normAutofit/>
           </a:bodyPr>
           <a:lstStyle>
-            <a:lvl1pPr indent="-342900" lvl="0" marL="457200">
+            <a:lvl1pPr marL="457200" lvl="0" indent="-342900">
               <a:spcBef>
                 <a:spcPts val="0"/>
               </a:spcBef>
@@ -3008,7 +3124,7 @@
               <a:buChar char="●"/>
               <a:defRPr/>
             </a:lvl1pPr>
-            <a:lvl2pPr indent="-317500" lvl="1" marL="914400">
+            <a:lvl2pPr marL="914400" lvl="1" indent="-317500">
               <a:spcBef>
                 <a:spcPts val="0"/>
               </a:spcBef>
@@ -3019,7 +3135,7 @@
               <a:buChar char="○"/>
               <a:defRPr/>
             </a:lvl2pPr>
-            <a:lvl3pPr indent="-317500" lvl="2" marL="1371600">
+            <a:lvl3pPr marL="1371600" lvl="2" indent="-317500">
               <a:spcBef>
                 <a:spcPts val="0"/>
               </a:spcBef>
@@ -3030,7 +3146,7 @@
               <a:buChar char="■"/>
               <a:defRPr/>
             </a:lvl3pPr>
-            <a:lvl4pPr indent="-317500" lvl="3" marL="1828800">
+            <a:lvl4pPr marL="1828800" lvl="3" indent="-317500">
               <a:spcBef>
                 <a:spcPts val="0"/>
               </a:spcBef>
@@ -3041,7 +3157,7 @@
               <a:buChar char="●"/>
               <a:defRPr/>
             </a:lvl4pPr>
-            <a:lvl5pPr indent="-317500" lvl="4" marL="2286000">
+            <a:lvl5pPr marL="2286000" lvl="4" indent="-317500">
               <a:spcBef>
                 <a:spcPts val="0"/>
               </a:spcBef>
@@ -3052,7 +3168,7 @@
               <a:buChar char="○"/>
               <a:defRPr/>
             </a:lvl5pPr>
-            <a:lvl6pPr indent="-317500" lvl="5" marL="2743200">
+            <a:lvl6pPr marL="2743200" lvl="5" indent="-317500">
               <a:spcBef>
                 <a:spcPts val="0"/>
               </a:spcBef>
@@ -3063,7 +3179,7 @@
               <a:buChar char="■"/>
               <a:defRPr/>
             </a:lvl6pPr>
-            <a:lvl7pPr indent="-317500" lvl="6" marL="3200400">
+            <a:lvl7pPr marL="3200400" lvl="6" indent="-317500">
               <a:spcBef>
                 <a:spcPts val="0"/>
               </a:spcBef>
@@ -3074,7 +3190,7 @@
               <a:buChar char="●"/>
               <a:defRPr/>
             </a:lvl7pPr>
-            <a:lvl8pPr indent="-317500" lvl="7" marL="3657600">
+            <a:lvl8pPr marL="3657600" lvl="7" indent="-317500">
               <a:spcBef>
                 <a:spcPts val="0"/>
               </a:spcBef>
@@ -3085,7 +3201,7 @@
               <a:buChar char="○"/>
               <a:defRPr/>
             </a:lvl8pPr>
-            <a:lvl9pPr indent="-317500" lvl="8" marL="4114800">
+            <a:lvl9pPr marL="4114800" lvl="8" indent="-317500">
               <a:spcBef>
                 <a:spcPts val="0"/>
               </a:spcBef>
@@ -3097,15 +3213,19 @@
               <a:defRPr/>
             </a:lvl9pPr>
           </a:lstStyle>
-          <a:p/>
+          <a:p>
+            <a:endParaRPr/>
+          </a:p>
         </p:txBody>
       </p:sp>
       <p:sp>
         <p:nvSpPr>
           <p:cNvPr id="24" name="Google Shape;24;p4"/>
-          <p:cNvSpPr txBox="1"/>
+          <p:cNvSpPr txBox="1">
+            <a:spLocks noGrp="1"/>
+          </p:cNvSpPr>
           <p:nvPr>
-            <p:ph idx="12" type="sldNum"/>
+            <p:ph type="sldNum" idx="12"/>
           </p:nvPr>
         </p:nvSpPr>
         <p:spPr>
@@ -3118,7 +3238,7 @@
           </a:prstGeom>
         </p:spPr>
         <p:txBody>
-          <a:bodyPr anchorCtr="0" anchor="ctr" bIns="91425" lIns="91425" spcFirstLastPara="1" rIns="91425" wrap="square" tIns="91425">
+          <a:bodyPr spcFirstLastPara="1" wrap="square" lIns="91425" tIns="91425" rIns="91425" bIns="91425" anchor="ctr" anchorCtr="0">
             <a:normAutofit/>
           </a:bodyPr>
           <a:lstStyle>
@@ -3160,7 +3280,7 @@
             </a:lvl9pPr>
           </a:lstStyle>
           <a:p>
-            <a:pPr indent="0" lvl="0" marL="0" rtl="0" algn="r">
+            <a:pPr marL="0" lvl="0" indent="0" algn="r" rtl="0">
               <a:spcBef>
                 <a:spcPts val="0"/>
               </a:spcBef>
@@ -3171,7 +3291,7 @@
             </a:pPr>
             <a:fld id="{00000000-1234-1234-1234-123412341234}" type="slidenum">
               <a:rPr lang="es"/>
-              <a:t>‹#›</a:t>
+              <a:t>‹Nº›</a:t>
             </a:fld>
             <a:endParaRPr/>
           </a:p>
@@ -3186,11 +3306,11 @@
 </file>
 
 <file path=ppt/slideLayouts/slideLayout4.xml><?xml version="1.0" encoding="utf-8"?>
-<p:sldLayout xmlns:a="http://schemas.openxmlformats.org/drawingml/2006/main" xmlns:r="http://schemas.openxmlformats.org/officeDocument/2006/relationships" xmlns:mc="http://schemas.openxmlformats.org/markup-compatibility/2006" xmlns:mv="urn:schemas-microsoft-com:mac:vml" xmlns:p="http://schemas.openxmlformats.org/presentationml/2006/main" xmlns:c="http://schemas.openxmlformats.org/drawingml/2006/chart" xmlns:dgm="http://schemas.openxmlformats.org/drawingml/2006/diagram" xmlns:o="urn:schemas-microsoft-com:office:office" xmlns:v="urn:schemas-microsoft-com:vml" xmlns:pvml="urn:schemas-microsoft-com:office:powerpoint" xmlns:com="http://schemas.openxmlformats.org/drawingml/2006/compatibility" xmlns:p14="http://schemas.microsoft.com/office/powerpoint/2010/main" xmlns:p15="http://schemas.microsoft.com/office/powerpoint/2012/main" xmlns:ahyp="http://schemas.microsoft.com/office/drawing/2018/hyperlinkcolor" matchingName="Title and two columns" type="twoColTx">
+<p:sldLayout xmlns:a="http://schemas.openxmlformats.org/drawingml/2006/main" xmlns:r="http://schemas.openxmlformats.org/officeDocument/2006/relationships" xmlns:p="http://schemas.openxmlformats.org/presentationml/2006/main" matchingName="Title and two columns" type="twoColTx">
   <p:cSld name="TITLE_AND_TWO_COLUMNS">
     <p:spTree>
       <p:nvGrpSpPr>
-        <p:cNvPr id="25" name="Shape 25"/>
+        <p:cNvPr id="1" name="Shape 25"/>
         <p:cNvGrpSpPr/>
         <p:nvPr/>
       </p:nvGrpSpPr>
@@ -3217,21 +3337,23 @@
             <a:avLst/>
           </a:prstGeom>
           <a:noFill/>
-          <a:ln cap="flat" cmpd="sng" w="38100">
+          <a:ln w="38100" cap="flat" cmpd="sng">
             <a:solidFill>
               <a:schemeClr val="accent4"/>
             </a:solidFill>
             <a:prstDash val="solid"/>
             <a:round/>
-            <a:headEnd len="sm" w="sm" type="none"/>
-            <a:tailEnd len="sm" w="sm" type="none"/>
+            <a:headEnd type="none" w="sm" len="sm"/>
+            <a:tailEnd type="none" w="sm" len="sm"/>
           </a:ln>
         </p:spPr>
       </p:cxnSp>
       <p:sp>
         <p:nvSpPr>
           <p:cNvPr id="27" name="Google Shape;27;p5"/>
-          <p:cNvSpPr txBox="1"/>
+          <p:cNvSpPr txBox="1">
+            <a:spLocks noGrp="1"/>
+          </p:cNvSpPr>
           <p:nvPr>
             <p:ph type="title"/>
           </p:nvPr>
@@ -3246,7 +3368,7 @@
           </a:prstGeom>
         </p:spPr>
         <p:txBody>
-          <a:bodyPr anchorCtr="0" anchor="b" bIns="91425" lIns="91425" spcFirstLastPara="1" rIns="91425" wrap="square" tIns="91425">
+          <a:bodyPr spcFirstLastPara="1" wrap="square" lIns="91425" tIns="91425" rIns="91425" bIns="91425" anchor="b" anchorCtr="0">
             <a:normAutofit/>
           </a:bodyPr>
           <a:lstStyle>
@@ -3350,15 +3472,19 @@
               <a:defRPr/>
             </a:lvl9pPr>
           </a:lstStyle>
-          <a:p/>
+          <a:p>
+            <a:endParaRPr/>
+          </a:p>
         </p:txBody>
       </p:sp>
       <p:sp>
         <p:nvSpPr>
           <p:cNvPr id="28" name="Google Shape;28;p5"/>
-          <p:cNvSpPr txBox="1"/>
+          <p:cNvSpPr txBox="1">
+            <a:spLocks noGrp="1"/>
+          </p:cNvSpPr>
           <p:nvPr>
-            <p:ph idx="1" type="body"/>
+            <p:ph type="body" idx="1"/>
           </p:nvPr>
         </p:nvSpPr>
         <p:spPr>
@@ -3371,11 +3497,11 @@
           </a:prstGeom>
         </p:spPr>
         <p:txBody>
-          <a:bodyPr anchorCtr="0" anchor="t" bIns="91425" lIns="91425" spcFirstLastPara="1" rIns="91425" wrap="square" tIns="91425">
+          <a:bodyPr spcFirstLastPara="1" wrap="square" lIns="91425" tIns="91425" rIns="91425" bIns="91425" anchor="t" anchorCtr="0">
             <a:normAutofit/>
           </a:bodyPr>
           <a:lstStyle>
-            <a:lvl1pPr indent="-317500" lvl="0" marL="457200">
+            <a:lvl1pPr marL="457200" lvl="0" indent="-317500">
               <a:spcBef>
                 <a:spcPts val="0"/>
               </a:spcBef>
@@ -3386,7 +3512,7 @@
               <a:buChar char="●"/>
               <a:defRPr sz="1400"/>
             </a:lvl1pPr>
-            <a:lvl2pPr indent="-304800" lvl="1" marL="914400">
+            <a:lvl2pPr marL="914400" lvl="1" indent="-304800">
               <a:spcBef>
                 <a:spcPts val="0"/>
               </a:spcBef>
@@ -3397,7 +3523,7 @@
               <a:buChar char="○"/>
               <a:defRPr sz="1200"/>
             </a:lvl2pPr>
-            <a:lvl3pPr indent="-304800" lvl="2" marL="1371600">
+            <a:lvl3pPr marL="1371600" lvl="2" indent="-304800">
               <a:spcBef>
                 <a:spcPts val="0"/>
               </a:spcBef>
@@ -3408,7 +3534,7 @@
               <a:buChar char="■"/>
               <a:defRPr sz="1200"/>
             </a:lvl3pPr>
-            <a:lvl4pPr indent="-304800" lvl="3" marL="1828800">
+            <a:lvl4pPr marL="1828800" lvl="3" indent="-304800">
               <a:spcBef>
                 <a:spcPts val="0"/>
               </a:spcBef>
@@ -3419,7 +3545,7 @@
               <a:buChar char="●"/>
               <a:defRPr sz="1200"/>
             </a:lvl4pPr>
-            <a:lvl5pPr indent="-304800" lvl="4" marL="2286000">
+            <a:lvl5pPr marL="2286000" lvl="4" indent="-304800">
               <a:spcBef>
                 <a:spcPts val="0"/>
               </a:spcBef>
@@ -3430,7 +3556,7 @@
               <a:buChar char="○"/>
               <a:defRPr sz="1200"/>
             </a:lvl5pPr>
-            <a:lvl6pPr indent="-304800" lvl="5" marL="2743200">
+            <a:lvl6pPr marL="2743200" lvl="5" indent="-304800">
               <a:spcBef>
                 <a:spcPts val="0"/>
               </a:spcBef>
@@ -3441,7 +3567,7 @@
               <a:buChar char="■"/>
               <a:defRPr sz="1200"/>
             </a:lvl6pPr>
-            <a:lvl7pPr indent="-304800" lvl="6" marL="3200400">
+            <a:lvl7pPr marL="3200400" lvl="6" indent="-304800">
               <a:spcBef>
                 <a:spcPts val="0"/>
               </a:spcBef>
@@ -3452,7 +3578,7 @@
               <a:buChar char="●"/>
               <a:defRPr sz="1200"/>
             </a:lvl7pPr>
-            <a:lvl8pPr indent="-304800" lvl="7" marL="3657600">
+            <a:lvl8pPr marL="3657600" lvl="7" indent="-304800">
               <a:spcBef>
                 <a:spcPts val="0"/>
               </a:spcBef>
@@ -3463,7 +3589,7 @@
               <a:buChar char="○"/>
               <a:defRPr sz="1200"/>
             </a:lvl8pPr>
-            <a:lvl9pPr indent="-304800" lvl="8" marL="4114800">
+            <a:lvl9pPr marL="4114800" lvl="8" indent="-304800">
               <a:spcBef>
                 <a:spcPts val="0"/>
               </a:spcBef>
@@ -3475,15 +3601,19 @@
               <a:defRPr sz="1200"/>
             </a:lvl9pPr>
           </a:lstStyle>
-          <a:p/>
+          <a:p>
+            <a:endParaRPr/>
+          </a:p>
         </p:txBody>
       </p:sp>
       <p:sp>
         <p:nvSpPr>
           <p:cNvPr id="29" name="Google Shape;29;p5"/>
-          <p:cNvSpPr txBox="1"/>
+          <p:cNvSpPr txBox="1">
+            <a:spLocks noGrp="1"/>
+          </p:cNvSpPr>
           <p:nvPr>
-            <p:ph idx="2" type="body"/>
+            <p:ph type="body" idx="2"/>
           </p:nvPr>
         </p:nvSpPr>
         <p:spPr>
@@ -3496,11 +3626,11 @@
           </a:prstGeom>
         </p:spPr>
         <p:txBody>
-          <a:bodyPr anchorCtr="0" anchor="t" bIns="91425" lIns="91425" spcFirstLastPara="1" rIns="91425" wrap="square" tIns="91425">
+          <a:bodyPr spcFirstLastPara="1" wrap="square" lIns="91425" tIns="91425" rIns="91425" bIns="91425" anchor="t" anchorCtr="0">
             <a:normAutofit/>
           </a:bodyPr>
           <a:lstStyle>
-            <a:lvl1pPr indent="-317500" lvl="0" marL="457200">
+            <a:lvl1pPr marL="457200" lvl="0" indent="-317500">
               <a:spcBef>
                 <a:spcPts val="0"/>
               </a:spcBef>
@@ -3511,7 +3641,7 @@
               <a:buChar char="●"/>
               <a:defRPr sz="1400"/>
             </a:lvl1pPr>
-            <a:lvl2pPr indent="-304800" lvl="1" marL="914400">
+            <a:lvl2pPr marL="914400" lvl="1" indent="-304800">
               <a:spcBef>
                 <a:spcPts val="0"/>
               </a:spcBef>
@@ -3522,7 +3652,7 @@
               <a:buChar char="○"/>
               <a:defRPr sz="1200"/>
             </a:lvl2pPr>
-            <a:lvl3pPr indent="-304800" lvl="2" marL="1371600">
+            <a:lvl3pPr marL="1371600" lvl="2" indent="-304800">
               <a:spcBef>
                 <a:spcPts val="0"/>
               </a:spcBef>
@@ -3533,7 +3663,7 @@
               <a:buChar char="■"/>
               <a:defRPr sz="1200"/>
             </a:lvl3pPr>
-            <a:lvl4pPr indent="-304800" lvl="3" marL="1828800">
+            <a:lvl4pPr marL="1828800" lvl="3" indent="-304800">
               <a:spcBef>
                 <a:spcPts val="0"/>
               </a:spcBef>
@@ -3544,7 +3674,7 @@
               <a:buChar char="●"/>
               <a:defRPr sz="1200"/>
             </a:lvl4pPr>
-            <a:lvl5pPr indent="-304800" lvl="4" marL="2286000">
+            <a:lvl5pPr marL="2286000" lvl="4" indent="-304800">
               <a:spcBef>
                 <a:spcPts val="0"/>
               </a:spcBef>
@@ -3555,7 +3685,7 @@
               <a:buChar char="○"/>
               <a:defRPr sz="1200"/>
             </a:lvl5pPr>
-            <a:lvl6pPr indent="-304800" lvl="5" marL="2743200">
+            <a:lvl6pPr marL="2743200" lvl="5" indent="-304800">
               <a:spcBef>
                 <a:spcPts val="0"/>
               </a:spcBef>
@@ -3566,7 +3696,7 @@
               <a:buChar char="■"/>
               <a:defRPr sz="1200"/>
             </a:lvl6pPr>
-            <a:lvl7pPr indent="-304800" lvl="6" marL="3200400">
+            <a:lvl7pPr marL="3200400" lvl="6" indent="-304800">
               <a:spcBef>
                 <a:spcPts val="0"/>
               </a:spcBef>
@@ -3577,7 +3707,7 @@
               <a:buChar char="●"/>
               <a:defRPr sz="1200"/>
             </a:lvl7pPr>
-            <a:lvl8pPr indent="-304800" lvl="7" marL="3657600">
+            <a:lvl8pPr marL="3657600" lvl="7" indent="-304800">
               <a:spcBef>
                 <a:spcPts val="0"/>
               </a:spcBef>
@@ -3588,7 +3718,7 @@
               <a:buChar char="○"/>
               <a:defRPr sz="1200"/>
             </a:lvl8pPr>
-            <a:lvl9pPr indent="-304800" lvl="8" marL="4114800">
+            <a:lvl9pPr marL="4114800" lvl="8" indent="-304800">
               <a:spcBef>
                 <a:spcPts val="0"/>
               </a:spcBef>
@@ -3600,15 +3730,19 @@
               <a:defRPr sz="1200"/>
             </a:lvl9pPr>
           </a:lstStyle>
-          <a:p/>
+          <a:p>
+            <a:endParaRPr/>
+          </a:p>
         </p:txBody>
       </p:sp>
       <p:sp>
         <p:nvSpPr>
           <p:cNvPr id="30" name="Google Shape;30;p5"/>
-          <p:cNvSpPr txBox="1"/>
+          <p:cNvSpPr txBox="1">
+            <a:spLocks noGrp="1"/>
+          </p:cNvSpPr>
           <p:nvPr>
-            <p:ph idx="12" type="sldNum"/>
+            <p:ph type="sldNum" idx="12"/>
           </p:nvPr>
         </p:nvSpPr>
         <p:spPr>
@@ -3621,7 +3755,7 @@
           </a:prstGeom>
         </p:spPr>
         <p:txBody>
-          <a:bodyPr anchorCtr="0" anchor="ctr" bIns="91425" lIns="91425" spcFirstLastPara="1" rIns="91425" wrap="square" tIns="91425">
+          <a:bodyPr spcFirstLastPara="1" wrap="square" lIns="91425" tIns="91425" rIns="91425" bIns="91425" anchor="ctr" anchorCtr="0">
             <a:normAutofit/>
           </a:bodyPr>
           <a:lstStyle>
@@ -3663,7 +3797,7 @@
             </a:lvl9pPr>
           </a:lstStyle>
           <a:p>
-            <a:pPr indent="0" lvl="0" marL="0" rtl="0" algn="r">
+            <a:pPr marL="0" lvl="0" indent="0" algn="r" rtl="0">
               <a:spcBef>
                 <a:spcPts val="0"/>
               </a:spcBef>
@@ -3674,7 +3808,7 @@
             </a:pPr>
             <a:fld id="{00000000-1234-1234-1234-123412341234}" type="slidenum">
               <a:rPr lang="es"/>
-              <a:t>‹#›</a:t>
+              <a:t>‹Nº›</a:t>
             </a:fld>
             <a:endParaRPr/>
           </a:p>
@@ -3689,11 +3823,11 @@
 </file>
 
 <file path=ppt/slideLayouts/slideLayout5.xml><?xml version="1.0" encoding="utf-8"?>
-<p:sldLayout xmlns:a="http://schemas.openxmlformats.org/drawingml/2006/main" xmlns:r="http://schemas.openxmlformats.org/officeDocument/2006/relationships" xmlns:mc="http://schemas.openxmlformats.org/markup-compatibility/2006" xmlns:mv="urn:schemas-microsoft-com:mac:vml" xmlns:p="http://schemas.openxmlformats.org/presentationml/2006/main" xmlns:c="http://schemas.openxmlformats.org/drawingml/2006/chart" xmlns:dgm="http://schemas.openxmlformats.org/drawingml/2006/diagram" xmlns:o="urn:schemas-microsoft-com:office:office" xmlns:v="urn:schemas-microsoft-com:vml" xmlns:pvml="urn:schemas-microsoft-com:office:powerpoint" xmlns:com="http://schemas.openxmlformats.org/drawingml/2006/compatibility" xmlns:p14="http://schemas.microsoft.com/office/powerpoint/2010/main" xmlns:p15="http://schemas.microsoft.com/office/powerpoint/2012/main" xmlns:ahyp="http://schemas.microsoft.com/office/drawing/2018/hyperlinkcolor" matchingName="Title only" type="titleOnly">
+<p:sldLayout xmlns:a="http://schemas.openxmlformats.org/drawingml/2006/main" xmlns:r="http://schemas.openxmlformats.org/officeDocument/2006/relationships" xmlns:p="http://schemas.openxmlformats.org/presentationml/2006/main" matchingName="Title only" type="titleOnly">
   <p:cSld name="TITLE_ONLY">
     <p:spTree>
       <p:nvGrpSpPr>
-        <p:cNvPr id="31" name="Shape 31"/>
+        <p:cNvPr id="1" name="Shape 31"/>
         <p:cNvGrpSpPr/>
         <p:nvPr/>
       </p:nvGrpSpPr>
@@ -3708,7 +3842,9 @@
       <p:sp>
         <p:nvSpPr>
           <p:cNvPr id="32" name="Google Shape;32;p6"/>
-          <p:cNvSpPr txBox="1"/>
+          <p:cNvSpPr txBox="1">
+            <a:spLocks noGrp="1"/>
+          </p:cNvSpPr>
           <p:nvPr>
             <p:ph type="title"/>
           </p:nvPr>
@@ -3723,7 +3859,7 @@
           </a:prstGeom>
         </p:spPr>
         <p:txBody>
-          <a:bodyPr anchorCtr="0" anchor="b" bIns="91425" lIns="91425" spcFirstLastPara="1" rIns="91425" wrap="square" tIns="91425">
+          <a:bodyPr spcFirstLastPara="1" wrap="square" lIns="91425" tIns="91425" rIns="91425" bIns="91425" anchor="b" anchorCtr="0">
             <a:normAutofit/>
           </a:bodyPr>
           <a:lstStyle>
@@ -3827,15 +3963,19 @@
               <a:defRPr/>
             </a:lvl9pPr>
           </a:lstStyle>
-          <a:p/>
+          <a:p>
+            <a:endParaRPr/>
+          </a:p>
         </p:txBody>
       </p:sp>
       <p:sp>
         <p:nvSpPr>
           <p:cNvPr id="33" name="Google Shape;33;p6"/>
-          <p:cNvSpPr txBox="1"/>
+          <p:cNvSpPr txBox="1">
+            <a:spLocks noGrp="1"/>
+          </p:cNvSpPr>
           <p:nvPr>
-            <p:ph idx="12" type="sldNum"/>
+            <p:ph type="sldNum" idx="12"/>
           </p:nvPr>
         </p:nvSpPr>
         <p:spPr>
@@ -3848,7 +3988,7 @@
           </a:prstGeom>
         </p:spPr>
         <p:txBody>
-          <a:bodyPr anchorCtr="0" anchor="ctr" bIns="91425" lIns="91425" spcFirstLastPara="1" rIns="91425" wrap="square" tIns="91425">
+          <a:bodyPr spcFirstLastPara="1" wrap="square" lIns="91425" tIns="91425" rIns="91425" bIns="91425" anchor="ctr" anchorCtr="0">
             <a:normAutofit/>
           </a:bodyPr>
           <a:lstStyle>
@@ -3890,7 +4030,7 @@
             </a:lvl9pPr>
           </a:lstStyle>
           <a:p>
-            <a:pPr indent="0" lvl="0" marL="0" rtl="0" algn="r">
+            <a:pPr marL="0" lvl="0" indent="0" algn="r" rtl="0">
               <a:spcBef>
                 <a:spcPts val="0"/>
               </a:spcBef>
@@ -3901,7 +4041,7 @@
             </a:pPr>
             <a:fld id="{00000000-1234-1234-1234-123412341234}" type="slidenum">
               <a:rPr lang="es"/>
-              <a:t>‹#›</a:t>
+              <a:t>‹Nº›</a:t>
             </a:fld>
             <a:endParaRPr/>
           </a:p>
@@ -3916,11 +4056,11 @@
 </file>
 
 <file path=ppt/slideLayouts/slideLayout6.xml><?xml version="1.0" encoding="utf-8"?>
-<p:sldLayout xmlns:a="http://schemas.openxmlformats.org/drawingml/2006/main" xmlns:r="http://schemas.openxmlformats.org/officeDocument/2006/relationships" xmlns:mc="http://schemas.openxmlformats.org/markup-compatibility/2006" xmlns:mv="urn:schemas-microsoft-com:mac:vml" xmlns:p="http://schemas.openxmlformats.org/presentationml/2006/main" xmlns:c="http://schemas.openxmlformats.org/drawingml/2006/chart" xmlns:dgm="http://schemas.openxmlformats.org/drawingml/2006/diagram" xmlns:o="urn:schemas-microsoft-com:office:office" xmlns:v="urn:schemas-microsoft-com:vml" xmlns:pvml="urn:schemas-microsoft-com:office:powerpoint" xmlns:com="http://schemas.openxmlformats.org/drawingml/2006/compatibility" xmlns:p14="http://schemas.microsoft.com/office/powerpoint/2010/main" xmlns:p15="http://schemas.microsoft.com/office/powerpoint/2012/main" xmlns:ahyp="http://schemas.microsoft.com/office/drawing/2018/hyperlinkcolor" matchingName="One column text">
+<p:sldLayout xmlns:a="http://schemas.openxmlformats.org/drawingml/2006/main" xmlns:r="http://schemas.openxmlformats.org/officeDocument/2006/relationships" xmlns:p="http://schemas.openxmlformats.org/presentationml/2006/main" matchingName="One column text">
   <p:cSld name="ONE_COLUMN_TEXT">
     <p:spTree>
       <p:nvGrpSpPr>
-        <p:cNvPr id="34" name="Shape 34"/>
+        <p:cNvPr id="1" name="Shape 34"/>
         <p:cNvGrpSpPr/>
         <p:nvPr/>
       </p:nvGrpSpPr>
@@ -3947,21 +4087,23 @@
             <a:avLst/>
           </a:prstGeom>
           <a:noFill/>
-          <a:ln cap="flat" cmpd="sng" w="38100">
+          <a:ln w="38100" cap="flat" cmpd="sng">
             <a:solidFill>
               <a:schemeClr val="accent4"/>
             </a:solidFill>
             <a:prstDash val="solid"/>
             <a:round/>
-            <a:headEnd len="sm" w="sm" type="none"/>
-            <a:tailEnd len="sm" w="sm" type="none"/>
+            <a:headEnd type="none" w="sm" len="sm"/>
+            <a:tailEnd type="none" w="sm" len="sm"/>
           </a:ln>
         </p:spPr>
       </p:cxnSp>
       <p:sp>
         <p:nvSpPr>
           <p:cNvPr id="36" name="Google Shape;36;p7"/>
-          <p:cNvSpPr txBox="1"/>
+          <p:cNvSpPr txBox="1">
+            <a:spLocks noGrp="1"/>
+          </p:cNvSpPr>
           <p:nvPr>
             <p:ph type="title"/>
           </p:nvPr>
@@ -3976,7 +4118,7 @@
           </a:prstGeom>
         </p:spPr>
         <p:txBody>
-          <a:bodyPr anchorCtr="0" anchor="b" bIns="91425" lIns="91425" spcFirstLastPara="1" rIns="91425" wrap="square" tIns="91425">
+          <a:bodyPr spcFirstLastPara="1" wrap="square" lIns="91425" tIns="91425" rIns="91425" bIns="91425" anchor="b" anchorCtr="0">
             <a:normAutofit/>
           </a:bodyPr>
           <a:lstStyle>
@@ -4080,15 +4222,19 @@
               <a:defRPr sz="2400"/>
             </a:lvl9pPr>
           </a:lstStyle>
-          <a:p/>
+          <a:p>
+            <a:endParaRPr/>
+          </a:p>
         </p:txBody>
       </p:sp>
       <p:sp>
         <p:nvSpPr>
           <p:cNvPr id="37" name="Google Shape;37;p7"/>
-          <p:cNvSpPr txBox="1"/>
+          <p:cNvSpPr txBox="1">
+            <a:spLocks noGrp="1"/>
+          </p:cNvSpPr>
           <p:nvPr>
-            <p:ph idx="1" type="body"/>
+            <p:ph type="body" idx="1"/>
           </p:nvPr>
         </p:nvSpPr>
         <p:spPr>
@@ -4101,11 +4247,11 @@
           </a:prstGeom>
         </p:spPr>
         <p:txBody>
-          <a:bodyPr anchorCtr="0" anchor="t" bIns="91425" lIns="91425" spcFirstLastPara="1" rIns="91425" wrap="square" tIns="91425">
+          <a:bodyPr spcFirstLastPara="1" wrap="square" lIns="91425" tIns="91425" rIns="91425" bIns="91425" anchor="t" anchorCtr="0">
             <a:normAutofit/>
           </a:bodyPr>
           <a:lstStyle>
-            <a:lvl1pPr indent="-304800" lvl="0" marL="457200">
+            <a:lvl1pPr marL="457200" lvl="0" indent="-304800">
               <a:spcBef>
                 <a:spcPts val="0"/>
               </a:spcBef>
@@ -4116,7 +4262,7 @@
               <a:buChar char="●"/>
               <a:defRPr sz="1200"/>
             </a:lvl1pPr>
-            <a:lvl2pPr indent="-304800" lvl="1" marL="914400">
+            <a:lvl2pPr marL="914400" lvl="1" indent="-304800">
               <a:spcBef>
                 <a:spcPts val="0"/>
               </a:spcBef>
@@ -4127,7 +4273,7 @@
               <a:buChar char="○"/>
               <a:defRPr sz="1200"/>
             </a:lvl2pPr>
-            <a:lvl3pPr indent="-304800" lvl="2" marL="1371600">
+            <a:lvl3pPr marL="1371600" lvl="2" indent="-304800">
               <a:spcBef>
                 <a:spcPts val="0"/>
               </a:spcBef>
@@ -4138,7 +4284,7 @@
               <a:buChar char="■"/>
               <a:defRPr sz="1200"/>
             </a:lvl3pPr>
-            <a:lvl4pPr indent="-304800" lvl="3" marL="1828800">
+            <a:lvl4pPr marL="1828800" lvl="3" indent="-304800">
               <a:spcBef>
                 <a:spcPts val="0"/>
               </a:spcBef>
@@ -4149,7 +4295,7 @@
               <a:buChar char="●"/>
               <a:defRPr sz="1200"/>
             </a:lvl4pPr>
-            <a:lvl5pPr indent="-304800" lvl="4" marL="2286000">
+            <a:lvl5pPr marL="2286000" lvl="4" indent="-304800">
               <a:spcBef>
                 <a:spcPts val="0"/>
               </a:spcBef>
@@ -4160,7 +4306,7 @@
               <a:buChar char="○"/>
               <a:defRPr sz="1200"/>
             </a:lvl5pPr>
-            <a:lvl6pPr indent="-304800" lvl="5" marL="2743200">
+            <a:lvl6pPr marL="2743200" lvl="5" indent="-304800">
               <a:spcBef>
                 <a:spcPts val="0"/>
               </a:spcBef>
@@ -4171,7 +4317,7 @@
               <a:buChar char="■"/>
               <a:defRPr sz="1200"/>
             </a:lvl6pPr>
-            <a:lvl7pPr indent="-304800" lvl="6" marL="3200400">
+            <a:lvl7pPr marL="3200400" lvl="6" indent="-304800">
               <a:spcBef>
                 <a:spcPts val="0"/>
               </a:spcBef>
@@ -4182,7 +4328,7 @@
               <a:buChar char="●"/>
               <a:defRPr sz="1200"/>
             </a:lvl7pPr>
-            <a:lvl8pPr indent="-304800" lvl="7" marL="3657600">
+            <a:lvl8pPr marL="3657600" lvl="7" indent="-304800">
               <a:spcBef>
                 <a:spcPts val="0"/>
               </a:spcBef>
@@ -4193,7 +4339,7 @@
               <a:buChar char="○"/>
               <a:defRPr sz="1200"/>
             </a:lvl8pPr>
-            <a:lvl9pPr indent="-304800" lvl="8" marL="4114800">
+            <a:lvl9pPr marL="4114800" lvl="8" indent="-304800">
               <a:spcBef>
                 <a:spcPts val="0"/>
               </a:spcBef>
@@ -4205,15 +4351,19 @@
               <a:defRPr sz="1200"/>
             </a:lvl9pPr>
           </a:lstStyle>
-          <a:p/>
+          <a:p>
+            <a:endParaRPr/>
+          </a:p>
         </p:txBody>
       </p:sp>
       <p:sp>
         <p:nvSpPr>
           <p:cNvPr id="38" name="Google Shape;38;p7"/>
-          <p:cNvSpPr txBox="1"/>
+          <p:cNvSpPr txBox="1">
+            <a:spLocks noGrp="1"/>
+          </p:cNvSpPr>
           <p:nvPr>
-            <p:ph idx="12" type="sldNum"/>
+            <p:ph type="sldNum" idx="12"/>
           </p:nvPr>
         </p:nvSpPr>
         <p:spPr>
@@ -4226,7 +4376,7 @@
           </a:prstGeom>
         </p:spPr>
         <p:txBody>
-          <a:bodyPr anchorCtr="0" anchor="ctr" bIns="91425" lIns="91425" spcFirstLastPara="1" rIns="91425" wrap="square" tIns="91425">
+          <a:bodyPr spcFirstLastPara="1" wrap="square" lIns="91425" tIns="91425" rIns="91425" bIns="91425" anchor="ctr" anchorCtr="0">
             <a:normAutofit/>
           </a:bodyPr>
           <a:lstStyle>
@@ -4268,7 +4418,7 @@
             </a:lvl9pPr>
           </a:lstStyle>
           <a:p>
-            <a:pPr indent="0" lvl="0" marL="0" rtl="0" algn="r">
+            <a:pPr marL="0" lvl="0" indent="0" algn="r" rtl="0">
               <a:spcBef>
                 <a:spcPts val="0"/>
               </a:spcBef>
@@ -4279,7 +4429,7 @@
             </a:pPr>
             <a:fld id="{00000000-1234-1234-1234-123412341234}" type="slidenum">
               <a:rPr lang="es"/>
-              <a:t>‹#›</a:t>
+              <a:t>‹Nº›</a:t>
             </a:fld>
             <a:endParaRPr/>
           </a:p>
@@ -4294,11 +4444,11 @@
 </file>
 
 <file path=ppt/slideLayouts/slideLayout7.xml><?xml version="1.0" encoding="utf-8"?>
-<p:sldLayout xmlns:a="http://schemas.openxmlformats.org/drawingml/2006/main" xmlns:r="http://schemas.openxmlformats.org/officeDocument/2006/relationships" xmlns:mc="http://schemas.openxmlformats.org/markup-compatibility/2006" xmlns:mv="urn:schemas-microsoft-com:mac:vml" xmlns:p="http://schemas.openxmlformats.org/presentationml/2006/main" xmlns:c="http://schemas.openxmlformats.org/drawingml/2006/chart" xmlns:dgm="http://schemas.openxmlformats.org/drawingml/2006/diagram" xmlns:o="urn:schemas-microsoft-com:office:office" xmlns:v="urn:schemas-microsoft-com:vml" xmlns:pvml="urn:schemas-microsoft-com:office:powerpoint" xmlns:com="http://schemas.openxmlformats.org/drawingml/2006/compatibility" xmlns:p14="http://schemas.microsoft.com/office/powerpoint/2010/main" xmlns:p15="http://schemas.microsoft.com/office/powerpoint/2012/main" xmlns:ahyp="http://schemas.microsoft.com/office/drawing/2018/hyperlinkcolor" matchingName="Main point">
+<p:sldLayout xmlns:a="http://schemas.openxmlformats.org/drawingml/2006/main" xmlns:r="http://schemas.openxmlformats.org/officeDocument/2006/relationships" xmlns:p="http://schemas.openxmlformats.org/presentationml/2006/main" matchingName="Main point">
   <p:cSld name="MAIN_POINT">
     <p:spTree>
       <p:nvGrpSpPr>
-        <p:cNvPr id="39" name="Shape 39"/>
+        <p:cNvPr id="1" name="Shape 39"/>
         <p:cNvGrpSpPr/>
         <p:nvPr/>
       </p:nvGrpSpPr>
@@ -4313,7 +4463,9 @@
       <p:sp>
         <p:nvSpPr>
           <p:cNvPr id="40" name="Google Shape;40;p8"/>
-          <p:cNvSpPr txBox="1"/>
+          <p:cNvSpPr txBox="1">
+            <a:spLocks noGrp="1"/>
+          </p:cNvSpPr>
           <p:nvPr>
             <p:ph type="title"/>
           </p:nvPr>
@@ -4328,7 +4480,7 @@
           </a:prstGeom>
         </p:spPr>
         <p:txBody>
-          <a:bodyPr anchorCtr="0" anchor="ctr" bIns="91425" lIns="91425" spcFirstLastPara="1" rIns="91425" wrap="square" tIns="91425">
+          <a:bodyPr spcFirstLastPara="1" wrap="square" lIns="91425" tIns="91425" rIns="91425" bIns="91425" anchor="ctr" anchorCtr="0">
             <a:normAutofit/>
           </a:bodyPr>
           <a:lstStyle>
@@ -4432,15 +4584,19 @@
               <a:defRPr sz="4800"/>
             </a:lvl9pPr>
           </a:lstStyle>
-          <a:p/>
+          <a:p>
+            <a:endParaRPr/>
+          </a:p>
         </p:txBody>
       </p:sp>
       <p:sp>
         <p:nvSpPr>
           <p:cNvPr id="41" name="Google Shape;41;p8"/>
-          <p:cNvSpPr txBox="1"/>
+          <p:cNvSpPr txBox="1">
+            <a:spLocks noGrp="1"/>
+          </p:cNvSpPr>
           <p:nvPr>
-            <p:ph idx="12" type="sldNum"/>
+            <p:ph type="sldNum" idx="12"/>
           </p:nvPr>
         </p:nvSpPr>
         <p:spPr>
@@ -4453,7 +4609,7 @@
           </a:prstGeom>
         </p:spPr>
         <p:txBody>
-          <a:bodyPr anchorCtr="0" anchor="ctr" bIns="91425" lIns="91425" spcFirstLastPara="1" rIns="91425" wrap="square" tIns="91425">
+          <a:bodyPr spcFirstLastPara="1" wrap="square" lIns="91425" tIns="91425" rIns="91425" bIns="91425" anchor="ctr" anchorCtr="0">
             <a:normAutofit/>
           </a:bodyPr>
           <a:lstStyle>
@@ -4495,7 +4651,7 @@
             </a:lvl9pPr>
           </a:lstStyle>
           <a:p>
-            <a:pPr indent="0" lvl="0" marL="0" rtl="0" algn="r">
+            <a:pPr marL="0" lvl="0" indent="0" algn="r" rtl="0">
               <a:spcBef>
                 <a:spcPts val="0"/>
               </a:spcBef>
@@ -4506,7 +4662,7 @@
             </a:pPr>
             <a:fld id="{00000000-1234-1234-1234-123412341234}" type="slidenum">
               <a:rPr lang="es"/>
-              <a:t>‹#›</a:t>
+              <a:t>‹Nº›</a:t>
             </a:fld>
             <a:endParaRPr/>
           </a:p>
@@ -4521,11 +4677,11 @@
 </file>
 
 <file path=ppt/slideLayouts/slideLayout8.xml><?xml version="1.0" encoding="utf-8"?>
-<p:sldLayout xmlns:a="http://schemas.openxmlformats.org/drawingml/2006/main" xmlns:r="http://schemas.openxmlformats.org/officeDocument/2006/relationships" xmlns:mc="http://schemas.openxmlformats.org/markup-compatibility/2006" xmlns:mv="urn:schemas-microsoft-com:mac:vml" xmlns:p="http://schemas.openxmlformats.org/presentationml/2006/main" xmlns:c="http://schemas.openxmlformats.org/drawingml/2006/chart" xmlns:dgm="http://schemas.openxmlformats.org/drawingml/2006/diagram" xmlns:o="urn:schemas-microsoft-com:office:office" xmlns:v="urn:schemas-microsoft-com:vml" xmlns:pvml="urn:schemas-microsoft-com:office:powerpoint" xmlns:com="http://schemas.openxmlformats.org/drawingml/2006/compatibility" xmlns:p14="http://schemas.microsoft.com/office/powerpoint/2010/main" xmlns:p15="http://schemas.microsoft.com/office/powerpoint/2012/main" xmlns:ahyp="http://schemas.microsoft.com/office/drawing/2018/hyperlinkcolor" matchingName="Section title and description">
+<p:sldLayout xmlns:a="http://schemas.openxmlformats.org/drawingml/2006/main" xmlns:r="http://schemas.openxmlformats.org/officeDocument/2006/relationships" xmlns:p="http://schemas.openxmlformats.org/presentationml/2006/main" matchingName="Section title and description">
   <p:cSld name="SECTION_TITLE_AND_DESCRIPTION">
     <p:spTree>
       <p:nvGrpSpPr>
-        <p:cNvPr id="42" name="Shape 42"/>
+        <p:cNvPr id="1" name="Shape 42"/>
         <p:cNvGrpSpPr/>
         <p:nvPr/>
       </p:nvGrpSpPr>
@@ -4559,12 +4715,12 @@
           </a:ln>
         </p:spPr>
         <p:txBody>
-          <a:bodyPr anchorCtr="0" anchor="ctr" bIns="91425" lIns="91425" spcFirstLastPara="1" rIns="91425" wrap="square" tIns="91425">
+          <a:bodyPr spcFirstLastPara="1" wrap="square" lIns="91425" tIns="91425" rIns="91425" bIns="91425" anchor="ctr" anchorCtr="0">
             <a:noAutofit/>
           </a:bodyPr>
           <a:lstStyle/>
           <a:p>
-            <a:pPr indent="0" lvl="0" marL="0" rtl="0" algn="l">
+            <a:pPr marL="0" lvl="0" indent="0" algn="l" rtl="0">
               <a:spcBef>
                 <a:spcPts val="0"/>
               </a:spcBef>
@@ -4573,9 +4729,6 @@
               </a:spcAft>
               <a:buNone/>
             </a:pPr>
-            <a:r>
-              <a:t/>
-            </a:r>
             <a:endParaRPr/>
           </a:p>
         </p:txBody>
@@ -4595,21 +4748,23 @@
             <a:avLst/>
           </a:prstGeom>
           <a:noFill/>
-          <a:ln cap="flat" cmpd="sng" w="38100">
+          <a:ln w="38100" cap="flat" cmpd="sng">
             <a:solidFill>
               <a:schemeClr val="accent5"/>
             </a:solidFill>
             <a:prstDash val="solid"/>
             <a:round/>
-            <a:headEnd len="sm" w="sm" type="none"/>
-            <a:tailEnd len="sm" w="sm" type="none"/>
+            <a:headEnd type="none" w="sm" len="sm"/>
+            <a:tailEnd type="none" w="sm" len="sm"/>
           </a:ln>
         </p:spPr>
       </p:cxnSp>
       <p:sp>
         <p:nvSpPr>
           <p:cNvPr id="45" name="Google Shape;45;p9"/>
-          <p:cNvSpPr txBox="1"/>
+          <p:cNvSpPr txBox="1">
+            <a:spLocks noGrp="1"/>
+          </p:cNvSpPr>
           <p:nvPr>
             <p:ph type="title"/>
           </p:nvPr>
@@ -4624,7 +4779,7 @@
           </a:prstGeom>
         </p:spPr>
         <p:txBody>
-          <a:bodyPr anchorCtr="0" anchor="b" bIns="91425" lIns="91425" spcFirstLastPara="1" rIns="91425" wrap="square" tIns="91425">
+          <a:bodyPr spcFirstLastPara="1" wrap="square" lIns="91425" tIns="91425" rIns="91425" bIns="91425" anchor="b" anchorCtr="0">
             <a:normAutofit/>
           </a:bodyPr>
           <a:lstStyle>
@@ -4728,15 +4883,19 @@
               <a:defRPr sz="3800"/>
             </a:lvl9pPr>
           </a:lstStyle>
-          <a:p/>
+          <a:p>
+            <a:endParaRPr/>
+          </a:p>
         </p:txBody>
       </p:sp>
       <p:sp>
         <p:nvSpPr>
           <p:cNvPr id="46" name="Google Shape;46;p9"/>
-          <p:cNvSpPr txBox="1"/>
+          <p:cNvSpPr txBox="1">
+            <a:spLocks noGrp="1"/>
+          </p:cNvSpPr>
           <p:nvPr>
-            <p:ph idx="1" type="subTitle"/>
+            <p:ph type="subTitle" idx="1"/>
           </p:nvPr>
         </p:nvSpPr>
         <p:spPr>
@@ -4749,7 +4908,7 @@
           </a:prstGeom>
         </p:spPr>
         <p:txBody>
-          <a:bodyPr anchorCtr="0" anchor="t" bIns="91425" lIns="91425" spcFirstLastPara="1" rIns="91425" wrap="square" tIns="91425">
+          <a:bodyPr spcFirstLastPara="1" wrap="square" lIns="91425" tIns="91425" rIns="91425" bIns="91425" anchor="t" anchorCtr="0">
             <a:normAutofit/>
           </a:bodyPr>
           <a:lstStyle>
@@ -4943,15 +5102,19 @@
               </a:defRPr>
             </a:lvl9pPr>
           </a:lstStyle>
-          <a:p/>
+          <a:p>
+            <a:endParaRPr/>
+          </a:p>
         </p:txBody>
       </p:sp>
       <p:sp>
         <p:nvSpPr>
           <p:cNvPr id="47" name="Google Shape;47;p9"/>
-          <p:cNvSpPr txBox="1"/>
+          <p:cNvSpPr txBox="1">
+            <a:spLocks noGrp="1"/>
+          </p:cNvSpPr>
           <p:nvPr>
-            <p:ph idx="2" type="body"/>
+            <p:ph type="body" idx="2"/>
           </p:nvPr>
         </p:nvSpPr>
         <p:spPr>
@@ -4964,11 +5127,11 @@
           </a:prstGeom>
         </p:spPr>
         <p:txBody>
-          <a:bodyPr anchorCtr="0" anchor="ctr" bIns="91425" lIns="91425" spcFirstLastPara="1" rIns="91425" wrap="square" tIns="91425">
+          <a:bodyPr spcFirstLastPara="1" wrap="square" lIns="91425" tIns="91425" rIns="91425" bIns="91425" anchor="ctr" anchorCtr="0">
             <a:normAutofit/>
           </a:bodyPr>
           <a:lstStyle>
-            <a:lvl1pPr indent="-342900" lvl="0" marL="457200">
+            <a:lvl1pPr marL="457200" lvl="0" indent="-342900">
               <a:spcBef>
                 <a:spcPts val="0"/>
               </a:spcBef>
@@ -4979,7 +5142,7 @@
               <a:buChar char="●"/>
               <a:defRPr/>
             </a:lvl1pPr>
-            <a:lvl2pPr indent="-317500" lvl="1" marL="914400">
+            <a:lvl2pPr marL="914400" lvl="1" indent="-317500">
               <a:spcBef>
                 <a:spcPts val="0"/>
               </a:spcBef>
@@ -4990,7 +5153,7 @@
               <a:buChar char="○"/>
               <a:defRPr/>
             </a:lvl2pPr>
-            <a:lvl3pPr indent="-317500" lvl="2" marL="1371600">
+            <a:lvl3pPr marL="1371600" lvl="2" indent="-317500">
               <a:spcBef>
                 <a:spcPts val="0"/>
               </a:spcBef>
@@ -5001,7 +5164,7 @@
               <a:buChar char="■"/>
               <a:defRPr/>
             </a:lvl3pPr>
-            <a:lvl4pPr indent="-317500" lvl="3" marL="1828800">
+            <a:lvl4pPr marL="1828800" lvl="3" indent="-317500">
               <a:spcBef>
                 <a:spcPts val="0"/>
               </a:spcBef>
@@ -5012,7 +5175,7 @@
               <a:buChar char="●"/>
               <a:defRPr/>
             </a:lvl4pPr>
-            <a:lvl5pPr indent="-317500" lvl="4" marL="2286000">
+            <a:lvl5pPr marL="2286000" lvl="4" indent="-317500">
               <a:spcBef>
                 <a:spcPts val="0"/>
               </a:spcBef>
@@ -5023,7 +5186,7 @@
               <a:buChar char="○"/>
               <a:defRPr/>
             </a:lvl5pPr>
-            <a:lvl6pPr indent="-317500" lvl="5" marL="2743200">
+            <a:lvl6pPr marL="2743200" lvl="5" indent="-317500">
               <a:spcBef>
                 <a:spcPts val="0"/>
               </a:spcBef>
@@ -5034,7 +5197,7 @@
               <a:buChar char="■"/>
               <a:defRPr/>
             </a:lvl6pPr>
-            <a:lvl7pPr indent="-317500" lvl="6" marL="3200400">
+            <a:lvl7pPr marL="3200400" lvl="6" indent="-317500">
               <a:spcBef>
                 <a:spcPts val="0"/>
               </a:spcBef>
@@ -5045,7 +5208,7 @@
               <a:buChar char="●"/>
               <a:defRPr/>
             </a:lvl7pPr>
-            <a:lvl8pPr indent="-317500" lvl="7" marL="3657600">
+            <a:lvl8pPr marL="3657600" lvl="7" indent="-317500">
               <a:spcBef>
                 <a:spcPts val="0"/>
               </a:spcBef>
@@ -5056,7 +5219,7 @@
               <a:buChar char="○"/>
               <a:defRPr/>
             </a:lvl8pPr>
-            <a:lvl9pPr indent="-317500" lvl="8" marL="4114800">
+            <a:lvl9pPr marL="4114800" lvl="8" indent="-317500">
               <a:spcBef>
                 <a:spcPts val="0"/>
               </a:spcBef>
@@ -5068,15 +5231,19 @@
               <a:defRPr/>
             </a:lvl9pPr>
           </a:lstStyle>
-          <a:p/>
+          <a:p>
+            <a:endParaRPr/>
+          </a:p>
         </p:txBody>
       </p:sp>
       <p:sp>
         <p:nvSpPr>
           <p:cNvPr id="48" name="Google Shape;48;p9"/>
-          <p:cNvSpPr txBox="1"/>
+          <p:cNvSpPr txBox="1">
+            <a:spLocks noGrp="1"/>
+          </p:cNvSpPr>
           <p:nvPr>
-            <p:ph idx="12" type="sldNum"/>
+            <p:ph type="sldNum" idx="12"/>
           </p:nvPr>
         </p:nvSpPr>
         <p:spPr>
@@ -5089,7 +5256,7 @@
           </a:prstGeom>
         </p:spPr>
         <p:txBody>
-          <a:bodyPr anchorCtr="0" anchor="ctr" bIns="91425" lIns="91425" spcFirstLastPara="1" rIns="91425" wrap="square" tIns="91425">
+          <a:bodyPr spcFirstLastPara="1" wrap="square" lIns="91425" tIns="91425" rIns="91425" bIns="91425" anchor="ctr" anchorCtr="0">
             <a:normAutofit/>
           </a:bodyPr>
           <a:lstStyle>
@@ -5131,7 +5298,7 @@
             </a:lvl9pPr>
           </a:lstStyle>
           <a:p>
-            <a:pPr indent="0" lvl="0" marL="0" rtl="0" algn="r">
+            <a:pPr marL="0" lvl="0" indent="0" algn="r" rtl="0">
               <a:spcBef>
                 <a:spcPts val="0"/>
               </a:spcBef>
@@ -5142,7 +5309,7 @@
             </a:pPr>
             <a:fld id="{00000000-1234-1234-1234-123412341234}" type="slidenum">
               <a:rPr lang="es"/>
-              <a:t>‹#›</a:t>
+              <a:t>‹Nº›</a:t>
             </a:fld>
             <a:endParaRPr/>
           </a:p>
@@ -5157,11 +5324,11 @@
 </file>
 
 <file path=ppt/slideLayouts/slideLayout9.xml><?xml version="1.0" encoding="utf-8"?>
-<p:sldLayout xmlns:a="http://schemas.openxmlformats.org/drawingml/2006/main" xmlns:r="http://schemas.openxmlformats.org/officeDocument/2006/relationships" xmlns:mc="http://schemas.openxmlformats.org/markup-compatibility/2006" xmlns:mv="urn:schemas-microsoft-com:mac:vml" xmlns:p="http://schemas.openxmlformats.org/presentationml/2006/main" xmlns:c="http://schemas.openxmlformats.org/drawingml/2006/chart" xmlns:dgm="http://schemas.openxmlformats.org/drawingml/2006/diagram" xmlns:o="urn:schemas-microsoft-com:office:office" xmlns:v="urn:schemas-microsoft-com:vml" xmlns:pvml="urn:schemas-microsoft-com:office:powerpoint" xmlns:com="http://schemas.openxmlformats.org/drawingml/2006/compatibility" xmlns:p14="http://schemas.microsoft.com/office/powerpoint/2010/main" xmlns:p15="http://schemas.microsoft.com/office/powerpoint/2012/main" xmlns:ahyp="http://schemas.microsoft.com/office/drawing/2018/hyperlinkcolor" matchingName="Caption">
+<p:sldLayout xmlns:a="http://schemas.openxmlformats.org/drawingml/2006/main" xmlns:r="http://schemas.openxmlformats.org/officeDocument/2006/relationships" xmlns:p="http://schemas.openxmlformats.org/presentationml/2006/main" matchingName="Caption">
   <p:cSld name="CAPTION_ONLY">
     <p:spTree>
       <p:nvGrpSpPr>
-        <p:cNvPr id="49" name="Shape 49"/>
+        <p:cNvPr id="1" name="Shape 49"/>
         <p:cNvGrpSpPr/>
         <p:nvPr/>
       </p:nvGrpSpPr>
@@ -5176,9 +5343,11 @@
       <p:sp>
         <p:nvSpPr>
           <p:cNvPr id="50" name="Google Shape;50;p10"/>
-          <p:cNvSpPr txBox="1"/>
+          <p:cNvSpPr txBox="1">
+            <a:spLocks noGrp="1"/>
+          </p:cNvSpPr>
           <p:nvPr>
-            <p:ph idx="1" type="body"/>
+            <p:ph type="body" idx="1"/>
           </p:nvPr>
         </p:nvSpPr>
         <p:spPr>
@@ -5191,11 +5360,11 @@
           </a:prstGeom>
         </p:spPr>
         <p:txBody>
-          <a:bodyPr anchorCtr="0" anchor="ctr" bIns="91425" lIns="91425" spcFirstLastPara="1" rIns="91425" wrap="square" tIns="91425">
+          <a:bodyPr spcFirstLastPara="1" wrap="square" lIns="91425" tIns="91425" rIns="91425" bIns="91425" anchor="ctr" anchorCtr="0">
             <a:normAutofit/>
           </a:bodyPr>
           <a:lstStyle>
-            <a:lvl1pPr indent="-228600" lvl="0" marL="457200">
+            <a:lvl1pPr marL="457200" lvl="0" indent="-228600">
               <a:lnSpc>
                 <a:spcPct val="100000"/>
               </a:lnSpc>
@@ -5216,15 +5385,19 @@
               </a:defRPr>
             </a:lvl1pPr>
           </a:lstStyle>
-          <a:p/>
+          <a:p>
+            <a:endParaRPr/>
+          </a:p>
         </p:txBody>
       </p:sp>
       <p:sp>
         <p:nvSpPr>
           <p:cNvPr id="51" name="Google Shape;51;p10"/>
-          <p:cNvSpPr txBox="1"/>
+          <p:cNvSpPr txBox="1">
+            <a:spLocks noGrp="1"/>
+          </p:cNvSpPr>
           <p:nvPr>
-            <p:ph idx="12" type="sldNum"/>
+            <p:ph type="sldNum" idx="12"/>
           </p:nvPr>
         </p:nvSpPr>
         <p:spPr>
@@ -5237,7 +5410,7 @@
           </a:prstGeom>
         </p:spPr>
         <p:txBody>
-          <a:bodyPr anchorCtr="0" anchor="ctr" bIns="91425" lIns="91425" spcFirstLastPara="1" rIns="91425" wrap="square" tIns="91425">
+          <a:bodyPr spcFirstLastPara="1" wrap="square" lIns="91425" tIns="91425" rIns="91425" bIns="91425" anchor="ctr" anchorCtr="0">
             <a:normAutofit/>
           </a:bodyPr>
           <a:lstStyle>
@@ -5279,7 +5452,7 @@
             </a:lvl9pPr>
           </a:lstStyle>
           <a:p>
-            <a:pPr indent="0" lvl="0" marL="0" rtl="0" algn="r">
+            <a:pPr marL="0" lvl="0" indent="0" algn="r" rtl="0">
               <a:spcBef>
                 <a:spcPts val="0"/>
               </a:spcBef>
@@ -5290,7 +5463,7 @@
             </a:pPr>
             <a:fld id="{00000000-1234-1234-1234-123412341234}" type="slidenum">
               <a:rPr lang="es"/>
-              <a:t>‹#›</a:t>
+              <a:t>‹Nº›</a:t>
             </a:fld>
             <a:endParaRPr/>
           </a:p>
@@ -5305,18 +5478,19 @@
 </file>
 
 <file path=ppt/slideMasters/slideMaster1.xml><?xml version="1.0" encoding="utf-8"?>
-<p:sldMaster xmlns:a="http://schemas.openxmlformats.org/drawingml/2006/main" xmlns:r="http://schemas.openxmlformats.org/officeDocument/2006/relationships" xmlns:mc="http://schemas.openxmlformats.org/markup-compatibility/2006" xmlns:mv="urn:schemas-microsoft-com:mac:vml" xmlns:p="http://schemas.openxmlformats.org/presentationml/2006/main" xmlns:c="http://schemas.openxmlformats.org/drawingml/2006/chart" xmlns:dgm="http://schemas.openxmlformats.org/drawingml/2006/diagram" xmlns:o="urn:schemas-microsoft-com:office:office" xmlns:v="urn:schemas-microsoft-com:vml" xmlns:pvml="urn:schemas-microsoft-com:office:powerpoint" xmlns:com="http://schemas.openxmlformats.org/drawingml/2006/compatibility" xmlns:p14="http://schemas.microsoft.com/office/powerpoint/2010/main" xmlns:p15="http://schemas.microsoft.com/office/powerpoint/2012/main" xmlns:ahyp="http://schemas.microsoft.com/office/drawing/2018/hyperlinkcolor">
+<p:sldMaster xmlns:a="http://schemas.openxmlformats.org/drawingml/2006/main" xmlns:r="http://schemas.openxmlformats.org/officeDocument/2006/relationships" xmlns:p="http://schemas.openxmlformats.org/presentationml/2006/main">
   <p:cSld name="marina">
     <p:bg>
       <p:bgPr>
         <a:solidFill>
           <a:schemeClr val="lt1"/>
         </a:solidFill>
+        <a:effectLst/>
       </p:bgPr>
     </p:bg>
     <p:spTree>
       <p:nvGrpSpPr>
-        <p:cNvPr id="5" name="Shape 5"/>
+        <p:cNvPr id="1" name="Shape 5"/>
         <p:cNvGrpSpPr/>
         <p:nvPr/>
       </p:nvGrpSpPr>
@@ -5331,7 +5505,9 @@
       <p:sp>
         <p:nvSpPr>
           <p:cNvPr id="6" name="Google Shape;6;p1"/>
-          <p:cNvSpPr txBox="1"/>
+          <p:cNvSpPr txBox="1">
+            <a:spLocks noGrp="1"/>
+          </p:cNvSpPr>
           <p:nvPr>
             <p:ph type="title"/>
           </p:nvPr>
@@ -5350,7 +5526,7 @@
           </a:ln>
         </p:spPr>
         <p:txBody>
-          <a:bodyPr anchorCtr="0" anchor="b" bIns="91425" lIns="91425" spcFirstLastPara="1" rIns="91425" wrap="square" tIns="91425">
+          <a:bodyPr spcFirstLastPara="1" wrap="square" lIns="91425" tIns="91425" rIns="91425" bIns="91425" anchor="b" anchorCtr="0">
             <a:normAutofit/>
           </a:bodyPr>
           <a:lstStyle>
@@ -5562,15 +5738,19 @@
               </a:defRPr>
             </a:lvl9pPr>
           </a:lstStyle>
-          <a:p/>
+          <a:p>
+            <a:endParaRPr/>
+          </a:p>
         </p:txBody>
       </p:sp>
       <p:sp>
         <p:nvSpPr>
           <p:cNvPr id="7" name="Google Shape;7;p1"/>
-          <p:cNvSpPr txBox="1"/>
+          <p:cNvSpPr txBox="1">
+            <a:spLocks noGrp="1"/>
+          </p:cNvSpPr>
           <p:nvPr>
-            <p:ph idx="1" type="body"/>
+            <p:ph type="body" idx="1"/>
           </p:nvPr>
         </p:nvSpPr>
         <p:spPr>
@@ -5587,11 +5767,11 @@
           </a:ln>
         </p:spPr>
         <p:txBody>
-          <a:bodyPr anchorCtr="0" anchor="t" bIns="91425" lIns="91425" spcFirstLastPara="1" rIns="91425" wrap="square" tIns="91425">
+          <a:bodyPr spcFirstLastPara="1" wrap="square" lIns="91425" tIns="91425" rIns="91425" bIns="91425" anchor="t" anchorCtr="0">
             <a:normAutofit/>
           </a:bodyPr>
           <a:lstStyle>
-            <a:lvl1pPr indent="-342900" lvl="0" marL="457200">
+            <a:lvl1pPr marL="457200" lvl="0" indent="-342900">
               <a:lnSpc>
                 <a:spcPct val="115000"/>
               </a:lnSpc>
@@ -5617,7 +5797,7 @@
                 <a:sym typeface="Roboto"/>
               </a:defRPr>
             </a:lvl1pPr>
-            <a:lvl2pPr indent="-317500" lvl="1" marL="914400">
+            <a:lvl2pPr marL="914400" lvl="1" indent="-317500">
               <a:lnSpc>
                 <a:spcPct val="115000"/>
               </a:lnSpc>
@@ -5643,7 +5823,7 @@
                 <a:sym typeface="Roboto"/>
               </a:defRPr>
             </a:lvl2pPr>
-            <a:lvl3pPr indent="-317500" lvl="2" marL="1371600">
+            <a:lvl3pPr marL="1371600" lvl="2" indent="-317500">
               <a:lnSpc>
                 <a:spcPct val="115000"/>
               </a:lnSpc>
@@ -5669,7 +5849,7 @@
                 <a:sym typeface="Roboto"/>
               </a:defRPr>
             </a:lvl3pPr>
-            <a:lvl4pPr indent="-317500" lvl="3" marL="1828800">
+            <a:lvl4pPr marL="1828800" lvl="3" indent="-317500">
               <a:lnSpc>
                 <a:spcPct val="115000"/>
               </a:lnSpc>
@@ -5695,7 +5875,7 @@
                 <a:sym typeface="Roboto"/>
               </a:defRPr>
             </a:lvl4pPr>
-            <a:lvl5pPr indent="-317500" lvl="4" marL="2286000">
+            <a:lvl5pPr marL="2286000" lvl="4" indent="-317500">
               <a:lnSpc>
                 <a:spcPct val="115000"/>
               </a:lnSpc>
@@ -5721,7 +5901,7 @@
                 <a:sym typeface="Roboto"/>
               </a:defRPr>
             </a:lvl5pPr>
-            <a:lvl6pPr indent="-317500" lvl="5" marL="2743200">
+            <a:lvl6pPr marL="2743200" lvl="5" indent="-317500">
               <a:lnSpc>
                 <a:spcPct val="115000"/>
               </a:lnSpc>
@@ -5747,7 +5927,7 @@
                 <a:sym typeface="Roboto"/>
               </a:defRPr>
             </a:lvl6pPr>
-            <a:lvl7pPr indent="-317500" lvl="6" marL="3200400">
+            <a:lvl7pPr marL="3200400" lvl="6" indent="-317500">
               <a:lnSpc>
                 <a:spcPct val="115000"/>
               </a:lnSpc>
@@ -5773,7 +5953,7 @@
                 <a:sym typeface="Roboto"/>
               </a:defRPr>
             </a:lvl7pPr>
-            <a:lvl8pPr indent="-317500" lvl="7" marL="3657600">
+            <a:lvl8pPr marL="3657600" lvl="7" indent="-317500">
               <a:lnSpc>
                 <a:spcPct val="115000"/>
               </a:lnSpc>
@@ -5799,7 +5979,7 @@
                 <a:sym typeface="Roboto"/>
               </a:defRPr>
             </a:lvl8pPr>
-            <a:lvl9pPr indent="-317500" lvl="8" marL="4114800">
+            <a:lvl9pPr marL="4114800" lvl="8" indent="-317500">
               <a:lnSpc>
                 <a:spcPct val="115000"/>
               </a:lnSpc>
@@ -5826,15 +6006,19 @@
               </a:defRPr>
             </a:lvl9pPr>
           </a:lstStyle>
-          <a:p/>
+          <a:p>
+            <a:endParaRPr/>
+          </a:p>
         </p:txBody>
       </p:sp>
       <p:sp>
         <p:nvSpPr>
           <p:cNvPr id="8" name="Google Shape;8;p1"/>
-          <p:cNvSpPr txBox="1"/>
+          <p:cNvSpPr txBox="1">
+            <a:spLocks noGrp="1"/>
+          </p:cNvSpPr>
           <p:nvPr>
-            <p:ph idx="12" type="sldNum"/>
+            <p:ph type="sldNum" idx="12"/>
           </p:nvPr>
         </p:nvSpPr>
         <p:spPr>
@@ -5851,7 +6035,7 @@
           </a:ln>
         </p:spPr>
         <p:txBody>
-          <a:bodyPr anchorCtr="0" anchor="ctr" bIns="91425" lIns="91425" spcFirstLastPara="1" rIns="91425" wrap="square" tIns="91425">
+          <a:bodyPr spcFirstLastPara="1" wrap="square" lIns="91425" tIns="91425" rIns="91425" bIns="91425" anchor="ctr" anchorCtr="0">
             <a:normAutofit/>
           </a:bodyPr>
           <a:lstStyle>
@@ -5965,7 +6149,7 @@
             </a:lvl9pPr>
           </a:lstStyle>
           <a:p>
-            <a:pPr indent="0" lvl="0" marL="0" rtl="0" algn="r">
+            <a:pPr marL="0" lvl="0" indent="0" algn="r" rtl="0">
               <a:spcBef>
                 <a:spcPts val="0"/>
               </a:spcBef>
@@ -5976,7 +6160,7 @@
             </a:pPr>
             <a:fld id="{00000000-1234-1234-1234-123412341234}" type="slidenum">
               <a:rPr lang="es"/>
-              <a:t>‹#›</a:t>
+              <a:t>‹Nº›</a:t>
             </a:fld>
             <a:endParaRPr/>
           </a:p>
@@ -5984,7 +6168,7 @@
       </p:sp>
     </p:spTree>
   </p:cSld>
-  <p:clrMap accent1="accent1" accent2="accent2" accent3="accent3" accent4="accent4" accent5="accent5" accent6="accent6" bg1="lt1" bg2="dk2" tx1="dk1" tx2="lt2" folHlink="folHlink" hlink="hlink"/>
+  <p:clrMap bg1="lt1" tx1="dk1" bg2="dk2" tx2="lt2" accent1="accent1" accent2="accent2" accent3="accent3" accent4="accent4" accent5="accent5" accent6="accent6" hlink="hlink" folHlink="folHlink"/>
   <p:sldLayoutIdLst>
     <p:sldLayoutId id="2147483648" r:id="rId1"/>
     <p:sldLayoutId id="2147483649" r:id="rId2"/>
@@ -5998,10 +6182,10 @@
     <p:sldLayoutId id="2147483657" r:id="rId10"/>
     <p:sldLayoutId id="2147483658" r:id="rId11"/>
   </p:sldLayoutIdLst>
-  <p:hf dt="0" ftr="0" hdr="0" sldNum="0"/>
+  <p:hf sldNum="0" hdr="0" ftr="0" dt="0"/>
   <p:txStyles>
     <p:titleStyle>
-      <a:defPPr lvl="0" marR="0" rtl="0" algn="l">
+      <a:defPPr marR="0" lvl="0" algn="l" rtl="0">
         <a:lnSpc>
           <a:spcPct val="100000"/>
         </a:lnSpc>
@@ -6012,7 +6196,7 @@
           <a:spcPts val="0"/>
         </a:spcAft>
       </a:defPPr>
-      <a:lvl1pPr lvl="0" marR="0" rtl="0" algn="l">
+      <a:lvl1pPr marR="0" lvl="0" algn="l" rtl="0">
         <a:lnSpc>
           <a:spcPct val="100000"/>
         </a:lnSpc>
@@ -6026,7 +6210,7 @@
           <a:srgbClr val="000000"/>
         </a:buClr>
         <a:buFont typeface="Arial"/>
-        <a:defRPr b="0" i="0" sz="1400" u="none" cap="none" strike="noStrike">
+        <a:defRPr sz="1400" b="0" i="0" u="none" strike="noStrike" cap="none">
           <a:solidFill>
             <a:srgbClr val="000000"/>
           </a:solidFill>
@@ -6036,7 +6220,7 @@
           <a:sym typeface="Arial"/>
         </a:defRPr>
       </a:lvl1pPr>
-      <a:lvl2pPr lvl="1" marR="0" rtl="0" algn="l">
+      <a:lvl2pPr marR="0" lvl="1" algn="l" rtl="0">
         <a:lnSpc>
           <a:spcPct val="100000"/>
         </a:lnSpc>
@@ -6050,7 +6234,7 @@
           <a:srgbClr val="000000"/>
         </a:buClr>
         <a:buFont typeface="Arial"/>
-        <a:defRPr b="0" i="0" sz="1400" u="none" cap="none" strike="noStrike">
+        <a:defRPr sz="1400" b="0" i="0" u="none" strike="noStrike" cap="none">
           <a:solidFill>
             <a:srgbClr val="000000"/>
           </a:solidFill>
@@ -6060,7 +6244,7 @@
           <a:sym typeface="Arial"/>
         </a:defRPr>
       </a:lvl2pPr>
-      <a:lvl3pPr lvl="2" marR="0" rtl="0" algn="l">
+      <a:lvl3pPr marR="0" lvl="2" algn="l" rtl="0">
         <a:lnSpc>
           <a:spcPct val="100000"/>
         </a:lnSpc>
@@ -6074,7 +6258,7 @@
           <a:srgbClr val="000000"/>
         </a:buClr>
         <a:buFont typeface="Arial"/>
-        <a:defRPr b="0" i="0" sz="1400" u="none" cap="none" strike="noStrike">
+        <a:defRPr sz="1400" b="0" i="0" u="none" strike="noStrike" cap="none">
           <a:solidFill>
             <a:srgbClr val="000000"/>
           </a:solidFill>
@@ -6084,7 +6268,7 @@
           <a:sym typeface="Arial"/>
         </a:defRPr>
       </a:lvl3pPr>
-      <a:lvl4pPr lvl="3" marR="0" rtl="0" algn="l">
+      <a:lvl4pPr marR="0" lvl="3" algn="l" rtl="0">
         <a:lnSpc>
           <a:spcPct val="100000"/>
         </a:lnSpc>
@@ -6098,7 +6282,7 @@
           <a:srgbClr val="000000"/>
         </a:buClr>
         <a:buFont typeface="Arial"/>
-        <a:defRPr b="0" i="0" sz="1400" u="none" cap="none" strike="noStrike">
+        <a:defRPr sz="1400" b="0" i="0" u="none" strike="noStrike" cap="none">
           <a:solidFill>
             <a:srgbClr val="000000"/>
           </a:solidFill>
@@ -6108,7 +6292,7 @@
           <a:sym typeface="Arial"/>
         </a:defRPr>
       </a:lvl4pPr>
-      <a:lvl5pPr lvl="4" marR="0" rtl="0" algn="l">
+      <a:lvl5pPr marR="0" lvl="4" algn="l" rtl="0">
         <a:lnSpc>
           <a:spcPct val="100000"/>
         </a:lnSpc>
@@ -6122,7 +6306,7 @@
           <a:srgbClr val="000000"/>
         </a:buClr>
         <a:buFont typeface="Arial"/>
-        <a:defRPr b="0" i="0" sz="1400" u="none" cap="none" strike="noStrike">
+        <a:defRPr sz="1400" b="0" i="0" u="none" strike="noStrike" cap="none">
           <a:solidFill>
             <a:srgbClr val="000000"/>
           </a:solidFill>
@@ -6132,7 +6316,7 @@
           <a:sym typeface="Arial"/>
         </a:defRPr>
       </a:lvl5pPr>
-      <a:lvl6pPr lvl="5" marR="0" rtl="0" algn="l">
+      <a:lvl6pPr marR="0" lvl="5" algn="l" rtl="0">
         <a:lnSpc>
           <a:spcPct val="100000"/>
         </a:lnSpc>
@@ -6146,7 +6330,7 @@
           <a:srgbClr val="000000"/>
         </a:buClr>
         <a:buFont typeface="Arial"/>
-        <a:defRPr b="0" i="0" sz="1400" u="none" cap="none" strike="noStrike">
+        <a:defRPr sz="1400" b="0" i="0" u="none" strike="noStrike" cap="none">
           <a:solidFill>
             <a:srgbClr val="000000"/>
           </a:solidFill>
@@ -6156,7 +6340,7 @@
           <a:sym typeface="Arial"/>
         </a:defRPr>
       </a:lvl6pPr>
-      <a:lvl7pPr lvl="6" marR="0" rtl="0" algn="l">
+      <a:lvl7pPr marR="0" lvl="6" algn="l" rtl="0">
         <a:lnSpc>
           <a:spcPct val="100000"/>
         </a:lnSpc>
@@ -6170,7 +6354,7 @@
           <a:srgbClr val="000000"/>
         </a:buClr>
         <a:buFont typeface="Arial"/>
-        <a:defRPr b="0" i="0" sz="1400" u="none" cap="none" strike="noStrike">
+        <a:defRPr sz="1400" b="0" i="0" u="none" strike="noStrike" cap="none">
           <a:solidFill>
             <a:srgbClr val="000000"/>
           </a:solidFill>
@@ -6180,7 +6364,7 @@
           <a:sym typeface="Arial"/>
         </a:defRPr>
       </a:lvl7pPr>
-      <a:lvl8pPr lvl="7" marR="0" rtl="0" algn="l">
+      <a:lvl8pPr marR="0" lvl="7" algn="l" rtl="0">
         <a:lnSpc>
           <a:spcPct val="100000"/>
         </a:lnSpc>
@@ -6194,7 +6378,7 @@
           <a:srgbClr val="000000"/>
         </a:buClr>
         <a:buFont typeface="Arial"/>
-        <a:defRPr b="0" i="0" sz="1400" u="none" cap="none" strike="noStrike">
+        <a:defRPr sz="1400" b="0" i="0" u="none" strike="noStrike" cap="none">
           <a:solidFill>
             <a:srgbClr val="000000"/>
           </a:solidFill>
@@ -6204,7 +6388,7 @@
           <a:sym typeface="Arial"/>
         </a:defRPr>
       </a:lvl8pPr>
-      <a:lvl9pPr lvl="8" marR="0" rtl="0" algn="l">
+      <a:lvl9pPr marR="0" lvl="8" algn="l" rtl="0">
         <a:lnSpc>
           <a:spcPct val="100000"/>
         </a:lnSpc>
@@ -6218,7 +6402,7 @@
           <a:srgbClr val="000000"/>
         </a:buClr>
         <a:buFont typeface="Arial"/>
-        <a:defRPr b="0" i="0" sz="1400" u="none" cap="none" strike="noStrike">
+        <a:defRPr sz="1400" b="0" i="0" u="none" strike="noStrike" cap="none">
           <a:solidFill>
             <a:srgbClr val="000000"/>
           </a:solidFill>
@@ -6230,7 +6414,7 @@
       </a:lvl9pPr>
     </p:titleStyle>
     <p:bodyStyle>
-      <a:defPPr lvl="0" marR="0" rtl="0" algn="l">
+      <a:defPPr marR="0" lvl="0" algn="l" rtl="0">
         <a:lnSpc>
           <a:spcPct val="100000"/>
         </a:lnSpc>
@@ -6241,7 +6425,7 @@
           <a:spcPts val="0"/>
         </a:spcAft>
       </a:defPPr>
-      <a:lvl1pPr lvl="0" marR="0" rtl="0" algn="l">
+      <a:lvl1pPr marR="0" lvl="0" algn="l" rtl="0">
         <a:lnSpc>
           <a:spcPct val="100000"/>
         </a:lnSpc>
@@ -6255,7 +6439,7 @@
           <a:srgbClr val="000000"/>
         </a:buClr>
         <a:buFont typeface="Arial"/>
-        <a:defRPr b="0" i="0" sz="1400" u="none" cap="none" strike="noStrike">
+        <a:defRPr sz="1400" b="0" i="0" u="none" strike="noStrike" cap="none">
           <a:solidFill>
             <a:srgbClr val="000000"/>
           </a:solidFill>
@@ -6265,7 +6449,7 @@
           <a:sym typeface="Arial"/>
         </a:defRPr>
       </a:lvl1pPr>
-      <a:lvl2pPr lvl="1" marR="0" rtl="0" algn="l">
+      <a:lvl2pPr marR="0" lvl="1" algn="l" rtl="0">
         <a:lnSpc>
           <a:spcPct val="100000"/>
         </a:lnSpc>
@@ -6279,7 +6463,7 @@
           <a:srgbClr val="000000"/>
         </a:buClr>
         <a:buFont typeface="Arial"/>
-        <a:defRPr b="0" i="0" sz="1400" u="none" cap="none" strike="noStrike">
+        <a:defRPr sz="1400" b="0" i="0" u="none" strike="noStrike" cap="none">
           <a:solidFill>
             <a:srgbClr val="000000"/>
           </a:solidFill>
@@ -6289,7 +6473,7 @@
           <a:sym typeface="Arial"/>
         </a:defRPr>
       </a:lvl2pPr>
-      <a:lvl3pPr lvl="2" marR="0" rtl="0" algn="l">
+      <a:lvl3pPr marR="0" lvl="2" algn="l" rtl="0">
         <a:lnSpc>
           <a:spcPct val="100000"/>
         </a:lnSpc>
@@ -6303,7 +6487,7 @@
           <a:srgbClr val="000000"/>
         </a:buClr>
         <a:buFont typeface="Arial"/>
-        <a:defRPr b="0" i="0" sz="1400" u="none" cap="none" strike="noStrike">
+        <a:defRPr sz="1400" b="0" i="0" u="none" strike="noStrike" cap="none">
           <a:solidFill>
             <a:srgbClr val="000000"/>
           </a:solidFill>
@@ -6313,7 +6497,7 @@
           <a:sym typeface="Arial"/>
         </a:defRPr>
       </a:lvl3pPr>
-      <a:lvl4pPr lvl="3" marR="0" rtl="0" algn="l">
+      <a:lvl4pPr marR="0" lvl="3" algn="l" rtl="0">
         <a:lnSpc>
           <a:spcPct val="100000"/>
         </a:lnSpc>
@@ -6327,7 +6511,7 @@
           <a:srgbClr val="000000"/>
         </a:buClr>
         <a:buFont typeface="Arial"/>
-        <a:defRPr b="0" i="0" sz="1400" u="none" cap="none" strike="noStrike">
+        <a:defRPr sz="1400" b="0" i="0" u="none" strike="noStrike" cap="none">
           <a:solidFill>
             <a:srgbClr val="000000"/>
           </a:solidFill>
@@ -6337,7 +6521,7 @@
           <a:sym typeface="Arial"/>
         </a:defRPr>
       </a:lvl4pPr>
-      <a:lvl5pPr lvl="4" marR="0" rtl="0" algn="l">
+      <a:lvl5pPr marR="0" lvl="4" algn="l" rtl="0">
         <a:lnSpc>
           <a:spcPct val="100000"/>
         </a:lnSpc>
@@ -6351,7 +6535,7 @@
           <a:srgbClr val="000000"/>
         </a:buClr>
         <a:buFont typeface="Arial"/>
-        <a:defRPr b="0" i="0" sz="1400" u="none" cap="none" strike="noStrike">
+        <a:defRPr sz="1400" b="0" i="0" u="none" strike="noStrike" cap="none">
           <a:solidFill>
             <a:srgbClr val="000000"/>
           </a:solidFill>
@@ -6361,7 +6545,7 @@
           <a:sym typeface="Arial"/>
         </a:defRPr>
       </a:lvl5pPr>
-      <a:lvl6pPr lvl="5" marR="0" rtl="0" algn="l">
+      <a:lvl6pPr marR="0" lvl="5" algn="l" rtl="0">
         <a:lnSpc>
           <a:spcPct val="100000"/>
         </a:lnSpc>
@@ -6375,7 +6559,7 @@
           <a:srgbClr val="000000"/>
         </a:buClr>
         <a:buFont typeface="Arial"/>
-        <a:defRPr b="0" i="0" sz="1400" u="none" cap="none" strike="noStrike">
+        <a:defRPr sz="1400" b="0" i="0" u="none" strike="noStrike" cap="none">
           <a:solidFill>
             <a:srgbClr val="000000"/>
           </a:solidFill>
@@ -6385,7 +6569,7 @@
           <a:sym typeface="Arial"/>
         </a:defRPr>
       </a:lvl6pPr>
-      <a:lvl7pPr lvl="6" marR="0" rtl="0" algn="l">
+      <a:lvl7pPr marR="0" lvl="6" algn="l" rtl="0">
         <a:lnSpc>
           <a:spcPct val="100000"/>
         </a:lnSpc>
@@ -6399,7 +6583,7 @@
           <a:srgbClr val="000000"/>
         </a:buClr>
         <a:buFont typeface="Arial"/>
-        <a:defRPr b="0" i="0" sz="1400" u="none" cap="none" strike="noStrike">
+        <a:defRPr sz="1400" b="0" i="0" u="none" strike="noStrike" cap="none">
           <a:solidFill>
             <a:srgbClr val="000000"/>
           </a:solidFill>
@@ -6409,7 +6593,7 @@
           <a:sym typeface="Arial"/>
         </a:defRPr>
       </a:lvl7pPr>
-      <a:lvl8pPr lvl="7" marR="0" rtl="0" algn="l">
+      <a:lvl8pPr marR="0" lvl="7" algn="l" rtl="0">
         <a:lnSpc>
           <a:spcPct val="100000"/>
         </a:lnSpc>
@@ -6423,7 +6607,7 @@
           <a:srgbClr val="000000"/>
         </a:buClr>
         <a:buFont typeface="Arial"/>
-        <a:defRPr b="0" i="0" sz="1400" u="none" cap="none" strike="noStrike">
+        <a:defRPr sz="1400" b="0" i="0" u="none" strike="noStrike" cap="none">
           <a:solidFill>
             <a:srgbClr val="000000"/>
           </a:solidFill>
@@ -6433,7 +6617,7 @@
           <a:sym typeface="Arial"/>
         </a:defRPr>
       </a:lvl8pPr>
-      <a:lvl9pPr lvl="8" marR="0" rtl="0" algn="l">
+      <a:lvl9pPr marR="0" lvl="8" algn="l" rtl="0">
         <a:lnSpc>
           <a:spcPct val="100000"/>
         </a:lnSpc>
@@ -6447,7 +6631,7 @@
           <a:srgbClr val="000000"/>
         </a:buClr>
         <a:buFont typeface="Arial"/>
-        <a:defRPr b="0" i="0" sz="1400" u="none" cap="none" strike="noStrike">
+        <a:defRPr sz="1400" b="0" i="0" u="none" strike="noStrike" cap="none">
           <a:solidFill>
             <a:srgbClr val="000000"/>
           </a:solidFill>
@@ -6459,7 +6643,7 @@
       </a:lvl9pPr>
     </p:bodyStyle>
     <p:otherStyle>
-      <a:defPPr lvl="0" marR="0" rtl="0" algn="l">
+      <a:defPPr marR="0" lvl="0" algn="l" rtl="0">
         <a:lnSpc>
           <a:spcPct val="100000"/>
         </a:lnSpc>
@@ -6470,7 +6654,7 @@
           <a:spcPts val="0"/>
         </a:spcAft>
       </a:defPPr>
-      <a:lvl1pPr lvl="0" marR="0" rtl="0" algn="l">
+      <a:lvl1pPr marR="0" lvl="0" algn="l" rtl="0">
         <a:lnSpc>
           <a:spcPct val="100000"/>
         </a:lnSpc>
@@ -6484,7 +6668,7 @@
           <a:srgbClr val="000000"/>
         </a:buClr>
         <a:buFont typeface="Arial"/>
-        <a:defRPr b="0" i="0" sz="1400" u="none" cap="none" strike="noStrike">
+        <a:defRPr sz="1400" b="0" i="0" u="none" strike="noStrike" cap="none">
           <a:solidFill>
             <a:srgbClr val="000000"/>
           </a:solidFill>
@@ -6494,7 +6678,7 @@
           <a:sym typeface="Arial"/>
         </a:defRPr>
       </a:lvl1pPr>
-      <a:lvl2pPr lvl="1" marR="0" rtl="0" algn="l">
+      <a:lvl2pPr marR="0" lvl="1" algn="l" rtl="0">
         <a:lnSpc>
           <a:spcPct val="100000"/>
         </a:lnSpc>
@@ -6508,7 +6692,7 @@
           <a:srgbClr val="000000"/>
         </a:buClr>
         <a:buFont typeface="Arial"/>
-        <a:defRPr b="0" i="0" sz="1400" u="none" cap="none" strike="noStrike">
+        <a:defRPr sz="1400" b="0" i="0" u="none" strike="noStrike" cap="none">
           <a:solidFill>
             <a:srgbClr val="000000"/>
           </a:solidFill>
@@ -6518,7 +6702,7 @@
           <a:sym typeface="Arial"/>
         </a:defRPr>
       </a:lvl2pPr>
-      <a:lvl3pPr lvl="2" marR="0" rtl="0" algn="l">
+      <a:lvl3pPr marR="0" lvl="2" algn="l" rtl="0">
         <a:lnSpc>
           <a:spcPct val="100000"/>
         </a:lnSpc>
@@ -6532,7 +6716,7 @@
           <a:srgbClr val="000000"/>
         </a:buClr>
         <a:buFont typeface="Arial"/>
-        <a:defRPr b="0" i="0" sz="1400" u="none" cap="none" strike="noStrike">
+        <a:defRPr sz="1400" b="0" i="0" u="none" strike="noStrike" cap="none">
           <a:solidFill>
             <a:srgbClr val="000000"/>
           </a:solidFill>
@@ -6542,7 +6726,7 @@
           <a:sym typeface="Arial"/>
         </a:defRPr>
       </a:lvl3pPr>
-      <a:lvl4pPr lvl="3" marR="0" rtl="0" algn="l">
+      <a:lvl4pPr marR="0" lvl="3" algn="l" rtl="0">
         <a:lnSpc>
           <a:spcPct val="100000"/>
         </a:lnSpc>
@@ -6556,7 +6740,7 @@
           <a:srgbClr val="000000"/>
         </a:buClr>
         <a:buFont typeface="Arial"/>
-        <a:defRPr b="0" i="0" sz="1400" u="none" cap="none" strike="noStrike">
+        <a:defRPr sz="1400" b="0" i="0" u="none" strike="noStrike" cap="none">
           <a:solidFill>
             <a:srgbClr val="000000"/>
           </a:solidFill>
@@ -6566,7 +6750,7 @@
           <a:sym typeface="Arial"/>
         </a:defRPr>
       </a:lvl4pPr>
-      <a:lvl5pPr lvl="4" marR="0" rtl="0" algn="l">
+      <a:lvl5pPr marR="0" lvl="4" algn="l" rtl="0">
         <a:lnSpc>
           <a:spcPct val="100000"/>
         </a:lnSpc>
@@ -6580,7 +6764,7 @@
           <a:srgbClr val="000000"/>
         </a:buClr>
         <a:buFont typeface="Arial"/>
-        <a:defRPr b="0" i="0" sz="1400" u="none" cap="none" strike="noStrike">
+        <a:defRPr sz="1400" b="0" i="0" u="none" strike="noStrike" cap="none">
           <a:solidFill>
             <a:srgbClr val="000000"/>
           </a:solidFill>
@@ -6590,7 +6774,7 @@
           <a:sym typeface="Arial"/>
         </a:defRPr>
       </a:lvl5pPr>
-      <a:lvl6pPr lvl="5" marR="0" rtl="0" algn="l">
+      <a:lvl6pPr marR="0" lvl="5" algn="l" rtl="0">
         <a:lnSpc>
           <a:spcPct val="100000"/>
         </a:lnSpc>
@@ -6604,7 +6788,7 @@
           <a:srgbClr val="000000"/>
         </a:buClr>
         <a:buFont typeface="Arial"/>
-        <a:defRPr b="0" i="0" sz="1400" u="none" cap="none" strike="noStrike">
+        <a:defRPr sz="1400" b="0" i="0" u="none" strike="noStrike" cap="none">
           <a:solidFill>
             <a:srgbClr val="000000"/>
           </a:solidFill>
@@ -6614,7 +6798,7 @@
           <a:sym typeface="Arial"/>
         </a:defRPr>
       </a:lvl6pPr>
-      <a:lvl7pPr lvl="6" marR="0" rtl="0" algn="l">
+      <a:lvl7pPr marR="0" lvl="6" algn="l" rtl="0">
         <a:lnSpc>
           <a:spcPct val="100000"/>
         </a:lnSpc>
@@ -6628,7 +6812,7 @@
           <a:srgbClr val="000000"/>
         </a:buClr>
         <a:buFont typeface="Arial"/>
-        <a:defRPr b="0" i="0" sz="1400" u="none" cap="none" strike="noStrike">
+        <a:defRPr sz="1400" b="0" i="0" u="none" strike="noStrike" cap="none">
           <a:solidFill>
             <a:srgbClr val="000000"/>
           </a:solidFill>
@@ -6638,7 +6822,7 @@
           <a:sym typeface="Arial"/>
         </a:defRPr>
       </a:lvl7pPr>
-      <a:lvl8pPr lvl="7" marR="0" rtl="0" algn="l">
+      <a:lvl8pPr marR="0" lvl="7" algn="l" rtl="0">
         <a:lnSpc>
           <a:spcPct val="100000"/>
         </a:lnSpc>
@@ -6652,7 +6836,7 @@
           <a:srgbClr val="000000"/>
         </a:buClr>
         <a:buFont typeface="Arial"/>
-        <a:defRPr b="0" i="0" sz="1400" u="none" cap="none" strike="noStrike">
+        <a:defRPr sz="1400" b="0" i="0" u="none" strike="noStrike" cap="none">
           <a:solidFill>
             <a:srgbClr val="000000"/>
           </a:solidFill>
@@ -6662,7 +6846,7 @@
           <a:sym typeface="Arial"/>
         </a:defRPr>
       </a:lvl8pPr>
-      <a:lvl9pPr lvl="8" marR="0" rtl="0" algn="l">
+      <a:lvl9pPr marR="0" lvl="8" algn="l" rtl="0">
         <a:lnSpc>
           <a:spcPct val="100000"/>
         </a:lnSpc>
@@ -6676,7 +6860,7 @@
           <a:srgbClr val="000000"/>
         </a:buClr>
         <a:buFont typeface="Arial"/>
-        <a:defRPr b="0" i="0" sz="1400" u="none" cap="none" strike="noStrike">
+        <a:defRPr sz="1400" b="0" i="0" u="none" strike="noStrike" cap="none">
           <a:solidFill>
             <a:srgbClr val="000000"/>
           </a:solidFill>
@@ -6692,11 +6876,11 @@
 </file>
 
 <file path=ppt/slides/slide1.xml><?xml version="1.0" encoding="utf-8"?>
-<p:sld xmlns:a="http://schemas.openxmlformats.org/drawingml/2006/main" xmlns:r="http://schemas.openxmlformats.org/officeDocument/2006/relationships" xmlns:mc="http://schemas.openxmlformats.org/markup-compatibility/2006" xmlns:mv="urn:schemas-microsoft-com:mac:vml" xmlns:p="http://schemas.openxmlformats.org/presentationml/2006/main" xmlns:c="http://schemas.openxmlformats.org/drawingml/2006/chart" xmlns:dgm="http://schemas.openxmlformats.org/drawingml/2006/diagram" xmlns:o="urn:schemas-microsoft-com:office:office" xmlns:v="urn:schemas-microsoft-com:vml" xmlns:pvml="urn:schemas-microsoft-com:office:powerpoint" xmlns:com="http://schemas.openxmlformats.org/drawingml/2006/compatibility" xmlns:p14="http://schemas.microsoft.com/office/powerpoint/2010/main" xmlns:p15="http://schemas.microsoft.com/office/powerpoint/2012/main" xmlns:ahyp="http://schemas.microsoft.com/office/drawing/2018/hyperlinkcolor">
+<p:sld xmlns:a="http://schemas.openxmlformats.org/drawingml/2006/main" xmlns:r="http://schemas.openxmlformats.org/officeDocument/2006/relationships" xmlns:p="http://schemas.openxmlformats.org/presentationml/2006/main">
   <p:cSld>
     <p:spTree>
       <p:nvGrpSpPr>
-        <p:cNvPr id="62" name="Shape 62"/>
+        <p:cNvPr id="1" name="Shape 62"/>
         <p:cNvGrpSpPr/>
         <p:nvPr/>
       </p:nvGrpSpPr>
@@ -6711,7 +6895,9 @@
       <p:sp>
         <p:nvSpPr>
           <p:cNvPr id="63" name="Google Shape;63;p13"/>
-          <p:cNvSpPr txBox="1"/>
+          <p:cNvSpPr txBox="1">
+            <a:spLocks noGrp="1"/>
+          </p:cNvSpPr>
           <p:nvPr>
             <p:ph type="ctrTitle"/>
           </p:nvPr>
@@ -6726,12 +6912,12 @@
           </a:prstGeom>
         </p:spPr>
         <p:txBody>
-          <a:bodyPr anchorCtr="0" anchor="b" bIns="91425" lIns="91425" spcFirstLastPara="1" rIns="91425" wrap="square" tIns="91425">
+          <a:bodyPr spcFirstLastPara="1" wrap="square" lIns="91425" tIns="91425" rIns="91425" bIns="91425" anchor="b" anchorCtr="0">
             <a:noAutofit/>
           </a:bodyPr>
           <a:lstStyle/>
           <a:p>
-            <a:pPr indent="0" lvl="0" marL="0" rtl="0" algn="ctr">
+            <a:pPr marL="0" lvl="0" indent="0" algn="ctr" rtl="0">
               <a:spcBef>
                 <a:spcPts val="0"/>
               </a:spcBef>
@@ -6742,19 +6928,21 @@
               <a:buNone/>
             </a:pPr>
             <a:r>
-              <a:rPr lang="es" sz="2500"/>
-              <a:t>Implementación de un modelo Deep Learning para la traducción de lenguaje de señas para personas con discapacidades del habla</a:t>
+              <a:rPr lang="es" sz="2500" dirty="0"/>
+              <a:t>Implementación de un modelo Deep Learning para la traducción de lenguaje de señas para personas con discapacidades del habla en Perú</a:t>
             </a:r>
-            <a:endParaRPr sz="2500"/>
+            <a:endParaRPr sz="2500" dirty="0"/>
           </a:p>
         </p:txBody>
       </p:sp>
       <p:sp>
         <p:nvSpPr>
           <p:cNvPr id="64" name="Google Shape;64;p13"/>
-          <p:cNvSpPr txBox="1"/>
+          <p:cNvSpPr txBox="1">
+            <a:spLocks noGrp="1"/>
+          </p:cNvSpPr>
           <p:nvPr>
-            <p:ph idx="1" type="subTitle"/>
+            <p:ph type="subTitle" idx="1"/>
           </p:nvPr>
         </p:nvSpPr>
         <p:spPr>
@@ -6767,12 +6955,12 @@
           </a:prstGeom>
         </p:spPr>
         <p:txBody>
-          <a:bodyPr anchorCtr="0" anchor="t" bIns="91425" lIns="91425" spcFirstLastPara="1" rIns="91425" wrap="square" tIns="91425">
+          <a:bodyPr spcFirstLastPara="1" wrap="square" lIns="91425" tIns="91425" rIns="91425" bIns="91425" anchor="t" anchorCtr="0">
             <a:normAutofit/>
           </a:bodyPr>
           <a:lstStyle/>
           <a:p>
-            <a:pPr indent="0" lvl="0" marL="0" rtl="0" algn="ctr">
+            <a:pPr marL="0" lvl="0" indent="0" algn="ctr" rtl="0">
               <a:spcBef>
                 <a:spcPts val="0"/>
               </a:spcBef>
@@ -6798,11 +6986,11 @@
 </file>
 
 <file path=ppt/slides/slide2.xml><?xml version="1.0" encoding="utf-8"?>
-<p:sld xmlns:a="http://schemas.openxmlformats.org/drawingml/2006/main" xmlns:r="http://schemas.openxmlformats.org/officeDocument/2006/relationships" xmlns:mc="http://schemas.openxmlformats.org/markup-compatibility/2006" xmlns:mv="urn:schemas-microsoft-com:mac:vml" xmlns:p="http://schemas.openxmlformats.org/presentationml/2006/main" xmlns:c="http://schemas.openxmlformats.org/drawingml/2006/chart" xmlns:dgm="http://schemas.openxmlformats.org/drawingml/2006/diagram" xmlns:o="urn:schemas-microsoft-com:office:office" xmlns:v="urn:schemas-microsoft-com:vml" xmlns:pvml="urn:schemas-microsoft-com:office:powerpoint" xmlns:com="http://schemas.openxmlformats.org/drawingml/2006/compatibility" xmlns:p14="http://schemas.microsoft.com/office/powerpoint/2010/main" xmlns:p15="http://schemas.microsoft.com/office/powerpoint/2012/main" xmlns:ahyp="http://schemas.microsoft.com/office/drawing/2018/hyperlinkcolor">
+<p:sld xmlns:a="http://schemas.openxmlformats.org/drawingml/2006/main" xmlns:r="http://schemas.openxmlformats.org/officeDocument/2006/relationships" xmlns:p="http://schemas.openxmlformats.org/presentationml/2006/main">
   <p:cSld>
     <p:spTree>
       <p:nvGrpSpPr>
-        <p:cNvPr id="68" name="Shape 68"/>
+        <p:cNvPr id="1" name="Shape 68"/>
         <p:cNvGrpSpPr/>
         <p:nvPr/>
       </p:nvGrpSpPr>
@@ -6817,7 +7005,9 @@
       <p:sp>
         <p:nvSpPr>
           <p:cNvPr id="69" name="Google Shape;69;p14"/>
-          <p:cNvSpPr txBox="1"/>
+          <p:cNvSpPr txBox="1">
+            <a:spLocks noGrp="1"/>
+          </p:cNvSpPr>
           <p:nvPr>
             <p:ph type="title"/>
           </p:nvPr>
@@ -6832,12 +7022,12 @@
           </a:prstGeom>
         </p:spPr>
         <p:txBody>
-          <a:bodyPr anchorCtr="0" anchor="b" bIns="91425" lIns="91425" spcFirstLastPara="1" rIns="91425" wrap="square" tIns="91425">
+          <a:bodyPr spcFirstLastPara="1" wrap="square" lIns="91425" tIns="91425" rIns="91425" bIns="91425" anchor="b" anchorCtr="0">
             <a:normAutofit/>
           </a:bodyPr>
           <a:lstStyle/>
           <a:p>
-            <a:pPr indent="0" lvl="0" marL="0" rtl="0" algn="l">
+            <a:pPr marL="0" lvl="0" indent="0" algn="l" rtl="0">
               <a:spcBef>
                 <a:spcPts val="0"/>
               </a:spcBef>
@@ -6857,9 +7047,11 @@
       <p:sp>
         <p:nvSpPr>
           <p:cNvPr id="70" name="Google Shape;70;p14"/>
-          <p:cNvSpPr txBox="1"/>
+          <p:cNvSpPr txBox="1">
+            <a:spLocks noGrp="1"/>
+          </p:cNvSpPr>
           <p:nvPr>
-            <p:ph idx="1" type="body"/>
+            <p:ph type="body" idx="1"/>
           </p:nvPr>
         </p:nvSpPr>
         <p:spPr>
@@ -6872,12 +7064,12 @@
           </a:prstGeom>
         </p:spPr>
         <p:txBody>
-          <a:bodyPr anchorCtr="0" anchor="t" bIns="91425" lIns="91425" spcFirstLastPara="1" rIns="91425" wrap="square" tIns="91425">
+          <a:bodyPr spcFirstLastPara="1" wrap="square" lIns="91425" tIns="91425" rIns="91425" bIns="91425" anchor="t" anchorCtr="0">
             <a:normAutofit fontScale="92500" lnSpcReduction="10000"/>
           </a:bodyPr>
           <a:lstStyle/>
           <a:p>
-            <a:pPr indent="0" lvl="0" marL="0" marR="0" rtl="0" algn="just">
+            <a:pPr marL="0" marR="0" lvl="0" indent="0" algn="just" rtl="0">
               <a:lnSpc>
                 <a:spcPct val="115000"/>
               </a:lnSpc>
@@ -6903,7 +7095,7 @@
             </a:endParaRPr>
           </a:p>
           <a:p>
-            <a:pPr indent="0" lvl="0" marL="0" rtl="0" algn="l">
+            <a:pPr marL="0" lvl="0" indent="0" algn="l" rtl="0">
               <a:spcBef>
                 <a:spcPts val="1200"/>
               </a:spcBef>
@@ -6912,9 +7104,6 @@
               </a:spcAft>
               <a:buNone/>
             </a:pPr>
-            <a:r>
-              <a:t/>
-            </a:r>
             <a:endParaRPr/>
           </a:p>
         </p:txBody>
@@ -6956,11 +7145,11 @@
 </file>
 
 <file path=ppt/slides/slide3.xml><?xml version="1.0" encoding="utf-8"?>
-<p:sld xmlns:a="http://schemas.openxmlformats.org/drawingml/2006/main" xmlns:r="http://schemas.openxmlformats.org/officeDocument/2006/relationships" xmlns:mc="http://schemas.openxmlformats.org/markup-compatibility/2006" xmlns:mv="urn:schemas-microsoft-com:mac:vml" xmlns:p="http://schemas.openxmlformats.org/presentationml/2006/main" xmlns:c="http://schemas.openxmlformats.org/drawingml/2006/chart" xmlns:dgm="http://schemas.openxmlformats.org/drawingml/2006/diagram" xmlns:o="urn:schemas-microsoft-com:office:office" xmlns:v="urn:schemas-microsoft-com:vml" xmlns:pvml="urn:schemas-microsoft-com:office:powerpoint" xmlns:com="http://schemas.openxmlformats.org/drawingml/2006/compatibility" xmlns:p14="http://schemas.microsoft.com/office/powerpoint/2010/main" xmlns:p15="http://schemas.microsoft.com/office/powerpoint/2012/main" xmlns:ahyp="http://schemas.microsoft.com/office/drawing/2018/hyperlinkcolor">
+<p:sld xmlns:a="http://schemas.openxmlformats.org/drawingml/2006/main" xmlns:r="http://schemas.openxmlformats.org/officeDocument/2006/relationships" xmlns:p="http://schemas.openxmlformats.org/presentationml/2006/main">
   <p:cSld>
     <p:spTree>
       <p:nvGrpSpPr>
-        <p:cNvPr id="75" name="Shape 75"/>
+        <p:cNvPr id="1" name="Shape 75"/>
         <p:cNvGrpSpPr/>
         <p:nvPr/>
       </p:nvGrpSpPr>
@@ -6975,7 +7164,9 @@
       <p:sp>
         <p:nvSpPr>
           <p:cNvPr id="76" name="Google Shape;76;p15"/>
-          <p:cNvSpPr txBox="1"/>
+          <p:cNvSpPr txBox="1">
+            <a:spLocks noGrp="1"/>
+          </p:cNvSpPr>
           <p:nvPr>
             <p:ph type="title"/>
           </p:nvPr>
@@ -6990,12 +7181,12 @@
           </a:prstGeom>
         </p:spPr>
         <p:txBody>
-          <a:bodyPr anchorCtr="0" anchor="b" bIns="91425" lIns="91425" spcFirstLastPara="1" rIns="91425" wrap="square" tIns="91425">
+          <a:bodyPr spcFirstLastPara="1" wrap="square" lIns="91425" tIns="91425" rIns="91425" bIns="91425" anchor="b" anchorCtr="0">
             <a:normAutofit/>
           </a:bodyPr>
           <a:lstStyle/>
           <a:p>
-            <a:pPr indent="0" lvl="0" marL="0" rtl="0" algn="l">
+            <a:pPr marL="0" lvl="0" indent="0" algn="l" rtl="0">
               <a:spcBef>
                 <a:spcPts val="0"/>
               </a:spcBef>
@@ -7015,9 +7206,11 @@
       <p:sp>
         <p:nvSpPr>
           <p:cNvPr id="77" name="Google Shape;77;p15"/>
-          <p:cNvSpPr txBox="1"/>
+          <p:cNvSpPr txBox="1">
+            <a:spLocks noGrp="1"/>
+          </p:cNvSpPr>
           <p:nvPr>
-            <p:ph idx="1" type="body"/>
+            <p:ph type="body" idx="1"/>
           </p:nvPr>
         </p:nvSpPr>
         <p:spPr>
@@ -7030,12 +7223,12 @@
           </a:prstGeom>
         </p:spPr>
         <p:txBody>
-          <a:bodyPr anchorCtr="0" anchor="t" bIns="91425" lIns="91425" spcFirstLastPara="1" rIns="91425" wrap="square" tIns="91425">
+          <a:bodyPr spcFirstLastPara="1" wrap="square" lIns="91425" tIns="91425" rIns="91425" bIns="91425" anchor="t" anchorCtr="0">
             <a:normAutofit/>
           </a:bodyPr>
           <a:lstStyle/>
           <a:p>
-            <a:pPr indent="0" lvl="0" marL="0" rtl="0" algn="just">
+            <a:pPr marL="0" lvl="0" indent="0" algn="just" rtl="0">
               <a:spcBef>
                 <a:spcPts val="0"/>
               </a:spcBef>
@@ -7055,9 +7248,11 @@
       <p:sp>
         <p:nvSpPr>
           <p:cNvPr id="78" name="Google Shape;78;p15"/>
-          <p:cNvSpPr txBox="1"/>
+          <p:cNvSpPr txBox="1">
+            <a:spLocks noGrp="1"/>
+          </p:cNvSpPr>
           <p:nvPr>
-            <p:ph idx="2" type="body"/>
+            <p:ph type="body" idx="2"/>
           </p:nvPr>
         </p:nvSpPr>
         <p:spPr>
@@ -7070,12 +7265,12 @@
           </a:prstGeom>
         </p:spPr>
         <p:txBody>
-          <a:bodyPr anchorCtr="0" anchor="t" bIns="91425" lIns="91425" spcFirstLastPara="1" rIns="91425" wrap="square" tIns="91425">
+          <a:bodyPr spcFirstLastPara="1" wrap="square" lIns="91425" tIns="91425" rIns="91425" bIns="91425" anchor="t" anchorCtr="0">
             <a:normAutofit lnSpcReduction="20000"/>
           </a:bodyPr>
           <a:lstStyle/>
           <a:p>
-            <a:pPr indent="0" lvl="0" marL="0" rtl="0" algn="just">
+            <a:pPr marL="0" lvl="0" indent="0" algn="just" rtl="0">
               <a:spcBef>
                 <a:spcPts val="0"/>
               </a:spcBef>
@@ -7091,7 +7286,7 @@
             <a:endParaRPr/>
           </a:p>
           <a:p>
-            <a:pPr indent="0" lvl="0" marL="0" rtl="0" algn="just">
+            <a:pPr marL="0" lvl="0" indent="0" algn="just" rtl="0">
               <a:spcBef>
                 <a:spcPts val="1200"/>
               </a:spcBef>
@@ -7107,7 +7302,7 @@
             <a:endParaRPr/>
           </a:p>
           <a:p>
-            <a:pPr indent="0" lvl="0" marL="0" rtl="0" algn="just">
+            <a:pPr marL="0" lvl="0" indent="0" algn="just" rtl="0">
               <a:spcBef>
                 <a:spcPts val="1200"/>
               </a:spcBef>
@@ -7123,7 +7318,7 @@
             <a:endParaRPr/>
           </a:p>
           <a:p>
-            <a:pPr indent="0" lvl="0" marL="0" rtl="0" algn="just">
+            <a:pPr marL="0" lvl="0" indent="0" algn="just" rtl="0">
               <a:spcBef>
                 <a:spcPts val="1200"/>
               </a:spcBef>
@@ -7149,11 +7344,11 @@
 </file>
 
 <file path=ppt/slides/slide4.xml><?xml version="1.0" encoding="utf-8"?>
-<p:sld xmlns:a="http://schemas.openxmlformats.org/drawingml/2006/main" xmlns:r="http://schemas.openxmlformats.org/officeDocument/2006/relationships" xmlns:mc="http://schemas.openxmlformats.org/markup-compatibility/2006" xmlns:mv="urn:schemas-microsoft-com:mac:vml" xmlns:p="http://schemas.openxmlformats.org/presentationml/2006/main" xmlns:c="http://schemas.openxmlformats.org/drawingml/2006/chart" xmlns:dgm="http://schemas.openxmlformats.org/drawingml/2006/diagram" xmlns:o="urn:schemas-microsoft-com:office:office" xmlns:v="urn:schemas-microsoft-com:vml" xmlns:pvml="urn:schemas-microsoft-com:office:powerpoint" xmlns:com="http://schemas.openxmlformats.org/drawingml/2006/compatibility" xmlns:p14="http://schemas.microsoft.com/office/powerpoint/2010/main" xmlns:p15="http://schemas.microsoft.com/office/powerpoint/2012/main" xmlns:ahyp="http://schemas.microsoft.com/office/drawing/2018/hyperlinkcolor">
+<p:sld xmlns:a="http://schemas.openxmlformats.org/drawingml/2006/main" xmlns:r="http://schemas.openxmlformats.org/officeDocument/2006/relationships" xmlns:p="http://schemas.openxmlformats.org/presentationml/2006/main">
   <p:cSld>
     <p:spTree>
       <p:nvGrpSpPr>
-        <p:cNvPr id="82" name="Shape 82"/>
+        <p:cNvPr id="1" name="Shape 82"/>
         <p:cNvGrpSpPr/>
         <p:nvPr/>
       </p:nvGrpSpPr>
@@ -7168,7 +7363,9 @@
       <p:sp>
         <p:nvSpPr>
           <p:cNvPr id="83" name="Google Shape;83;p16"/>
-          <p:cNvSpPr txBox="1"/>
+          <p:cNvSpPr txBox="1">
+            <a:spLocks noGrp="1"/>
+          </p:cNvSpPr>
           <p:nvPr>
             <p:ph type="title"/>
           </p:nvPr>
@@ -7183,12 +7380,12 @@
           </a:prstGeom>
         </p:spPr>
         <p:txBody>
-          <a:bodyPr anchorCtr="0" anchor="b" bIns="91425" lIns="91425" spcFirstLastPara="1" rIns="91425" wrap="square" tIns="91425">
+          <a:bodyPr spcFirstLastPara="1" wrap="square" lIns="91425" tIns="91425" rIns="91425" bIns="91425" anchor="b" anchorCtr="0">
             <a:normAutofit/>
           </a:bodyPr>
           <a:lstStyle/>
           <a:p>
-            <a:pPr indent="0" lvl="0" marL="0" rtl="0" algn="l">
+            <a:pPr marL="0" lvl="0" indent="0" algn="l" rtl="0">
               <a:spcBef>
                 <a:spcPts val="0"/>
               </a:spcBef>
@@ -7199,11 +7396,7 @@
             </a:pPr>
             <a:r>
               <a:rPr lang="es"/>
-              <a:t>Objetivos </a:t>
-            </a:r>
-            <a:r>
-              <a:rPr lang="es"/>
-              <a:t>General / Específicos</a:t>
+              <a:t>Objetivos General / Específicos</a:t>
             </a:r>
             <a:endParaRPr/>
           </a:p>
@@ -7212,9 +7405,11 @@
       <p:sp>
         <p:nvSpPr>
           <p:cNvPr id="84" name="Google Shape;84;p16"/>
-          <p:cNvSpPr txBox="1"/>
+          <p:cNvSpPr txBox="1">
+            <a:spLocks noGrp="1"/>
+          </p:cNvSpPr>
           <p:nvPr>
-            <p:ph idx="1" type="body"/>
+            <p:ph type="body" idx="1"/>
           </p:nvPr>
         </p:nvSpPr>
         <p:spPr>
@@ -7227,12 +7422,12 @@
           </a:prstGeom>
         </p:spPr>
         <p:txBody>
-          <a:bodyPr anchorCtr="0" anchor="t" bIns="91425" lIns="91425" spcFirstLastPara="1" rIns="91425" wrap="square" tIns="91425">
+          <a:bodyPr spcFirstLastPara="1" wrap="square" lIns="91425" tIns="91425" rIns="91425" bIns="91425" anchor="t" anchorCtr="0">
             <a:normAutofit/>
           </a:bodyPr>
           <a:lstStyle/>
           <a:p>
-            <a:pPr indent="0" lvl="0" marL="0" rtl="0" algn="just">
+            <a:pPr marL="0" lvl="0" indent="0" algn="just" rtl="0">
               <a:spcBef>
                 <a:spcPts val="0"/>
               </a:spcBef>
@@ -7252,9 +7447,11 @@
       <p:sp>
         <p:nvSpPr>
           <p:cNvPr id="85" name="Google Shape;85;p16"/>
-          <p:cNvSpPr txBox="1"/>
+          <p:cNvSpPr txBox="1">
+            <a:spLocks noGrp="1"/>
+          </p:cNvSpPr>
           <p:nvPr>
-            <p:ph idx="2" type="body"/>
+            <p:ph type="body" idx="2"/>
           </p:nvPr>
         </p:nvSpPr>
         <p:spPr>
@@ -7267,12 +7464,12 @@
           </a:prstGeom>
         </p:spPr>
         <p:txBody>
-          <a:bodyPr anchorCtr="0" anchor="t" bIns="91425" lIns="91425" spcFirstLastPara="1" rIns="91425" wrap="square" tIns="91425">
+          <a:bodyPr spcFirstLastPara="1" wrap="square" lIns="91425" tIns="91425" rIns="91425" bIns="91425" anchor="t" anchorCtr="0">
             <a:normAutofit/>
           </a:bodyPr>
           <a:lstStyle/>
           <a:p>
-            <a:pPr indent="0" lvl="0" marL="0" rtl="0" algn="just">
+            <a:pPr marL="0" lvl="0" indent="0" algn="just" rtl="0">
               <a:lnSpc>
                 <a:spcPct val="95000"/>
               </a:lnSpc>
@@ -7292,7 +7489,7 @@
             <a:endParaRPr sz="1090"/>
           </a:p>
           <a:p>
-            <a:pPr indent="0" lvl="0" marL="0" rtl="0" algn="just">
+            <a:pPr marL="0" lvl="0" indent="0" algn="just" rtl="0">
               <a:lnSpc>
                 <a:spcPct val="95000"/>
               </a:lnSpc>
@@ -7312,7 +7509,7 @@
             <a:endParaRPr sz="1090"/>
           </a:p>
           <a:p>
-            <a:pPr indent="0" lvl="0" marL="0" rtl="0" algn="just">
+            <a:pPr marL="0" lvl="0" indent="0" algn="just" rtl="0">
               <a:lnSpc>
                 <a:spcPct val="95000"/>
               </a:lnSpc>
@@ -7332,7 +7529,7 @@
             <a:endParaRPr sz="1090"/>
           </a:p>
           <a:p>
-            <a:pPr indent="0" lvl="0" marL="0" rtl="0" algn="just">
+            <a:pPr marL="0" lvl="0" indent="0" algn="just" rtl="0">
               <a:lnSpc>
                 <a:spcPct val="95000"/>
               </a:lnSpc>
@@ -7362,11 +7559,11 @@
 </file>
 
 <file path=ppt/slides/slide5.xml><?xml version="1.0" encoding="utf-8"?>
-<p:sld xmlns:a="http://schemas.openxmlformats.org/drawingml/2006/main" xmlns:r="http://schemas.openxmlformats.org/officeDocument/2006/relationships" xmlns:mc="http://schemas.openxmlformats.org/markup-compatibility/2006" xmlns:mv="urn:schemas-microsoft-com:mac:vml" xmlns:p="http://schemas.openxmlformats.org/presentationml/2006/main" xmlns:c="http://schemas.openxmlformats.org/drawingml/2006/chart" xmlns:dgm="http://schemas.openxmlformats.org/drawingml/2006/diagram" xmlns:o="urn:schemas-microsoft-com:office:office" xmlns:v="urn:schemas-microsoft-com:vml" xmlns:pvml="urn:schemas-microsoft-com:office:powerpoint" xmlns:com="http://schemas.openxmlformats.org/drawingml/2006/compatibility" xmlns:p14="http://schemas.microsoft.com/office/powerpoint/2010/main" xmlns:p15="http://schemas.microsoft.com/office/powerpoint/2012/main" xmlns:ahyp="http://schemas.microsoft.com/office/drawing/2018/hyperlinkcolor">
+<p:sld xmlns:a="http://schemas.openxmlformats.org/drawingml/2006/main" xmlns:r="http://schemas.openxmlformats.org/officeDocument/2006/relationships" xmlns:p="http://schemas.openxmlformats.org/presentationml/2006/main">
   <p:cSld>
     <p:spTree>
       <p:nvGrpSpPr>
-        <p:cNvPr id="89" name="Shape 89"/>
+        <p:cNvPr id="1" name="Shape 89"/>
         <p:cNvGrpSpPr/>
         <p:nvPr/>
       </p:nvGrpSpPr>
@@ -7381,7 +7578,9 @@
       <p:sp>
         <p:nvSpPr>
           <p:cNvPr id="90" name="Google Shape;90;p17"/>
-          <p:cNvSpPr txBox="1"/>
+          <p:cNvSpPr txBox="1">
+            <a:spLocks noGrp="1"/>
+          </p:cNvSpPr>
           <p:nvPr>
             <p:ph type="title"/>
           </p:nvPr>
@@ -7396,12 +7595,12 @@
           </a:prstGeom>
         </p:spPr>
         <p:txBody>
-          <a:bodyPr anchorCtr="0" anchor="b" bIns="91425" lIns="91425" spcFirstLastPara="1" rIns="91425" wrap="square" tIns="91425">
+          <a:bodyPr spcFirstLastPara="1" wrap="square" lIns="91425" tIns="91425" rIns="91425" bIns="91425" anchor="b" anchorCtr="0">
             <a:normAutofit/>
           </a:bodyPr>
           <a:lstStyle/>
           <a:p>
-            <a:pPr indent="0" lvl="0" marL="0" rtl="0" algn="l">
+            <a:pPr marL="0" lvl="0" indent="0" algn="l" rtl="0">
               <a:spcBef>
                 <a:spcPts val="0"/>
               </a:spcBef>
@@ -7412,11 +7611,7 @@
             </a:pPr>
             <a:r>
               <a:rPr lang="es"/>
-              <a:t>Hipótesis</a:t>
-            </a:r>
-            <a:r>
-              <a:rPr lang="es"/>
-              <a:t> General / Específicos</a:t>
+              <a:t>Hipótesis General / Específicos</a:t>
             </a:r>
             <a:endParaRPr/>
           </a:p>
@@ -7425,9 +7620,11 @@
       <p:sp>
         <p:nvSpPr>
           <p:cNvPr id="91" name="Google Shape;91;p17"/>
-          <p:cNvSpPr txBox="1"/>
+          <p:cNvSpPr txBox="1">
+            <a:spLocks noGrp="1"/>
+          </p:cNvSpPr>
           <p:nvPr>
-            <p:ph idx="1" type="body"/>
+            <p:ph type="body" idx="1"/>
           </p:nvPr>
         </p:nvSpPr>
         <p:spPr>
@@ -7440,12 +7637,12 @@
           </a:prstGeom>
         </p:spPr>
         <p:txBody>
-          <a:bodyPr anchorCtr="0" anchor="t" bIns="91425" lIns="91425" spcFirstLastPara="1" rIns="91425" wrap="square" tIns="91425">
+          <a:bodyPr spcFirstLastPara="1" wrap="square" lIns="91425" tIns="91425" rIns="91425" bIns="91425" anchor="t" anchorCtr="0">
             <a:normAutofit/>
           </a:bodyPr>
           <a:lstStyle/>
           <a:p>
-            <a:pPr indent="0" lvl="0" marL="0" rtl="0" algn="just">
+            <a:pPr marL="0" lvl="0" indent="0" algn="just" rtl="0">
               <a:spcBef>
                 <a:spcPts val="0"/>
               </a:spcBef>
@@ -7465,9 +7662,11 @@
       <p:sp>
         <p:nvSpPr>
           <p:cNvPr id="92" name="Google Shape;92;p17"/>
-          <p:cNvSpPr txBox="1"/>
+          <p:cNvSpPr txBox="1">
+            <a:spLocks noGrp="1"/>
+          </p:cNvSpPr>
           <p:nvPr>
-            <p:ph idx="2" type="body"/>
+            <p:ph type="body" idx="2"/>
           </p:nvPr>
         </p:nvSpPr>
         <p:spPr>
@@ -7480,12 +7679,12 @@
           </a:prstGeom>
         </p:spPr>
         <p:txBody>
-          <a:bodyPr anchorCtr="0" anchor="t" bIns="91425" lIns="91425" spcFirstLastPara="1" rIns="91425" wrap="square" tIns="91425">
+          <a:bodyPr spcFirstLastPara="1" wrap="square" lIns="91425" tIns="91425" rIns="91425" bIns="91425" anchor="t" anchorCtr="0">
             <a:normAutofit fontScale="70000" lnSpcReduction="20000"/>
           </a:bodyPr>
           <a:lstStyle/>
           <a:p>
-            <a:pPr indent="0" lvl="0" marL="0" rtl="0" algn="just">
+            <a:pPr marL="0" lvl="0" indent="0" algn="just" rtl="0">
               <a:spcBef>
                 <a:spcPts val="0"/>
               </a:spcBef>
@@ -7501,7 +7700,7 @@
             <a:endParaRPr/>
           </a:p>
           <a:p>
-            <a:pPr indent="0" lvl="0" marL="0" rtl="0" algn="just">
+            <a:pPr marL="0" lvl="0" indent="0" algn="just" rtl="0">
               <a:spcBef>
                 <a:spcPts val="1200"/>
               </a:spcBef>
@@ -7517,7 +7716,7 @@
             <a:endParaRPr/>
           </a:p>
           <a:p>
-            <a:pPr indent="0" lvl="0" marL="0" rtl="0" algn="just">
+            <a:pPr marL="0" lvl="0" indent="0" algn="just" rtl="0">
               <a:spcBef>
                 <a:spcPts val="1200"/>
               </a:spcBef>
@@ -7533,7 +7732,7 @@
             <a:endParaRPr/>
           </a:p>
           <a:p>
-            <a:pPr indent="0" lvl="0" marL="0" rtl="0" algn="just">
+            <a:pPr marL="0" lvl="0" indent="0" algn="just" rtl="0">
               <a:spcBef>
                 <a:spcPts val="1200"/>
               </a:spcBef>
@@ -7559,11 +7758,11 @@
 </file>
 
 <file path=ppt/slides/slide6.xml><?xml version="1.0" encoding="utf-8"?>
-<p:sld xmlns:a="http://schemas.openxmlformats.org/drawingml/2006/main" xmlns:r="http://schemas.openxmlformats.org/officeDocument/2006/relationships" xmlns:mc="http://schemas.openxmlformats.org/markup-compatibility/2006" xmlns:mv="urn:schemas-microsoft-com:mac:vml" xmlns:p="http://schemas.openxmlformats.org/presentationml/2006/main" xmlns:c="http://schemas.openxmlformats.org/drawingml/2006/chart" xmlns:dgm="http://schemas.openxmlformats.org/drawingml/2006/diagram" xmlns:o="urn:schemas-microsoft-com:office:office" xmlns:v="urn:schemas-microsoft-com:vml" xmlns:pvml="urn:schemas-microsoft-com:office:powerpoint" xmlns:com="http://schemas.openxmlformats.org/drawingml/2006/compatibility" xmlns:p14="http://schemas.microsoft.com/office/powerpoint/2010/main" xmlns:p15="http://schemas.microsoft.com/office/powerpoint/2012/main" xmlns:ahyp="http://schemas.microsoft.com/office/drawing/2018/hyperlinkcolor">
+<p:sld xmlns:a="http://schemas.openxmlformats.org/drawingml/2006/main" xmlns:r="http://schemas.openxmlformats.org/officeDocument/2006/relationships" xmlns:p="http://schemas.openxmlformats.org/presentationml/2006/main">
   <p:cSld>
     <p:spTree>
       <p:nvGrpSpPr>
-        <p:cNvPr id="96" name="Shape 96"/>
+        <p:cNvPr id="1" name="Shape 96"/>
         <p:cNvGrpSpPr/>
         <p:nvPr/>
       </p:nvGrpSpPr>
@@ -7578,7 +7777,9 @@
       <p:sp>
         <p:nvSpPr>
           <p:cNvPr id="97" name="Google Shape;97;p18"/>
-          <p:cNvSpPr txBox="1"/>
+          <p:cNvSpPr txBox="1">
+            <a:spLocks noGrp="1"/>
+          </p:cNvSpPr>
           <p:nvPr>
             <p:ph type="title"/>
           </p:nvPr>
@@ -7593,12 +7794,12 @@
           </a:prstGeom>
         </p:spPr>
         <p:txBody>
-          <a:bodyPr anchorCtr="0" anchor="b" bIns="91425" lIns="91425" spcFirstLastPara="1" rIns="91425" wrap="square" tIns="91425">
+          <a:bodyPr spcFirstLastPara="1" wrap="square" lIns="91425" tIns="91425" rIns="91425" bIns="91425" anchor="b" anchorCtr="0">
             <a:normAutofit/>
           </a:bodyPr>
           <a:lstStyle/>
           <a:p>
-            <a:pPr indent="0" lvl="0" marL="0" rtl="0" algn="l">
+            <a:pPr marL="0" lvl="0" indent="0" algn="l" rtl="0">
               <a:spcBef>
                 <a:spcPts val="0"/>
               </a:spcBef>
@@ -7652,11 +7853,11 @@
 </file>
 
 <file path=ppt/slides/slide7.xml><?xml version="1.0" encoding="utf-8"?>
-<p:sld xmlns:a="http://schemas.openxmlformats.org/drawingml/2006/main" xmlns:r="http://schemas.openxmlformats.org/officeDocument/2006/relationships" xmlns:mc="http://schemas.openxmlformats.org/markup-compatibility/2006" xmlns:mv="urn:schemas-microsoft-com:mac:vml" xmlns:p="http://schemas.openxmlformats.org/presentationml/2006/main" xmlns:c="http://schemas.openxmlformats.org/drawingml/2006/chart" xmlns:dgm="http://schemas.openxmlformats.org/drawingml/2006/diagram" xmlns:o="urn:schemas-microsoft-com:office:office" xmlns:v="urn:schemas-microsoft-com:vml" xmlns:pvml="urn:schemas-microsoft-com:office:powerpoint" xmlns:com="http://schemas.openxmlformats.org/drawingml/2006/compatibility" xmlns:p14="http://schemas.microsoft.com/office/powerpoint/2010/main" xmlns:p15="http://schemas.microsoft.com/office/powerpoint/2012/main" xmlns:ahyp="http://schemas.microsoft.com/office/drawing/2018/hyperlinkcolor">
+<p:sld xmlns:a="http://schemas.openxmlformats.org/drawingml/2006/main" xmlns:r="http://schemas.openxmlformats.org/officeDocument/2006/relationships" xmlns:p="http://schemas.openxmlformats.org/presentationml/2006/main">
   <p:cSld>
     <p:spTree>
       <p:nvGrpSpPr>
-        <p:cNvPr id="102" name="Shape 102"/>
+        <p:cNvPr id="1" name="Shape 102"/>
         <p:cNvGrpSpPr/>
         <p:nvPr/>
       </p:nvGrpSpPr>
@@ -7688,12 +7889,12 @@
           </a:ln>
         </p:spPr>
         <p:txBody>
-          <a:bodyPr anchorCtr="0" anchor="ctr" bIns="91425" lIns="91425" spcFirstLastPara="1" rIns="91425" wrap="square" tIns="91425">
+          <a:bodyPr spcFirstLastPara="1" wrap="square" lIns="91425" tIns="91425" rIns="91425" bIns="91425" anchor="ctr" anchorCtr="0">
             <a:normAutofit fontScale="70000" lnSpcReduction="10000"/>
           </a:bodyPr>
           <a:lstStyle/>
           <a:p>
-            <a:pPr indent="0" lvl="0" marL="0" marR="0" rtl="0" algn="just">
+            <a:pPr marL="0" marR="0" lvl="0" indent="0" algn="just" rtl="0">
               <a:lnSpc>
                 <a:spcPct val="115000"/>
               </a:lnSpc>
@@ -7728,7 +7929,7 @@
             </a:endParaRPr>
           </a:p>
           <a:p>
-            <a:pPr indent="-308610" lvl="0" marL="457200" marR="0" rtl="0" algn="just">
+            <a:pPr marL="457200" marR="0" lvl="0" indent="-308610" algn="just" rtl="0">
               <a:lnSpc>
                 <a:spcPct val="115000"/>
               </a:lnSpc>
@@ -7768,7 +7969,7 @@
             </a:endParaRPr>
           </a:p>
           <a:p>
-            <a:pPr indent="0" lvl="0" marL="0" marR="0" rtl="0" algn="just">
+            <a:pPr marL="0" marR="0" lvl="0" indent="0" algn="just" rtl="0">
               <a:lnSpc>
                 <a:spcPct val="115000"/>
               </a:lnSpc>
@@ -7803,7 +8004,7 @@
             </a:endParaRPr>
           </a:p>
           <a:p>
-            <a:pPr indent="-290830" lvl="0" marL="457200" rtl="0" algn="just">
+            <a:pPr marL="457200" lvl="0" indent="-290830" algn="just" rtl="0">
               <a:lnSpc>
                 <a:spcPct val="115000"/>
               </a:lnSpc>
@@ -7843,7 +8044,7 @@
             </a:endParaRPr>
           </a:p>
           <a:p>
-            <a:pPr indent="0" lvl="0" marL="0" marR="0" rtl="0" algn="just">
+            <a:pPr marL="0" marR="0" lvl="0" indent="0" algn="just" rtl="0">
               <a:lnSpc>
                 <a:spcPct val="115000"/>
               </a:lnSpc>
@@ -7855,9 +8056,6 @@
               </a:spcAft>
               <a:buNone/>
             </a:pPr>
-            <a:r>
-              <a:t/>
-            </a:r>
             <a:endParaRPr sz="1800">
               <a:solidFill>
                 <a:schemeClr val="dk1"/>
@@ -7873,7 +8071,9 @@
       <p:sp>
         <p:nvSpPr>
           <p:cNvPr id="104" name="Google Shape;104;p19"/>
-          <p:cNvSpPr txBox="1"/>
+          <p:cNvSpPr txBox="1">
+            <a:spLocks noGrp="1"/>
+          </p:cNvSpPr>
           <p:nvPr>
             <p:ph type="title"/>
           </p:nvPr>
@@ -7888,12 +8088,12 @@
           </a:prstGeom>
         </p:spPr>
         <p:txBody>
-          <a:bodyPr anchorCtr="0" anchor="b" bIns="91425" lIns="91425" spcFirstLastPara="1" rIns="91425" wrap="square" tIns="91425">
+          <a:bodyPr spcFirstLastPara="1" wrap="square" lIns="91425" tIns="91425" rIns="91425" bIns="91425" anchor="b" anchorCtr="0">
             <a:normAutofit/>
           </a:bodyPr>
           <a:lstStyle/>
           <a:p>
-            <a:pPr indent="0" lvl="0" marL="0" rtl="0" algn="just">
+            <a:pPr marL="0" lvl="0" indent="0" algn="just" rtl="0">
               <a:lnSpc>
                 <a:spcPct val="115000"/>
               </a:lnSpc>
@@ -7938,12 +8138,12 @@
           </a:ln>
         </p:spPr>
         <p:txBody>
-          <a:bodyPr anchorCtr="0" anchor="ctr" bIns="91425" lIns="91425" spcFirstLastPara="1" rIns="91425" wrap="square" tIns="91425">
+          <a:bodyPr spcFirstLastPara="1" wrap="square" lIns="91425" tIns="91425" rIns="91425" bIns="91425" anchor="ctr" anchorCtr="0">
             <a:normAutofit/>
           </a:bodyPr>
           <a:lstStyle/>
           <a:p>
-            <a:pPr indent="0" lvl="0" marL="0" marR="0" rtl="0" algn="just">
+            <a:pPr marL="0" marR="0" lvl="0" indent="0" algn="just" rtl="0">
               <a:lnSpc>
                 <a:spcPct val="115000"/>
               </a:lnSpc>
@@ -7965,19 +8165,7 @@
                 <a:cs typeface="Roboto"/>
                 <a:sym typeface="Roboto"/>
               </a:rPr>
-              <a:t>Resultados</a:t>
-            </a:r>
-            <a:r>
-              <a:rPr lang="es" sz="1800">
-                <a:solidFill>
-                  <a:schemeClr val="dk1"/>
-                </a:solidFill>
-                <a:latin typeface="Roboto"/>
-                <a:ea typeface="Roboto"/>
-                <a:cs typeface="Roboto"/>
-                <a:sym typeface="Roboto"/>
-              </a:rPr>
-              <a:t>: </a:t>
+              <a:t>Resultados: </a:t>
             </a:r>
             <a:endParaRPr sz="1800">
               <a:solidFill>
@@ -7990,7 +8178,7 @@
             </a:endParaRPr>
           </a:p>
           <a:p>
-            <a:pPr indent="-317500" lvl="0" marL="457200" rtl="0" algn="just">
+            <a:pPr marL="457200" lvl="0" indent="-317500" algn="just" rtl="0">
               <a:lnSpc>
                 <a:spcPct val="115000"/>
               </a:lnSpc>
@@ -8030,7 +8218,7 @@
             </a:endParaRPr>
           </a:p>
           <a:p>
-            <a:pPr indent="-317500" lvl="0" marL="457200" rtl="0" algn="just">
+            <a:pPr marL="457200" lvl="0" indent="-317500" algn="just" rtl="0">
               <a:lnSpc>
                 <a:spcPct val="115000"/>
               </a:lnSpc>
@@ -8070,7 +8258,7 @@
             </a:endParaRPr>
           </a:p>
           <a:p>
-            <a:pPr indent="0" lvl="0" marL="0" marR="0" rtl="0" algn="just">
+            <a:pPr marL="0" marR="0" lvl="0" indent="0" algn="just" rtl="0">
               <a:lnSpc>
                 <a:spcPct val="115000"/>
               </a:lnSpc>
@@ -8082,9 +8270,6 @@
               </a:spcAft>
               <a:buNone/>
             </a:pPr>
-            <a:r>
-              <a:t/>
-            </a:r>
             <a:endParaRPr sz="1800">
               <a:solidFill>
                 <a:schemeClr val="dk1"/>
@@ -8106,7 +8291,288 @@
 </file>
 
 <file path=ppt/theme/theme1.xml><?xml version="1.0" encoding="utf-8"?>
-<a:theme xmlns:a="http://schemas.openxmlformats.org/drawingml/2006/main" xmlns:r="http://schemas.openxmlformats.org/officeDocument/2006/relationships">
+<a:theme xmlns:a="http://schemas.openxmlformats.org/drawingml/2006/main" name="Marina">
+  <a:themeElements>
+    <a:clrScheme name="Marina">
+      <a:dk1>
+        <a:srgbClr val="FFFFFF"/>
+      </a:dk1>
+      <a:lt1>
+        <a:srgbClr val="00517C"/>
+      </a:lt1>
+      <a:dk2>
+        <a:srgbClr val="004065"/>
+      </a:dk2>
+      <a:lt2>
+        <a:srgbClr val="CFD8DC"/>
+      </a:lt2>
+      <a:accent1>
+        <a:srgbClr val="0277BD"/>
+      </a:accent1>
+      <a:accent2>
+        <a:srgbClr val="558B2F"/>
+      </a:accent2>
+      <a:accent3>
+        <a:srgbClr val="009688"/>
+      </a:accent3>
+      <a:accent4>
+        <a:srgbClr val="039BE5"/>
+      </a:accent4>
+      <a:accent5>
+        <a:srgbClr val="8BC34A"/>
+      </a:accent5>
+      <a:accent6>
+        <a:srgbClr val="FFEB38"/>
+      </a:accent6>
+      <a:hlink>
+        <a:srgbClr val="8BC34A"/>
+      </a:hlink>
+      <a:folHlink>
+        <a:srgbClr val="8BC34A"/>
+      </a:folHlink>
+    </a:clrScheme>
+    <a:fontScheme name="Office">
+      <a:majorFont>
+        <a:latin typeface="Arial"/>
+        <a:ea typeface=""/>
+        <a:cs typeface=""/>
+        <a:font script="Jpan" typeface="ＭＳ Ｐゴシック"/>
+        <a:font script="Hang" typeface="맑은 고딕"/>
+        <a:font script="Hans" typeface="宋体"/>
+        <a:font script="Hant" typeface="新細明體"/>
+        <a:font script="Arab" typeface="Times New Roman"/>
+        <a:font script="Hebr" typeface="Times New Roman"/>
+        <a:font script="Thai" typeface="Angsana New"/>
+        <a:font script="Ethi" typeface="Nyala"/>
+        <a:font script="Beng" typeface="Vrinda"/>
+        <a:font script="Gujr" typeface="Shruti"/>
+        <a:font script="Khmr" typeface="MoolBoran"/>
+        <a:font script="Knda" typeface="Tunga"/>
+        <a:font script="Guru" typeface="Raavi"/>
+        <a:font script="Cans" typeface="Euphemia"/>
+        <a:font script="Cher" typeface="Plantagenet Cherokee"/>
+        <a:font script="Yiii" typeface="Microsoft Yi Baiti"/>
+        <a:font script="Tibt" typeface="Microsoft Himalaya"/>
+        <a:font script="Thaa" typeface="MV Boli"/>
+        <a:font script="Deva" typeface="Mangal"/>
+        <a:font script="Telu" typeface="Gautami"/>
+        <a:font script="Taml" typeface="Latha"/>
+        <a:font script="Syrc" typeface="Estrangelo Edessa"/>
+        <a:font script="Orya" typeface="Kalinga"/>
+        <a:font script="Mlym" typeface="Kartika"/>
+        <a:font script="Laoo" typeface="DokChampa"/>
+        <a:font script="Sinh" typeface="Iskoola Pota"/>
+        <a:font script="Mong" typeface="Mongolian Baiti"/>
+        <a:font script="Viet" typeface="Times New Roman"/>
+        <a:font script="Uigh" typeface="Microsoft Uighur"/>
+        <a:font script="Geor" typeface="Sylfaen"/>
+      </a:majorFont>
+      <a:minorFont>
+        <a:latin typeface="Arial"/>
+        <a:ea typeface=""/>
+        <a:cs typeface=""/>
+        <a:font script="Jpan" typeface="ＭＳ Ｐゴシック"/>
+        <a:font script="Hang" typeface="맑은 고딕"/>
+        <a:font script="Hans" typeface="宋体"/>
+        <a:font script="Hant" typeface="新細明體"/>
+        <a:font script="Arab" typeface="Arial"/>
+        <a:font script="Hebr" typeface="Arial"/>
+        <a:font script="Thai" typeface="Cordia New"/>
+        <a:font script="Ethi" typeface="Nyala"/>
+        <a:font script="Beng" typeface="Vrinda"/>
+        <a:font script="Gujr" typeface="Shruti"/>
+        <a:font script="Khmr" typeface="DaunPenh"/>
+        <a:font script="Knda" typeface="Tunga"/>
+        <a:font script="Guru" typeface="Raavi"/>
+        <a:font script="Cans" typeface="Euphemia"/>
+        <a:font script="Cher" typeface="Plantagenet Cherokee"/>
+        <a:font script="Yiii" typeface="Microsoft Yi Baiti"/>
+        <a:font script="Tibt" typeface="Microsoft Himalaya"/>
+        <a:font script="Thaa" typeface="MV Boli"/>
+        <a:font script="Deva" typeface="Mangal"/>
+        <a:font script="Telu" typeface="Gautami"/>
+        <a:font script="Taml" typeface="Latha"/>
+        <a:font script="Syrc" typeface="Estrangelo Edessa"/>
+        <a:font script="Orya" typeface="Kalinga"/>
+        <a:font script="Mlym" typeface="Kartika"/>
+        <a:font script="Laoo" typeface="DokChampa"/>
+        <a:font script="Sinh" typeface="Iskoola Pota"/>
+        <a:font script="Mong" typeface="Mongolian Baiti"/>
+        <a:font script="Viet" typeface="Arial"/>
+        <a:font script="Uigh" typeface="Microsoft Uighur"/>
+        <a:font script="Geor" typeface="Sylfaen"/>
+      </a:minorFont>
+    </a:fontScheme>
+    <a:fmtScheme name="Office">
+      <a:fillStyleLst>
+        <a:solidFill>
+          <a:schemeClr val="phClr"/>
+        </a:solidFill>
+        <a:gradFill rotWithShape="1">
+          <a:gsLst>
+            <a:gs pos="0">
+              <a:schemeClr val="phClr">
+                <a:tint val="50000"/>
+                <a:satMod val="300000"/>
+              </a:schemeClr>
+            </a:gs>
+            <a:gs pos="35000">
+              <a:schemeClr val="phClr">
+                <a:tint val="37000"/>
+                <a:satMod val="300000"/>
+              </a:schemeClr>
+            </a:gs>
+            <a:gs pos="100000">
+              <a:schemeClr val="phClr">
+                <a:tint val="15000"/>
+                <a:satMod val="350000"/>
+              </a:schemeClr>
+            </a:gs>
+          </a:gsLst>
+          <a:lin ang="16200000" scaled="1"/>
+        </a:gradFill>
+        <a:gradFill rotWithShape="1">
+          <a:gsLst>
+            <a:gs pos="0">
+              <a:schemeClr val="phClr">
+                <a:tint val="100000"/>
+                <a:shade val="100000"/>
+                <a:satMod val="130000"/>
+              </a:schemeClr>
+            </a:gs>
+            <a:gs pos="100000">
+              <a:schemeClr val="phClr">
+                <a:tint val="50000"/>
+                <a:shade val="100000"/>
+                <a:satMod val="350000"/>
+              </a:schemeClr>
+            </a:gs>
+          </a:gsLst>
+          <a:lin ang="16200000" scaled="0"/>
+        </a:gradFill>
+      </a:fillStyleLst>
+      <a:lnStyleLst>
+        <a:ln w="9525" cap="flat" cmpd="sng" algn="ctr">
+          <a:solidFill>
+            <a:schemeClr val="phClr">
+              <a:shade val="95000"/>
+              <a:satMod val="105000"/>
+            </a:schemeClr>
+          </a:solidFill>
+          <a:prstDash val="solid"/>
+        </a:ln>
+        <a:ln w="25400" cap="flat" cmpd="sng" algn="ctr">
+          <a:solidFill>
+            <a:schemeClr val="phClr"/>
+          </a:solidFill>
+          <a:prstDash val="solid"/>
+        </a:ln>
+        <a:ln w="38100" cap="flat" cmpd="sng" algn="ctr">
+          <a:solidFill>
+            <a:schemeClr val="phClr"/>
+          </a:solidFill>
+          <a:prstDash val="solid"/>
+        </a:ln>
+      </a:lnStyleLst>
+      <a:effectStyleLst>
+        <a:effectStyle>
+          <a:effectLst>
+            <a:outerShdw blurRad="40000" dist="20000" dir="5400000" rotWithShape="0">
+              <a:srgbClr val="000000">
+                <a:alpha val="38000"/>
+              </a:srgbClr>
+            </a:outerShdw>
+          </a:effectLst>
+        </a:effectStyle>
+        <a:effectStyle>
+          <a:effectLst>
+            <a:outerShdw blurRad="40000" dist="23000" dir="5400000" rotWithShape="0">
+              <a:srgbClr val="000000">
+                <a:alpha val="35000"/>
+              </a:srgbClr>
+            </a:outerShdw>
+          </a:effectLst>
+        </a:effectStyle>
+        <a:effectStyle>
+          <a:effectLst>
+            <a:outerShdw blurRad="40000" dist="23000" dir="5400000" rotWithShape="0">
+              <a:srgbClr val="000000">
+                <a:alpha val="35000"/>
+              </a:srgbClr>
+            </a:outerShdw>
+          </a:effectLst>
+          <a:scene3d>
+            <a:camera prst="orthographicFront">
+              <a:rot lat="0" lon="0" rev="0"/>
+            </a:camera>
+            <a:lightRig rig="threePt" dir="t">
+              <a:rot lat="0" lon="0" rev="1200000"/>
+            </a:lightRig>
+          </a:scene3d>
+          <a:sp3d>
+            <a:bevelT w="63500" h="25400"/>
+          </a:sp3d>
+        </a:effectStyle>
+      </a:effectStyleLst>
+      <a:bgFillStyleLst>
+        <a:solidFill>
+          <a:schemeClr val="phClr"/>
+        </a:solidFill>
+        <a:gradFill rotWithShape="1">
+          <a:gsLst>
+            <a:gs pos="0">
+              <a:schemeClr val="phClr">
+                <a:tint val="40000"/>
+                <a:satMod val="350000"/>
+              </a:schemeClr>
+            </a:gs>
+            <a:gs pos="40000">
+              <a:schemeClr val="phClr">
+                <a:tint val="45000"/>
+                <a:shade val="99000"/>
+                <a:satMod val="350000"/>
+              </a:schemeClr>
+            </a:gs>
+            <a:gs pos="100000">
+              <a:schemeClr val="phClr">
+                <a:shade val="20000"/>
+                <a:satMod val="255000"/>
+              </a:schemeClr>
+            </a:gs>
+          </a:gsLst>
+          <a:path path="circle">
+            <a:fillToRect l="50000" t="-80000" r="50000" b="180000"/>
+          </a:path>
+        </a:gradFill>
+        <a:gradFill rotWithShape="1">
+          <a:gsLst>
+            <a:gs pos="0">
+              <a:schemeClr val="phClr">
+                <a:tint val="80000"/>
+                <a:satMod val="300000"/>
+              </a:schemeClr>
+            </a:gs>
+            <a:gs pos="100000">
+              <a:schemeClr val="phClr">
+                <a:shade val="30000"/>
+                <a:satMod val="200000"/>
+              </a:schemeClr>
+            </a:gs>
+          </a:gsLst>
+          <a:path path="circle">
+            <a:fillToRect l="50000" t="50000" r="50000" b="50000"/>
+          </a:path>
+        </a:gradFill>
+      </a:bgFillStyleLst>
+    </a:fmtScheme>
+  </a:themeElements>
+  <a:objectDefaults/>
+  <a:extraClrSchemeLst/>
+</a:theme>
+</file>
+
+<file path=ppt/theme/theme2.xml><?xml version="1.0" encoding="utf-8"?>
+<a:theme xmlns:a="http://schemas.openxmlformats.org/drawingml/2006/main">
   <a:themeElements>
     <a:clrScheme name="Default">
       <a:dk1>
@@ -8381,284 +8847,7 @@
       </a:bgFillStyleLst>
     </a:fmtScheme>
   </a:themeElements>
-</a:theme>
-</file>
-
-<file path=ppt/theme/theme2.xml><?xml version="1.0" encoding="utf-8"?>
-<a:theme xmlns:a="http://schemas.openxmlformats.org/drawingml/2006/main" xmlns:r="http://schemas.openxmlformats.org/officeDocument/2006/relationships" name="Marina">
-  <a:themeElements>
-    <a:clrScheme name="Marina">
-      <a:dk1>
-        <a:srgbClr val="FFFFFF"/>
-      </a:dk1>
-      <a:lt1>
-        <a:srgbClr val="00517C"/>
-      </a:lt1>
-      <a:dk2>
-        <a:srgbClr val="004065"/>
-      </a:dk2>
-      <a:lt2>
-        <a:srgbClr val="CFD8DC"/>
-      </a:lt2>
-      <a:accent1>
-        <a:srgbClr val="0277BD"/>
-      </a:accent1>
-      <a:accent2>
-        <a:srgbClr val="558B2F"/>
-      </a:accent2>
-      <a:accent3>
-        <a:srgbClr val="009688"/>
-      </a:accent3>
-      <a:accent4>
-        <a:srgbClr val="039BE5"/>
-      </a:accent4>
-      <a:accent5>
-        <a:srgbClr val="8BC34A"/>
-      </a:accent5>
-      <a:accent6>
-        <a:srgbClr val="FFEB38"/>
-      </a:accent6>
-      <a:hlink>
-        <a:srgbClr val="8BC34A"/>
-      </a:hlink>
-      <a:folHlink>
-        <a:srgbClr val="8BC34A"/>
-      </a:folHlink>
-    </a:clrScheme>
-    <a:fontScheme name="Office">
-      <a:majorFont>
-        <a:latin typeface="Arial"/>
-        <a:ea typeface=""/>
-        <a:cs typeface=""/>
-        <a:font script="Jpan" typeface="ＭＳ Ｐゴシック"/>
-        <a:font script="Hang" typeface="맑은 고딕"/>
-        <a:font script="Hans" typeface="宋体"/>
-        <a:font script="Hant" typeface="新細明體"/>
-        <a:font script="Arab" typeface="Times New Roman"/>
-        <a:font script="Hebr" typeface="Times New Roman"/>
-        <a:font script="Thai" typeface="Angsana New"/>
-        <a:font script="Ethi" typeface="Nyala"/>
-        <a:font script="Beng" typeface="Vrinda"/>
-        <a:font script="Gujr" typeface="Shruti"/>
-        <a:font script="Khmr" typeface="MoolBoran"/>
-        <a:font script="Knda" typeface="Tunga"/>
-        <a:font script="Guru" typeface="Raavi"/>
-        <a:font script="Cans" typeface="Euphemia"/>
-        <a:font script="Cher" typeface="Plantagenet Cherokee"/>
-        <a:font script="Yiii" typeface="Microsoft Yi Baiti"/>
-        <a:font script="Tibt" typeface="Microsoft Himalaya"/>
-        <a:font script="Thaa" typeface="MV Boli"/>
-        <a:font script="Deva" typeface="Mangal"/>
-        <a:font script="Telu" typeface="Gautami"/>
-        <a:font script="Taml" typeface="Latha"/>
-        <a:font script="Syrc" typeface="Estrangelo Edessa"/>
-        <a:font script="Orya" typeface="Kalinga"/>
-        <a:font script="Mlym" typeface="Kartika"/>
-        <a:font script="Laoo" typeface="DokChampa"/>
-        <a:font script="Sinh" typeface="Iskoola Pota"/>
-        <a:font script="Mong" typeface="Mongolian Baiti"/>
-        <a:font script="Viet" typeface="Times New Roman"/>
-        <a:font script="Uigh" typeface="Microsoft Uighur"/>
-        <a:font script="Geor" typeface="Sylfaen"/>
-      </a:majorFont>
-      <a:minorFont>
-        <a:latin typeface="Arial"/>
-        <a:ea typeface=""/>
-        <a:cs typeface=""/>
-        <a:font script="Jpan" typeface="ＭＳ Ｐゴシック"/>
-        <a:font script="Hang" typeface="맑은 고딕"/>
-        <a:font script="Hans" typeface="宋体"/>
-        <a:font script="Hant" typeface="新細明體"/>
-        <a:font script="Arab" typeface="Arial"/>
-        <a:font script="Hebr" typeface="Arial"/>
-        <a:font script="Thai" typeface="Cordia New"/>
-        <a:font script="Ethi" typeface="Nyala"/>
-        <a:font script="Beng" typeface="Vrinda"/>
-        <a:font script="Gujr" typeface="Shruti"/>
-        <a:font script="Khmr" typeface="DaunPenh"/>
-        <a:font script="Knda" typeface="Tunga"/>
-        <a:font script="Guru" typeface="Raavi"/>
-        <a:font script="Cans" typeface="Euphemia"/>
-        <a:font script="Cher" typeface="Plantagenet Cherokee"/>
-        <a:font script="Yiii" typeface="Microsoft Yi Baiti"/>
-        <a:font script="Tibt" typeface="Microsoft Himalaya"/>
-        <a:font script="Thaa" typeface="MV Boli"/>
-        <a:font script="Deva" typeface="Mangal"/>
-        <a:font script="Telu" typeface="Gautami"/>
-        <a:font script="Taml" typeface="Latha"/>
-        <a:font script="Syrc" typeface="Estrangelo Edessa"/>
-        <a:font script="Orya" typeface="Kalinga"/>
-        <a:font script="Mlym" typeface="Kartika"/>
-        <a:font script="Laoo" typeface="DokChampa"/>
-        <a:font script="Sinh" typeface="Iskoola Pota"/>
-        <a:font script="Mong" typeface="Mongolian Baiti"/>
-        <a:font script="Viet" typeface="Arial"/>
-        <a:font script="Uigh" typeface="Microsoft Uighur"/>
-        <a:font script="Geor" typeface="Sylfaen"/>
-      </a:minorFont>
-    </a:fontScheme>
-    <a:fmtScheme name="Office">
-      <a:fillStyleLst>
-        <a:solidFill>
-          <a:schemeClr val="phClr"/>
-        </a:solidFill>
-        <a:gradFill rotWithShape="1">
-          <a:gsLst>
-            <a:gs pos="0">
-              <a:schemeClr val="phClr">
-                <a:tint val="50000"/>
-                <a:satMod val="300000"/>
-              </a:schemeClr>
-            </a:gs>
-            <a:gs pos="35000">
-              <a:schemeClr val="phClr">
-                <a:tint val="37000"/>
-                <a:satMod val="300000"/>
-              </a:schemeClr>
-            </a:gs>
-            <a:gs pos="100000">
-              <a:schemeClr val="phClr">
-                <a:tint val="15000"/>
-                <a:satMod val="350000"/>
-              </a:schemeClr>
-            </a:gs>
-          </a:gsLst>
-          <a:lin ang="16200000" scaled="1"/>
-        </a:gradFill>
-        <a:gradFill rotWithShape="1">
-          <a:gsLst>
-            <a:gs pos="0">
-              <a:schemeClr val="phClr">
-                <a:tint val="100000"/>
-                <a:shade val="100000"/>
-                <a:satMod val="130000"/>
-              </a:schemeClr>
-            </a:gs>
-            <a:gs pos="100000">
-              <a:schemeClr val="phClr">
-                <a:tint val="50000"/>
-                <a:shade val="100000"/>
-                <a:satMod val="350000"/>
-              </a:schemeClr>
-            </a:gs>
-          </a:gsLst>
-          <a:lin ang="16200000" scaled="0"/>
-        </a:gradFill>
-      </a:fillStyleLst>
-      <a:lnStyleLst>
-        <a:ln w="9525" cap="flat" cmpd="sng" algn="ctr">
-          <a:solidFill>
-            <a:schemeClr val="phClr">
-              <a:shade val="95000"/>
-              <a:satMod val="105000"/>
-            </a:schemeClr>
-          </a:solidFill>
-          <a:prstDash val="solid"/>
-        </a:ln>
-        <a:ln w="25400" cap="flat" cmpd="sng" algn="ctr">
-          <a:solidFill>
-            <a:schemeClr val="phClr"/>
-          </a:solidFill>
-          <a:prstDash val="solid"/>
-        </a:ln>
-        <a:ln w="38100" cap="flat" cmpd="sng" algn="ctr">
-          <a:solidFill>
-            <a:schemeClr val="phClr"/>
-          </a:solidFill>
-          <a:prstDash val="solid"/>
-        </a:ln>
-      </a:lnStyleLst>
-      <a:effectStyleLst>
-        <a:effectStyle>
-          <a:effectLst>
-            <a:outerShdw blurRad="40000" dist="20000" dir="5400000" rotWithShape="0">
-              <a:srgbClr val="000000">
-                <a:alpha val="38000"/>
-              </a:srgbClr>
-            </a:outerShdw>
-          </a:effectLst>
-        </a:effectStyle>
-        <a:effectStyle>
-          <a:effectLst>
-            <a:outerShdw blurRad="40000" dist="23000" dir="5400000" rotWithShape="0">
-              <a:srgbClr val="000000">
-                <a:alpha val="35000"/>
-              </a:srgbClr>
-            </a:outerShdw>
-          </a:effectLst>
-        </a:effectStyle>
-        <a:effectStyle>
-          <a:effectLst>
-            <a:outerShdw blurRad="40000" dist="23000" dir="5400000" rotWithShape="0">
-              <a:srgbClr val="000000">
-                <a:alpha val="35000"/>
-              </a:srgbClr>
-            </a:outerShdw>
-          </a:effectLst>
-          <a:scene3d>
-            <a:camera prst="orthographicFront">
-              <a:rot lat="0" lon="0" rev="0"/>
-            </a:camera>
-            <a:lightRig rig="threePt" dir="t">
-              <a:rot lat="0" lon="0" rev="1200000"/>
-            </a:lightRig>
-          </a:scene3d>
-          <a:sp3d>
-            <a:bevelT w="63500" h="25400"/>
-          </a:sp3d>
-        </a:effectStyle>
-      </a:effectStyleLst>
-      <a:bgFillStyleLst>
-        <a:solidFill>
-          <a:schemeClr val="phClr"/>
-        </a:solidFill>
-        <a:gradFill rotWithShape="1">
-          <a:gsLst>
-            <a:gs pos="0">
-              <a:schemeClr val="phClr">
-                <a:tint val="40000"/>
-                <a:satMod val="350000"/>
-              </a:schemeClr>
-            </a:gs>
-            <a:gs pos="40000">
-              <a:schemeClr val="phClr">
-                <a:tint val="45000"/>
-                <a:shade val="99000"/>
-                <a:satMod val="350000"/>
-              </a:schemeClr>
-            </a:gs>
-            <a:gs pos="100000">
-              <a:schemeClr val="phClr">
-                <a:shade val="20000"/>
-                <a:satMod val="255000"/>
-              </a:schemeClr>
-            </a:gs>
-          </a:gsLst>
-          <a:path path="circle">
-            <a:fillToRect l="50000" t="-80000" r="50000" b="180000"/>
-          </a:path>
-        </a:gradFill>
-        <a:gradFill rotWithShape="1">
-          <a:gsLst>
-            <a:gs pos="0">
-              <a:schemeClr val="phClr">
-                <a:tint val="80000"/>
-                <a:satMod val="300000"/>
-              </a:schemeClr>
-            </a:gs>
-            <a:gs pos="100000">
-              <a:schemeClr val="phClr">
-                <a:shade val="30000"/>
-                <a:satMod val="200000"/>
-              </a:schemeClr>
-            </a:gs>
-          </a:gsLst>
-          <a:path path="circle">
-            <a:fillToRect l="50000" t="50000" r="50000" b="50000"/>
-          </a:path>
-        </a:gradFill>
-      </a:bgFillStyleLst>
-    </a:fmtScheme>
-  </a:themeElements>
+  <a:objectDefaults/>
+  <a:extraClrSchemeLst/>
 </a:theme>
 </file>